--- a/availability.pptx
+++ b/availability.pptx
@@ -5,44 +5,50 @@
     <p:sldMasterId id="2147483680" r:id="rId1"/>
   </p:sldMasterIdLst>
   <p:notesMasterIdLst>
-    <p:notesMasterId r:id="rId34"/>
+    <p:notesMasterId r:id="rId40"/>
   </p:notesMasterIdLst>
   <p:handoutMasterIdLst>
-    <p:handoutMasterId r:id="rId35"/>
+    <p:handoutMasterId r:id="rId41"/>
   </p:handoutMasterIdLst>
   <p:sldIdLst>
     <p:sldId id="256" r:id="rId2"/>
-    <p:sldId id="277" r:id="rId3"/>
+    <p:sldId id="710" r:id="rId3"/>
     <p:sldId id="257" r:id="rId4"/>
-    <p:sldId id="292" r:id="rId5"/>
-    <p:sldId id="259" r:id="rId6"/>
-    <p:sldId id="258" r:id="rId7"/>
-    <p:sldId id="262" r:id="rId8"/>
-    <p:sldId id="278" r:id="rId9"/>
-    <p:sldId id="261" r:id="rId10"/>
-    <p:sldId id="279" r:id="rId11"/>
-    <p:sldId id="284" r:id="rId12"/>
-    <p:sldId id="283" r:id="rId13"/>
-    <p:sldId id="264" r:id="rId14"/>
-    <p:sldId id="265" r:id="rId15"/>
-    <p:sldId id="276" r:id="rId16"/>
-    <p:sldId id="280" r:id="rId17"/>
-    <p:sldId id="266" r:id="rId18"/>
-    <p:sldId id="267" r:id="rId19"/>
-    <p:sldId id="281" r:id="rId20"/>
-    <p:sldId id="268" r:id="rId21"/>
-    <p:sldId id="285" r:id="rId22"/>
-    <p:sldId id="286" r:id="rId23"/>
-    <p:sldId id="271" r:id="rId24"/>
-    <p:sldId id="287" r:id="rId25"/>
-    <p:sldId id="288" r:id="rId26"/>
-    <p:sldId id="272" r:id="rId27"/>
-    <p:sldId id="282" r:id="rId28"/>
-    <p:sldId id="273" r:id="rId29"/>
-    <p:sldId id="289" r:id="rId30"/>
-    <p:sldId id="274" r:id="rId31"/>
-    <p:sldId id="290" r:id="rId32"/>
-    <p:sldId id="291" r:id="rId33"/>
+    <p:sldId id="304" r:id="rId5"/>
+    <p:sldId id="324" r:id="rId6"/>
+    <p:sldId id="262" r:id="rId7"/>
+    <p:sldId id="711" r:id="rId8"/>
+    <p:sldId id="305" r:id="rId9"/>
+    <p:sldId id="306" r:id="rId10"/>
+    <p:sldId id="307" r:id="rId11"/>
+    <p:sldId id="308" r:id="rId12"/>
+    <p:sldId id="309" r:id="rId13"/>
+    <p:sldId id="302" r:id="rId14"/>
+    <p:sldId id="276" r:id="rId15"/>
+    <p:sldId id="310" r:id="rId16"/>
+    <p:sldId id="328" r:id="rId17"/>
+    <p:sldId id="311" r:id="rId18"/>
+    <p:sldId id="312" r:id="rId19"/>
+    <p:sldId id="313" r:id="rId20"/>
+    <p:sldId id="329" r:id="rId21"/>
+    <p:sldId id="712" r:id="rId22"/>
+    <p:sldId id="314" r:id="rId23"/>
+    <p:sldId id="303" r:id="rId24"/>
+    <p:sldId id="713" r:id="rId25"/>
+    <p:sldId id="316" r:id="rId26"/>
+    <p:sldId id="317" r:id="rId27"/>
+    <p:sldId id="260" r:id="rId28"/>
+    <p:sldId id="318" r:id="rId29"/>
+    <p:sldId id="319" r:id="rId30"/>
+    <p:sldId id="327" r:id="rId31"/>
+    <p:sldId id="330" r:id="rId32"/>
+    <p:sldId id="266" r:id="rId33"/>
+    <p:sldId id="267" r:id="rId34"/>
+    <p:sldId id="701" r:id="rId35"/>
+    <p:sldId id="702" r:id="rId36"/>
+    <p:sldId id="703" r:id="rId37"/>
+    <p:sldId id="709" r:id="rId38"/>
+    <p:sldId id="291" r:id="rId39"/>
   </p:sldIdLst>
   <p:sldSz cx="9144000" cy="6858000" type="screen4x3"/>
   <p:notesSz cx="7315200" cy="9601200"/>
@@ -1308,7 +1314,7 @@
         </p:nvCxnSpPr>
         <p:spPr bwMode="auto">
           <a:xfrm>
-            <a:off x="685800" y="1600200"/>
+            <a:off x="685800" y="1827212"/>
             <a:ext cx="7772400" cy="1588"/>
           </a:xfrm>
           <a:prstGeom prst="line">
@@ -3355,7 +3361,7 @@
           <p:cNvPr id="2" name="Title 1">
             <a:extLst>
               <a:ext uri="{FF2B5EF4-FFF2-40B4-BE49-F238E27FC236}">
-                <a16:creationId xmlns:a16="http://schemas.microsoft.com/office/drawing/2014/main" id="{3E16F2FE-7AB9-D95F-CAFC-2B6E246A5FBB}"/>
+                <a16:creationId xmlns:a16="http://schemas.microsoft.com/office/drawing/2014/main" id="{E4C37A17-8EC1-61BA-8CE7-7EBB4DDFFF48}"/>
               </a:ext>
             </a:extLst>
           </p:cNvPr>
@@ -3373,7 +3379,7 @@
           <a:p>
             <a:r>
               <a:rPr lang="en-US" dirty="0"/>
-              <a:t>Outline</a:t>
+              <a:t>Problems with retries</a:t>
             </a:r>
           </a:p>
         </p:txBody>
@@ -3383,7 +3389,7 @@
           <p:cNvPr id="3" name="Content Placeholder 2">
             <a:extLst>
               <a:ext uri="{FF2B5EF4-FFF2-40B4-BE49-F238E27FC236}">
-                <a16:creationId xmlns:a16="http://schemas.microsoft.com/office/drawing/2014/main" id="{0360376D-D0AD-8627-6131-7F80E819B143}"/>
+                <a16:creationId xmlns:a16="http://schemas.microsoft.com/office/drawing/2014/main" id="{B855C670-FB36-31AB-742A-CDBFA4898CF8}"/>
               </a:ext>
             </a:extLst>
           </p:cNvPr>
@@ -3399,22 +3405,27 @@
           <a:bodyPr/>
           <a:lstStyle/>
           <a:p>
-            <a:r>
-              <a:rPr lang="en-US" dirty="0"/>
-              <a:t>Introduction </a:t>
-            </a:r>
-          </a:p>
-          <a:p>
-            <a:r>
-              <a:rPr lang="en-US" b="1" dirty="0"/>
-              <a:t>Dealing with failure</a:t>
-            </a:r>
-          </a:p>
-          <a:p>
-            <a:pPr lvl="1"/>
-            <a:r>
-              <a:rPr lang="en-US" b="1" dirty="0"/>
-              <a:t>Symptom - Slow or no response</a:t>
+            <a:pPr marL="514350" indent="-514350">
+              <a:buFont typeface="+mj-lt"/>
+              <a:buAutoNum type="arabicPeriod"/>
+            </a:pPr>
+            <a:r>
+              <a:rPr lang="en-US" dirty="0"/>
+              <a:t>Service B now</a:t>
+            </a:r>
+            <a:r>
+              <a:rPr lang="en-US" baseline="0" dirty="0"/>
+              <a:t> has two identical requests in queue</a:t>
+            </a:r>
+          </a:p>
+          <a:p>
+            <a:pPr marL="514350" indent="-514350">
+              <a:buFont typeface="+mj-lt"/>
+              <a:buAutoNum type="arabicPeriod"/>
+            </a:pPr>
+            <a:r>
+              <a:rPr lang="en-US" baseline="0" dirty="0"/>
+              <a:t>Retry spike</a:t>
             </a:r>
           </a:p>
         </p:txBody>
@@ -3422,7 +3433,7 @@
     </p:spTree>
     <p:extLst>
       <p:ext uri="{BB962C8B-B14F-4D97-AF65-F5344CB8AC3E}">
-        <p14:creationId xmlns:p14="http://schemas.microsoft.com/office/powerpoint/2010/main" val="346487932"/>
+        <p14:creationId xmlns:p14="http://schemas.microsoft.com/office/powerpoint/2010/main" val="3366513784"/>
       </p:ext>
     </p:extLst>
   </p:cSld>
@@ -3454,7 +3465,7 @@
           <p:cNvPr id="2" name="Title 1">
             <a:extLst>
               <a:ext uri="{FF2B5EF4-FFF2-40B4-BE49-F238E27FC236}">
-                <a16:creationId xmlns:a16="http://schemas.microsoft.com/office/drawing/2014/main" id="{CEABBEB6-659E-5021-30EE-8BBFA4274AC3}"/>
+                <a16:creationId xmlns:a16="http://schemas.microsoft.com/office/drawing/2014/main" id="{2878F672-9057-E038-FA02-0A373BC27972}"/>
               </a:ext>
             </a:extLst>
           </p:cNvPr>
@@ -3472,7 +3483,7 @@
           <a:p>
             <a:r>
               <a:rPr lang="en-US" dirty="0"/>
-              <a:t>Detecting slow response</a:t>
+              <a:t>Identical requests in queue</a:t>
             </a:r>
           </a:p>
         </p:txBody>
@@ -3482,7 +3493,7 @@
           <p:cNvPr id="3" name="Content Placeholder 2">
             <a:extLst>
               <a:ext uri="{FF2B5EF4-FFF2-40B4-BE49-F238E27FC236}">
-                <a16:creationId xmlns:a16="http://schemas.microsoft.com/office/drawing/2014/main" id="{DFC4B49B-6E23-5CDF-D96D-7031E2ADCC66}"/>
+                <a16:creationId xmlns:a16="http://schemas.microsoft.com/office/drawing/2014/main" id="{670BBE85-E9F3-8929-2858-4F25C862F483}"/>
               </a:ext>
             </a:extLst>
           </p:cNvPr>
@@ -3493,55 +3504,35 @@
             <p:ph idx="1"/>
           </p:nvPr>
         </p:nvSpPr>
-        <p:spPr>
-          <a:xfrm>
-            <a:off x="685800" y="1752600"/>
-            <a:ext cx="8305800" cy="4038600"/>
-          </a:xfrm>
-        </p:spPr>
+        <p:spPr/>
         <p:txBody>
           <a:bodyPr/>
           <a:lstStyle/>
           <a:p>
             <a:r>
               <a:rPr lang="en-US" dirty="0"/>
-              <a:t>In</a:t>
+              <a:t>Option</a:t>
             </a:r>
             <a:r>
               <a:rPr lang="en-US" baseline="0" dirty="0"/>
-              <a:t> a distributed system, components communicate through messages.</a:t>
+              <a:t> 1: Service B is idempotent</a:t>
             </a:r>
           </a:p>
           <a:p>
             <a:pPr lvl="1"/>
             <a:r>
+              <a:rPr lang="en-US" dirty="0"/>
+              <a:t>Identical requests always</a:t>
+            </a:r>
+            <a:r>
               <a:rPr lang="en-US" baseline="0" dirty="0"/>
-              <a:t>Requestor sends a message</a:t>
-            </a:r>
-          </a:p>
-          <a:p>
-            <a:pPr lvl="1"/>
-            <a:r>
-              <a:rPr lang="en-US" baseline="0" dirty="0"/>
-              <a:t>Recipient acts on message</a:t>
-            </a:r>
-          </a:p>
-          <a:p>
-            <a:r>
-              <a:rPr lang="en-US" baseline="0" dirty="0"/>
-              <a:t>Requestor, when sending a message, sets a time out interval.</a:t>
-            </a:r>
-          </a:p>
-          <a:p>
-            <a:r>
-              <a:rPr lang="en-US" baseline="0" dirty="0"/>
-              <a:t>If the interval times out, then the response is slow.</a:t>
-            </a:r>
-          </a:p>
-          <a:p>
-            <a:r>
-              <a:rPr lang="en-US" dirty="0"/>
-              <a:t>Distinguishing between a slow response and no response is not possible in a distributed system.</a:t>
+              <a:t> return same results. E.g. multiply by 1</a:t>
+            </a:r>
+          </a:p>
+          <a:p>
+            <a:r>
+              <a:rPr lang="en-US" dirty="0"/>
+              <a:t>Option 2: Service A includes request ID and Service B keeps track of which requests it has serviced.</a:t>
             </a:r>
           </a:p>
         </p:txBody>
@@ -3549,7 +3540,7 @@
     </p:spTree>
     <p:extLst>
       <p:ext uri="{BB962C8B-B14F-4D97-AF65-F5344CB8AC3E}">
-        <p14:creationId xmlns:p14="http://schemas.microsoft.com/office/powerpoint/2010/main" val="2769253080"/>
+        <p14:creationId xmlns:p14="http://schemas.microsoft.com/office/powerpoint/2010/main" val="4046672172"/>
       </p:ext>
     </p:extLst>
   </p:cSld>
@@ -3581,7 +3572,7 @@
           <p:cNvPr id="2" name="Title 1">
             <a:extLst>
               <a:ext uri="{FF2B5EF4-FFF2-40B4-BE49-F238E27FC236}">
-                <a16:creationId xmlns:a16="http://schemas.microsoft.com/office/drawing/2014/main" id="{3E16F2FE-7AB9-D95F-CAFC-2B6E246A5FBB}"/>
+                <a16:creationId xmlns:a16="http://schemas.microsoft.com/office/drawing/2014/main" id="{86850DDC-AEA9-E042-8F35-EA7EE102A89F}"/>
               </a:ext>
             </a:extLst>
           </p:cNvPr>
@@ -3599,7 +3590,7 @@
           <a:p>
             <a:r>
               <a:rPr lang="en-US" dirty="0"/>
-              <a:t>Outline</a:t>
+              <a:t>Retry Spike</a:t>
             </a:r>
           </a:p>
         </p:txBody>
@@ -3609,7 +3600,7 @@
           <p:cNvPr id="3" name="Content Placeholder 2">
             <a:extLst>
               <a:ext uri="{FF2B5EF4-FFF2-40B4-BE49-F238E27FC236}">
-                <a16:creationId xmlns:a16="http://schemas.microsoft.com/office/drawing/2014/main" id="{0360376D-D0AD-8627-6131-7F80E819B143}"/>
+                <a16:creationId xmlns:a16="http://schemas.microsoft.com/office/drawing/2014/main" id="{367ABC1B-740C-C832-C1CB-7238D334D572}"/>
               </a:ext>
             </a:extLst>
           </p:cNvPr>
@@ -3620,74 +3611,59 @@
             <p:ph idx="1"/>
           </p:nvPr>
         </p:nvSpPr>
-        <p:spPr/>
+        <p:spPr>
+          <a:xfrm>
+            <a:off x="685800" y="1752600"/>
+            <a:ext cx="7772400" cy="4038600"/>
+          </a:xfrm>
+        </p:spPr>
         <p:txBody>
           <a:bodyPr/>
           <a:lstStyle/>
           <a:p>
             <a:r>
               <a:rPr lang="en-US" dirty="0"/>
-              <a:t>Introduction </a:t>
-            </a:r>
-          </a:p>
-          <a:p>
+              <a:t>A request from Service A does not generate a response within its deadline so it Service A retries.</a:t>
+            </a:r>
+          </a:p>
+          <a:p>
+            <a:r>
+              <a:rPr lang="en-US" dirty="0"/>
+              <a:t>Now Service </a:t>
+            </a:r>
             <a:r>
               <a:rPr lang="en-US" b="1" dirty="0"/>
-              <a:t>Dealing with failure</a:t>
-            </a:r>
-          </a:p>
-          <a:p>
-            <a:pPr lvl="1"/>
-            <a:r>
-              <a:rPr lang="en-US" b="1" dirty="0"/>
-              <a:t>Symptom - Slow or no response</a:t>
-            </a:r>
-          </a:p>
-          <a:p>
-            <a:pPr lvl="1"/>
-            <a:r>
-              <a:rPr lang="en-US" dirty="0"/>
-              <a:t>Possible causes </a:t>
-            </a:r>
-          </a:p>
-          <a:p>
-            <a:pPr lvl="2"/>
-            <a:r>
-              <a:rPr lang="en-US" b="1" dirty="0"/>
-              <a:t>Congestion</a:t>
-            </a:r>
-          </a:p>
-          <a:p>
-            <a:pPr lvl="2"/>
-            <a:r>
-              <a:rPr lang="en-US" dirty="0"/>
-              <a:t>Scheduling problem</a:t>
-            </a:r>
-          </a:p>
-          <a:p>
-            <a:pPr lvl="2"/>
-            <a:r>
-              <a:rPr lang="en-US" dirty="0"/>
-              <a:t>Failure of an instance (stateful or stateless)</a:t>
-            </a:r>
-          </a:p>
-          <a:p>
-            <a:pPr lvl="2"/>
-            <a:r>
-              <a:rPr lang="en-US" dirty="0"/>
-              <a:t>Failure in the environment</a:t>
-            </a:r>
-          </a:p>
-          <a:p>
-            <a:pPr lvl="1"/>
-            <a:endParaRPr lang="en-US" dirty="0"/>
+              <a:t> A </a:t>
+            </a:r>
+            <a:r>
+              <a:rPr lang="en-US" dirty="0"/>
+              <a:t>has two requests where before it only had one.</a:t>
+            </a:r>
+          </a:p>
+          <a:p>
+            <a:r>
+              <a:rPr lang="en-US" dirty="0"/>
+              <a:t>The Service now sends a third request, and so on</a:t>
+            </a:r>
+          </a:p>
+          <a:p>
+            <a:r>
+              <a:rPr lang="en-US" dirty="0"/>
+              <a:t>The Service B has many clients, each of which are doing the same thing.</a:t>
+            </a:r>
+          </a:p>
+          <a:p>
+            <a:r>
+              <a:rPr lang="en-US" dirty="0"/>
+              <a:t>This generates a “retry spike”</a:t>
+            </a:r>
           </a:p>
         </p:txBody>
       </p:sp>
     </p:spTree>
     <p:extLst>
       <p:ext uri="{BB962C8B-B14F-4D97-AF65-F5344CB8AC3E}">
-        <p14:creationId xmlns:p14="http://schemas.microsoft.com/office/powerpoint/2010/main" val="1239052093"/>
+        <p14:creationId xmlns:p14="http://schemas.microsoft.com/office/powerpoint/2010/main" val="205578787"/>
       </p:ext>
     </p:extLst>
   </p:cSld>
@@ -3719,7 +3695,7 @@
           <p:cNvPr id="2" name="Title 1">
             <a:extLst>
               <a:ext uri="{FF2B5EF4-FFF2-40B4-BE49-F238E27FC236}">
-                <a16:creationId xmlns:a16="http://schemas.microsoft.com/office/drawing/2014/main" id="{F597516F-2606-CAB0-9B74-352DE9901BA1}"/>
+                <a16:creationId xmlns:a16="http://schemas.microsoft.com/office/drawing/2014/main" id="{CE8ADF33-18D3-A0D5-18B1-EDBAD1B5BEE3}"/>
               </a:ext>
             </a:extLst>
           </p:cNvPr>
@@ -3737,7 +3713,7 @@
           <a:p>
             <a:r>
               <a:rPr lang="en-US" dirty="0"/>
-              <a:t>Congestion</a:t>
+              <a:t>Avoiding retry spike</a:t>
             </a:r>
           </a:p>
         </p:txBody>
@@ -3747,7 +3723,7 @@
           <p:cNvPr id="3" name="Content Placeholder 2">
             <a:extLst>
               <a:ext uri="{FF2B5EF4-FFF2-40B4-BE49-F238E27FC236}">
-                <a16:creationId xmlns:a16="http://schemas.microsoft.com/office/drawing/2014/main" id="{4992C075-6287-1CF4-0A1B-732D5E4A853A}"/>
+                <a16:creationId xmlns:a16="http://schemas.microsoft.com/office/drawing/2014/main" id="{C2BBDE2A-77CC-87F5-86A5-E3BB5B78A4B7}"/>
               </a:ext>
             </a:extLst>
           </p:cNvPr>
@@ -3758,68 +3734,26 @@
             <p:ph idx="1"/>
           </p:nvPr>
         </p:nvSpPr>
-        <p:spPr>
-          <a:xfrm>
-            <a:off x="685800" y="1752600"/>
-            <a:ext cx="7772400" cy="4038600"/>
-          </a:xfrm>
-        </p:spPr>
+        <p:spPr/>
         <p:txBody>
           <a:bodyPr/>
           <a:lstStyle/>
           <a:p>
-            <a:pPr lvl="0"/>
-            <a:r>
-              <a:rPr lang="en-US" dirty="0"/>
-              <a:t>Some portion of the system is too busy</a:t>
-            </a:r>
-          </a:p>
-          <a:p>
-            <a:pPr lvl="1"/>
-            <a:r>
-              <a:rPr lang="en-US" dirty="0"/>
-              <a:t>Network</a:t>
-            </a:r>
-          </a:p>
-          <a:p>
-            <a:pPr lvl="1"/>
-            <a:r>
-              <a:rPr lang="en-US" dirty="0"/>
-              <a:t>Computational</a:t>
-            </a:r>
-            <a:r>
-              <a:rPr lang="en-US" baseline="0" dirty="0"/>
-              <a:t> component</a:t>
-            </a:r>
-          </a:p>
-          <a:p>
-            <a:pPr lvl="0"/>
-            <a:r>
-              <a:rPr lang="en-US" dirty="0"/>
-              <a:t>Determined by examining </a:t>
-            </a:r>
-          </a:p>
-          <a:p>
-            <a:pPr lvl="1"/>
-            <a:r>
-              <a:rPr lang="en-US" dirty="0"/>
-              <a:t>utilization measures (CPU</a:t>
-            </a:r>
-            <a:r>
-              <a:rPr lang="en-US" baseline="0" dirty="0"/>
-              <a:t> or network) or</a:t>
-            </a:r>
-          </a:p>
-          <a:p>
-            <a:pPr lvl="1"/>
-            <a:r>
-              <a:rPr lang="en-US" baseline="0" dirty="0"/>
-              <a:t> queue lengths within a </a:t>
-            </a:r>
-            <a:r>
-              <a:rPr lang="en-US" baseline="0"/>
-              <a:t>computational component</a:t>
-            </a:r>
+            <a:r>
+              <a:rPr lang="en-US" dirty="0"/>
+              <a:t>Bound number of incoming requests. Requests can be limited at upstream locations such as gateways or load balancers.</a:t>
+            </a:r>
+          </a:p>
+          <a:p>
+            <a:r>
+              <a:rPr lang="en-US" dirty="0"/>
+              <a:t>Limit retry requests from requestor.</a:t>
+            </a:r>
+          </a:p>
+          <a:p>
+            <a:pPr marL="0" indent="0">
+              <a:buNone/>
+            </a:pPr>
             <a:endParaRPr lang="en-US" dirty="0"/>
           </a:p>
         </p:txBody>
@@ -3827,7 +3761,7 @@
     </p:spTree>
     <p:extLst>
       <p:ext uri="{BB962C8B-B14F-4D97-AF65-F5344CB8AC3E}">
-        <p14:creationId xmlns:p14="http://schemas.microsoft.com/office/powerpoint/2010/main" val="981455474"/>
+        <p14:creationId xmlns:p14="http://schemas.microsoft.com/office/powerpoint/2010/main" val="2598410051"/>
       </p:ext>
     </p:extLst>
   </p:cSld>
@@ -3859,7 +3793,7 @@
           <p:cNvPr id="2" name="Title 1">
             <a:extLst>
               <a:ext uri="{FF2B5EF4-FFF2-40B4-BE49-F238E27FC236}">
-                <a16:creationId xmlns:a16="http://schemas.microsoft.com/office/drawing/2014/main" id="{570DA50D-C4F0-FF09-B9F7-9BDDF07F1AFC}"/>
+                <a16:creationId xmlns:a16="http://schemas.microsoft.com/office/drawing/2014/main" id="{778F0816-4DA1-7382-D51E-B99A47EE3C15}"/>
               </a:ext>
             </a:extLst>
           </p:cNvPr>
@@ -3872,7 +3806,7 @@
         </p:nvSpPr>
         <p:spPr>
           <a:xfrm>
-            <a:off x="685800" y="381000"/>
+            <a:off x="678873" y="457200"/>
             <a:ext cx="7772400" cy="1143000"/>
           </a:xfrm>
         </p:spPr>
@@ -3882,13 +3816,8 @@
           <a:p>
             <a:r>
               <a:rPr lang="en-US" dirty="0"/>
-              <a:t>Masking techniques for </a:t>
-            </a:r>
-            <a:r>
-              <a:rPr lang="en-US" dirty="0" err="1"/>
-              <a:t>congeston</a:t>
-            </a:r>
-            <a:endParaRPr lang="en-US" dirty="0"/>
+              <a:t>Masking techniques for congestion or failure</a:t>
+            </a:r>
           </a:p>
         </p:txBody>
       </p:sp>
@@ -3897,7 +3826,7 @@
           <p:cNvPr id="3" name="Content Placeholder 2">
             <a:extLst>
               <a:ext uri="{FF2B5EF4-FFF2-40B4-BE49-F238E27FC236}">
-                <a16:creationId xmlns:a16="http://schemas.microsoft.com/office/drawing/2014/main" id="{8DC8A989-6B9E-D58B-F2AA-49B72E1A63B4}"/>
+                <a16:creationId xmlns:a16="http://schemas.microsoft.com/office/drawing/2014/main" id="{C8452A5E-4DFF-694E-509A-CFD43F2CA606}"/>
               </a:ext>
             </a:extLst>
           </p:cNvPr>
@@ -3915,41 +3844,13 @@
           <a:p>
             <a:r>
               <a:rPr lang="en-US" dirty="0"/>
-              <a:t>Retry</a:t>
-            </a:r>
-          </a:p>
-          <a:p>
-            <a:pPr lvl="1"/>
-            <a:r>
-              <a:rPr lang="en-US" dirty="0"/>
-              <a:t>Works if the problem is transitory. </a:t>
-            </a:r>
-          </a:p>
-          <a:p>
-            <a:pPr lvl="1"/>
-            <a:r>
-              <a:rPr lang="en-US" dirty="0"/>
-              <a:t>The requestor must be prepared to retry.</a:t>
-            </a:r>
-          </a:p>
-          <a:p>
-            <a:r>
-              <a:rPr lang="en-US" dirty="0"/>
-              <a:t>Scale hardware </a:t>
-            </a:r>
-          </a:p>
-          <a:p>
-            <a:pPr lvl="1"/>
-            <a:r>
-              <a:rPr lang="en-US" dirty="0"/>
-              <a:t>works if the problem is overloaded instance. </a:t>
-            </a:r>
-          </a:p>
-          <a:p>
-            <a:pPr lvl="1"/>
-            <a:r>
-              <a:rPr lang="en-US" dirty="0"/>
-              <a:t>The instance must be under control of autoscaling infrastructure, or the delay will be observable.  Pre-allocating additional instances will shorten delay.</a:t>
+              <a:t>Proceed without requested data. E.g. in a GPS system, if the data from the satellites are not received, proceed with dead reckoning based on other data.</a:t>
+            </a:r>
+          </a:p>
+          <a:p>
+            <a:r>
+              <a:rPr lang="en-US" dirty="0"/>
+              <a:t>Over-request. If multiple resources are being allocated, request more than needed and cancel the remaining requests once the necessary amount is reached. </a:t>
             </a:r>
           </a:p>
         </p:txBody>
@@ -3957,7 +3858,7 @@
     </p:spTree>
     <p:extLst>
       <p:ext uri="{BB962C8B-B14F-4D97-AF65-F5344CB8AC3E}">
-        <p14:creationId xmlns:p14="http://schemas.microsoft.com/office/powerpoint/2010/main" val="662182773"/>
+        <p14:creationId xmlns:p14="http://schemas.microsoft.com/office/powerpoint/2010/main" val="3771956255"/>
       </p:ext>
     </p:extLst>
   </p:cSld>
@@ -3989,7 +3890,7 @@
           <p:cNvPr id="2" name="Title 1">
             <a:extLst>
               <a:ext uri="{FF2B5EF4-FFF2-40B4-BE49-F238E27FC236}">
-                <a16:creationId xmlns:a16="http://schemas.microsoft.com/office/drawing/2014/main" id="{778F0816-4DA1-7382-D51E-B99A47EE3C15}"/>
+                <a16:creationId xmlns:a16="http://schemas.microsoft.com/office/drawing/2014/main" id="{9976D78D-E24B-B663-DE91-BA9D16772E07}"/>
               </a:ext>
             </a:extLst>
           </p:cNvPr>
@@ -4000,20 +3901,20 @@
             <p:ph type="title"/>
           </p:nvPr>
         </p:nvSpPr>
-        <p:spPr>
-          <a:xfrm>
-            <a:off x="678873" y="457200"/>
-            <a:ext cx="7772400" cy="1143000"/>
-          </a:xfrm>
-        </p:spPr>
+        <p:spPr/>
         <p:txBody>
           <a:bodyPr/>
           <a:lstStyle/>
           <a:p>
             <a:r>
               <a:rPr lang="en-US" dirty="0"/>
-              <a:t>Masking techniques for congestion</a:t>
-            </a:r>
+              <a:t>Service</a:t>
+            </a:r>
+            <a:r>
+              <a:rPr lang="en-US" baseline="0" dirty="0"/>
+              <a:t> B has failed</a:t>
+            </a:r>
+            <a:endParaRPr lang="en-US" dirty="0"/>
           </a:p>
         </p:txBody>
       </p:sp>
@@ -4022,7 +3923,7 @@
           <p:cNvPr id="3" name="Content Placeholder 2">
             <a:extLst>
               <a:ext uri="{FF2B5EF4-FFF2-40B4-BE49-F238E27FC236}">
-                <a16:creationId xmlns:a16="http://schemas.microsoft.com/office/drawing/2014/main" id="{C8452A5E-4DFF-694E-509A-CFD43F2CA606}"/>
+                <a16:creationId xmlns:a16="http://schemas.microsoft.com/office/drawing/2014/main" id="{141B5595-32F8-285C-64AA-BAFCAFCACD7C}"/>
               </a:ext>
             </a:extLst>
           </p:cNvPr>
@@ -4038,15 +3939,88 @@
           <a:bodyPr/>
           <a:lstStyle/>
           <a:p>
-            <a:r>
-              <a:rPr lang="en-US" dirty="0"/>
-              <a:t>Proceed without requested data. E.g. in a GPS system, if the data from the satellites are not received, proceed with dead reckoning based on other data.</a:t>
-            </a:r>
-          </a:p>
-          <a:p>
-            <a:r>
-              <a:rPr lang="en-US" dirty="0"/>
-              <a:t>Over-request. If multiple resources are being allocated, request more than needed and cancel the remaining requests once the necessary amount is reached. </a:t>
+            <a:pPr rtl="0" eaLnBrk="1" fontAlgn="base" hangingPunct="1"/>
+            <a:r>
+              <a:rPr lang="en-AU" sz="2800" dirty="0">
+                <a:solidFill>
+                  <a:schemeClr val="tx1"/>
+                </a:solidFill>
+                <a:effectLst/>
+                <a:latin typeface="+mn-lt"/>
+                <a:ea typeface="+mn-ea"/>
+                <a:cs typeface="+mn-cs"/>
+              </a:rPr>
+              <a:t>Failure in the cloud is inevitable.</a:t>
+            </a:r>
+          </a:p>
+          <a:p>
+            <a:pPr lvl="1" rtl="0" eaLnBrk="1" fontAlgn="base" hangingPunct="1"/>
+            <a:r>
+              <a:rPr lang="en-AU" sz="2400" dirty="0">
+                <a:solidFill>
+                  <a:schemeClr val="tx1"/>
+                </a:solidFill>
+                <a:effectLst/>
+                <a:latin typeface="+mn-lt"/>
+                <a:ea typeface="+mn-ea"/>
+                <a:cs typeface="+mn-cs"/>
+              </a:rPr>
+              <a:t>In a data </a:t>
+            </a:r>
+            <a:r>
+              <a:rPr lang="en-AU" sz="2400" dirty="0" err="1">
+                <a:solidFill>
+                  <a:schemeClr val="tx1"/>
+                </a:solidFill>
+                <a:effectLst/>
+                <a:latin typeface="+mn-lt"/>
+                <a:ea typeface="+mn-ea"/>
+                <a:cs typeface="+mn-cs"/>
+              </a:rPr>
+              <a:t>center</a:t>
+            </a:r>
+            <a:r>
+              <a:rPr lang="en-AU" sz="2400" dirty="0">
+                <a:solidFill>
+                  <a:schemeClr val="tx1"/>
+                </a:solidFill>
+                <a:effectLst/>
+                <a:latin typeface="+mn-lt"/>
+                <a:ea typeface="+mn-ea"/>
+                <a:cs typeface="+mn-cs"/>
+              </a:rPr>
+              <a:t> with ~64,000 servers ~5 servers fail every day.</a:t>
+            </a:r>
+          </a:p>
+          <a:p>
+            <a:r>
+              <a:rPr lang="en-AU" dirty="0"/>
+              <a:t>Detecting failure</a:t>
+            </a:r>
+            <a:endParaRPr lang="en-AU" dirty="0">
+              <a:solidFill>
+                <a:schemeClr val="tx1"/>
+              </a:solidFill>
+              <a:effectLst/>
+              <a:latin typeface="+mn-lt"/>
+              <a:ea typeface="+mn-ea"/>
+              <a:cs typeface="+mn-cs"/>
+            </a:endParaRPr>
+          </a:p>
+          <a:p>
+            <a:pPr lvl="1" rtl="0" eaLnBrk="1" fontAlgn="base" hangingPunct="1"/>
+            <a:r>
+              <a:rPr lang="en-AU" dirty="0"/>
+              <a:t>Lack of response to a request for service</a:t>
+            </a:r>
+          </a:p>
+          <a:p>
+            <a:pPr lvl="1" rtl="0" eaLnBrk="1" fontAlgn="base" hangingPunct="1"/>
+            <a:r>
+              <a:rPr lang="en-AU" dirty="0">
+                <a:effectLst/>
+              </a:rPr>
+              <a:t>Health check.</a:t>
             </a:r>
           </a:p>
         </p:txBody>
@@ -4054,7 +4028,7 @@
     </p:spTree>
     <p:extLst>
       <p:ext uri="{BB962C8B-B14F-4D97-AF65-F5344CB8AC3E}">
-        <p14:creationId xmlns:p14="http://schemas.microsoft.com/office/powerpoint/2010/main" val="3048292258"/>
+        <p14:creationId xmlns:p14="http://schemas.microsoft.com/office/powerpoint/2010/main" val="3433671180"/>
       </p:ext>
     </p:extLst>
   </p:cSld>
@@ -4086,7 +4060,7 @@
           <p:cNvPr id="2" name="Title 1">
             <a:extLst>
               <a:ext uri="{FF2B5EF4-FFF2-40B4-BE49-F238E27FC236}">
-                <a16:creationId xmlns:a16="http://schemas.microsoft.com/office/drawing/2014/main" id="{3E16F2FE-7AB9-D95F-CAFC-2B6E246A5FBB}"/>
+                <a16:creationId xmlns:a16="http://schemas.microsoft.com/office/drawing/2014/main" id="{3609113A-3F17-FA74-3D69-FA8E04303173}"/>
               </a:ext>
             </a:extLst>
           </p:cNvPr>
@@ -4104,7 +4078,7 @@
           <a:p>
             <a:r>
               <a:rPr lang="en-US" dirty="0"/>
-              <a:t>Outline</a:t>
+              <a:t>Fallback if Service B has failed</a:t>
             </a:r>
           </a:p>
         </p:txBody>
@@ -4114,7 +4088,7 @@
           <p:cNvPr id="3" name="Content Placeholder 2">
             <a:extLst>
               <a:ext uri="{FF2B5EF4-FFF2-40B4-BE49-F238E27FC236}">
-                <a16:creationId xmlns:a16="http://schemas.microsoft.com/office/drawing/2014/main" id="{0360376D-D0AD-8627-6131-7F80E819B143}"/>
+                <a16:creationId xmlns:a16="http://schemas.microsoft.com/office/drawing/2014/main" id="{8933956B-E383-197C-0970-5504CEB97A30}"/>
               </a:ext>
             </a:extLst>
           </p:cNvPr>
@@ -4131,73 +4105,29 @@
           <a:lstStyle/>
           <a:p>
             <a:r>
-              <a:rPr lang="en-US" dirty="0"/>
-              <a:t>Introduction </a:t>
-            </a:r>
-          </a:p>
-          <a:p>
-            <a:r>
-              <a:rPr lang="en-US" dirty="0"/>
-              <a:t>Dealing with failure</a:t>
+              <a:rPr lang="en-US" dirty="0">
+                <a:effectLst/>
+              </a:rPr>
+              <a:t>Service A should have fallback in case Service B has failed.</a:t>
             </a:r>
           </a:p>
           <a:p>
             <a:pPr lvl="1"/>
             <a:r>
-              <a:rPr lang="en-US" dirty="0"/>
-              <a:t>Symptom - Slow or no response</a:t>
+              <a:rPr lang="en-US" dirty="0">
+                <a:effectLst/>
+              </a:rPr>
+              <a:t> alternative method for determining values, </a:t>
             </a:r>
           </a:p>
           <a:p>
             <a:pPr lvl="1"/>
             <a:r>
-              <a:rPr lang="en-US" dirty="0"/>
-              <a:t>Possible causes </a:t>
-            </a:r>
-          </a:p>
-          <a:p>
-            <a:pPr lvl="2"/>
-            <a:r>
-              <a:rPr lang="en-US" dirty="0"/>
-              <a:t>Congestion</a:t>
-            </a:r>
-          </a:p>
-          <a:p>
-            <a:pPr lvl="2"/>
-            <a:r>
-              <a:rPr lang="en-US" b="1" dirty="0"/>
-              <a:t>Scheduling problem</a:t>
-            </a:r>
-          </a:p>
-          <a:p>
-            <a:pPr lvl="2"/>
-            <a:r>
-              <a:rPr lang="en-US" dirty="0"/>
-              <a:t>Failure of an </a:t>
-            </a:r>
-            <a:r>
-              <a:rPr lang="en-US" dirty="0" err="1"/>
-              <a:t>an</a:t>
-            </a:r>
-            <a:r>
-              <a:rPr lang="en-US" dirty="0"/>
-              <a:t> instance (stateful or stateless</a:t>
-            </a:r>
-            <a:r>
-              <a:rPr lang="en-US" b="1" dirty="0"/>
-              <a:t>)</a:t>
-            </a:r>
-            <a:endParaRPr lang="en-US" dirty="0"/>
-          </a:p>
-          <a:p>
-            <a:pPr lvl="2"/>
-            <a:r>
-              <a:rPr lang="en-US" dirty="0"/>
-              <a:t>Failure in the environment</a:t>
-            </a:r>
-          </a:p>
-          <a:p>
-            <a:pPr lvl="1"/>
+              <a:rPr lang="en-US" dirty="0">
+                <a:effectLst/>
+              </a:rPr>
+              <a:t>showing default recommendations rather than personalized recommendations</a:t>
+            </a:r>
             <a:endParaRPr lang="en-US" dirty="0"/>
           </a:p>
         </p:txBody>
@@ -4205,7 +4135,7 @@
     </p:spTree>
     <p:extLst>
       <p:ext uri="{BB962C8B-B14F-4D97-AF65-F5344CB8AC3E}">
-        <p14:creationId xmlns:p14="http://schemas.microsoft.com/office/powerpoint/2010/main" val="3097431887"/>
+        <p14:creationId xmlns:p14="http://schemas.microsoft.com/office/powerpoint/2010/main" val="105348103"/>
       </p:ext>
     </p:extLst>
   </p:cSld>
@@ -4237,7 +4167,7 @@
           <p:cNvPr id="2" name="Title 1">
             <a:extLst>
               <a:ext uri="{FF2B5EF4-FFF2-40B4-BE49-F238E27FC236}">
-                <a16:creationId xmlns:a16="http://schemas.microsoft.com/office/drawing/2014/main" id="{F88DDC43-1455-3215-9E17-6A65F687FEC6}"/>
+                <a16:creationId xmlns:a16="http://schemas.microsoft.com/office/drawing/2014/main" id="{7E8F90BA-76DF-6A3C-9CBF-ECD2A0EF3FD9}"/>
               </a:ext>
             </a:extLst>
           </p:cNvPr>
@@ -4255,8 +4185,13 @@
           <a:p>
             <a:r>
               <a:rPr lang="en-US" dirty="0"/>
-              <a:t>Scheduling problem</a:t>
-            </a:r>
+              <a:t>Strategies to recover</a:t>
+            </a:r>
+            <a:r>
+              <a:rPr lang="en-US" baseline="0" dirty="0"/>
+              <a:t> from failure of a single service</a:t>
+            </a:r>
+            <a:endParaRPr lang="en-US" dirty="0"/>
           </a:p>
         </p:txBody>
       </p:sp>
@@ -4265,7 +4200,7 @@
           <p:cNvPr id="3" name="Content Placeholder 2">
             <a:extLst>
               <a:ext uri="{FF2B5EF4-FFF2-40B4-BE49-F238E27FC236}">
-                <a16:creationId xmlns:a16="http://schemas.microsoft.com/office/drawing/2014/main" id="{4831CB4C-ED28-2F02-3B4E-A155C51ACD0D}"/>
+                <a16:creationId xmlns:a16="http://schemas.microsoft.com/office/drawing/2014/main" id="{B80E4DD5-D82B-D106-FC9D-C118D58C4363}"/>
               </a:ext>
             </a:extLst>
           </p:cNvPr>
@@ -4281,94 +4216,23 @@
           <a:bodyPr/>
           <a:lstStyle/>
           <a:p>
-            <a:pPr marL="342900" marR="0" lvl="0" indent="-342900" algn="l" defTabSz="914400" rtl="0" eaLnBrk="1" fontAlgn="base" latinLnBrk="0" hangingPunct="1">
-              <a:lnSpc>
-                <a:spcPct val="100000"/>
-              </a:lnSpc>
-              <a:spcBef>
-                <a:spcPct val="20000"/>
-              </a:spcBef>
-              <a:spcAft>
-                <a:spcPct val="0"/>
-              </a:spcAft>
-              <a:buClr>
-                <a:srgbClr val="005481"/>
-              </a:buClr>
-              <a:buSzTx/>
-              <a:buFont typeface="Times" charset="0"/>
-              <a:buChar char="•"/>
-              <a:tabLst/>
-              <a:defRPr/>
+            <a:pPr marL="514350" indent="-514350">
+              <a:buFont typeface="+mj-lt"/>
+              <a:buAutoNum type="arabicPeriod"/>
             </a:pPr>
             <a:r>
-              <a:rPr lang="en-US" sz="2800" baseline="0" dirty="0">
-                <a:solidFill>
-                  <a:schemeClr val="tx1"/>
-                </a:solidFill>
-                <a:effectLst/>
-                <a:latin typeface="+mn-lt"/>
-                <a:ea typeface="+mn-ea"/>
-                <a:cs typeface="+mn-cs"/>
-              </a:rPr>
-              <a:t>In real time systems, threads are</a:t>
-            </a:r>
-            <a:r>
-              <a:rPr lang="en-US" sz="2800" dirty="0">
-                <a:solidFill>
-                  <a:schemeClr val="tx1"/>
-                </a:solidFill>
-                <a:effectLst/>
-                <a:latin typeface="+mn-lt"/>
-                <a:ea typeface="+mn-ea"/>
-                <a:cs typeface="+mn-cs"/>
-              </a:rPr>
-              <a:t> prioritized. </a:t>
-            </a:r>
-            <a:endParaRPr lang="en-US" sz="2800" baseline="0" dirty="0">
-              <a:solidFill>
-                <a:schemeClr val="tx1"/>
-              </a:solidFill>
-              <a:effectLst/>
-              <a:latin typeface="+mn-lt"/>
-              <a:ea typeface="+mn-ea"/>
-              <a:cs typeface="+mn-cs"/>
-            </a:endParaRPr>
-          </a:p>
-          <a:p>
-            <a:pPr marL="342900" marR="0" lvl="0" indent="-342900" algn="l" defTabSz="914400" rtl="0" eaLnBrk="1" fontAlgn="base" latinLnBrk="0" hangingPunct="1">
-              <a:lnSpc>
-                <a:spcPct val="100000"/>
-              </a:lnSpc>
-              <a:spcBef>
-                <a:spcPct val="20000"/>
-              </a:spcBef>
-              <a:spcAft>
-                <a:spcPct val="0"/>
-              </a:spcAft>
-              <a:buClr>
-                <a:srgbClr val="005481"/>
-              </a:buClr>
-              <a:buSzTx/>
-              <a:buFont typeface="Times" charset="0"/>
-              <a:buChar char="•"/>
-              <a:tabLst/>
-              <a:defRPr/>
+              <a:rPr lang="en-US" dirty="0"/>
+              <a:t>Stateful services</a:t>
+            </a:r>
+          </a:p>
+          <a:p>
+            <a:pPr marL="514350" indent="-514350">
+              <a:buFont typeface="+mj-lt"/>
+              <a:buAutoNum type="arabicPeriod"/>
             </a:pPr>
             <a:r>
               <a:rPr lang="en-US" dirty="0"/>
-              <a:t>P</a:t>
-            </a:r>
-            <a:r>
-              <a:rPr lang="en-US" sz="2800" baseline="0" dirty="0">
-                <a:solidFill>
-                  <a:schemeClr val="tx1"/>
-                </a:solidFill>
-                <a:effectLst/>
-                <a:latin typeface="+mn-lt"/>
-                <a:ea typeface="+mn-ea"/>
-                <a:cs typeface="+mn-cs"/>
-              </a:rPr>
-              <a:t>riority inversion causes lower priorities to be run ahead of higher priorities</a:t>
+              <a:t>Stateless services</a:t>
             </a:r>
           </a:p>
         </p:txBody>
@@ -4376,7 +4240,7 @@
     </p:spTree>
     <p:extLst>
       <p:ext uri="{BB962C8B-B14F-4D97-AF65-F5344CB8AC3E}">
-        <p14:creationId xmlns:p14="http://schemas.microsoft.com/office/powerpoint/2010/main" val="4234332678"/>
+        <p14:creationId xmlns:p14="http://schemas.microsoft.com/office/powerpoint/2010/main" val="3955319772"/>
       </p:ext>
     </p:extLst>
   </p:cSld>
@@ -4408,7 +4272,7 @@
           <p:cNvPr id="2" name="Title 1">
             <a:extLst>
               <a:ext uri="{FF2B5EF4-FFF2-40B4-BE49-F238E27FC236}">
-                <a16:creationId xmlns:a16="http://schemas.microsoft.com/office/drawing/2014/main" id="{F0AD4739-4DC5-FBFF-3BC4-BA7A367DAB45}"/>
+                <a16:creationId xmlns:a16="http://schemas.microsoft.com/office/drawing/2014/main" id="{F9B64B38-93A6-521F-9BF9-7544CA131E93}"/>
               </a:ext>
             </a:extLst>
           </p:cNvPr>
@@ -4426,7 +4290,7 @@
           <a:p>
             <a:r>
               <a:rPr lang="en-US" dirty="0"/>
-              <a:t>Priority inversion</a:t>
+              <a:t>Recovering from failure of stateful service</a:t>
             </a:r>
           </a:p>
         </p:txBody>
@@ -4436,7 +4300,7 @@
           <p:cNvPr id="3" name="Content Placeholder 2">
             <a:extLst>
               <a:ext uri="{FF2B5EF4-FFF2-40B4-BE49-F238E27FC236}">
-                <a16:creationId xmlns:a16="http://schemas.microsoft.com/office/drawing/2014/main" id="{BB1DDE55-94C4-8FB1-577E-B5D25ACE4523}"/>
+                <a16:creationId xmlns:a16="http://schemas.microsoft.com/office/drawing/2014/main" id="{3E6BF74D-B08A-5409-1FEC-C46A30F6206A}"/>
               </a:ext>
             </a:extLst>
           </p:cNvPr>
@@ -4452,91 +4316,44 @@
           <a:bodyPr/>
           <a:lstStyle/>
           <a:p>
-            <a:pPr marL="342900" marR="0" lvl="0" indent="-342900" algn="l" defTabSz="914400" rtl="0" eaLnBrk="1" fontAlgn="base" latinLnBrk="0" hangingPunct="1">
-              <a:lnSpc>
-                <a:spcPct val="100000"/>
-              </a:lnSpc>
-              <a:spcBef>
-                <a:spcPct val="20000"/>
-              </a:spcBef>
-              <a:spcAft>
-                <a:spcPct val="0"/>
-              </a:spcAft>
-              <a:buClr>
-                <a:srgbClr val="005481"/>
-              </a:buClr>
-              <a:buSzTx/>
-              <a:buFont typeface="Times" charset="0"/>
-              <a:buChar char="•"/>
-              <a:tabLst/>
-              <a:defRPr/>
-            </a:pPr>
-            <a:r>
-              <a:rPr lang="en-US" sz="2800" baseline="0" dirty="0">
-                <a:solidFill>
-                  <a:schemeClr val="tx1"/>
-                </a:solidFill>
-                <a:effectLst/>
-                <a:latin typeface="+mn-lt"/>
-                <a:ea typeface="+mn-ea"/>
-                <a:cs typeface="+mn-cs"/>
-              </a:rPr>
-              <a:t>Priority inversion is detected by looking at priorities of various threads vs execution of those threads</a:t>
-            </a:r>
-          </a:p>
-          <a:p>
-            <a:pPr marL="342900" marR="0" lvl="0" indent="-342900" algn="l" defTabSz="914400" rtl="0" eaLnBrk="1" fontAlgn="base" latinLnBrk="0" hangingPunct="1">
-              <a:lnSpc>
-                <a:spcPct val="100000"/>
-              </a:lnSpc>
-              <a:spcBef>
-                <a:spcPct val="20000"/>
-              </a:spcBef>
-              <a:spcAft>
-                <a:spcPct val="0"/>
-              </a:spcAft>
-              <a:buClr>
-                <a:srgbClr val="005481"/>
-              </a:buClr>
-              <a:buSzTx/>
-              <a:buFont typeface="Times" charset="0"/>
-              <a:buChar char="•"/>
-              <a:tabLst/>
-              <a:defRPr/>
-            </a:pPr>
-            <a:r>
-              <a:rPr lang="en-US" dirty="0"/>
-              <a:t>Priority inversion is prevented by using appropriate scheduling mechanism.</a:t>
-            </a:r>
-          </a:p>
-          <a:p>
-            <a:pPr marL="342900" marR="0" lvl="0" indent="-342900" algn="l" defTabSz="914400" rtl="0" eaLnBrk="1" fontAlgn="base" latinLnBrk="0" hangingPunct="1">
-              <a:lnSpc>
-                <a:spcPct val="100000"/>
-              </a:lnSpc>
-              <a:spcBef>
-                <a:spcPct val="20000"/>
-              </a:spcBef>
-              <a:spcAft>
-                <a:spcPct val="0"/>
-              </a:spcAft>
-              <a:buClr>
-                <a:srgbClr val="005481"/>
-              </a:buClr>
-              <a:buSzTx/>
-              <a:buFont typeface="Times" charset="0"/>
-              <a:buChar char="•"/>
-              <a:tabLst/>
-              <a:defRPr/>
-            </a:pPr>
-            <a:endParaRPr lang="en-US" dirty="0"/>
+            <a:r>
+              <a:rPr lang="en-US" dirty="0"/>
+              <a:t>Checkpoint</a:t>
+            </a:r>
+          </a:p>
+          <a:p>
+            <a:pPr lvl="1"/>
+            <a:r>
+              <a:rPr lang="en-US" dirty="0"/>
+              <a:t>Record state on persistent repository and restore when start up service after failure.</a:t>
+            </a:r>
+          </a:p>
+          <a:p>
+            <a:pPr lvl="1"/>
+            <a:r>
+              <a:rPr lang="en-US" dirty="0"/>
+              <a:t>Tradeoff between cost of creating checkpoint and data lost between last checkpoint and failure.</a:t>
+            </a:r>
+          </a:p>
+          <a:p>
+            <a:r>
+              <a:rPr lang="en-US" dirty="0"/>
+              <a:t>Hot spare</a:t>
+            </a:r>
+          </a:p>
+          <a:p>
+            <a:pPr lvl="1"/>
+            <a:r>
+              <a:rPr lang="en-US" dirty="0"/>
+              <a:t>Keep a secondary mirror instance up to date and make active if primary fails.</a:t>
+            </a:r>
           </a:p>
         </p:txBody>
       </p:sp>
     </p:spTree>
     <p:extLst>
       <p:ext uri="{BB962C8B-B14F-4D97-AF65-F5344CB8AC3E}">
-        <p14:creationId xmlns:p14="http://schemas.microsoft.com/office/powerpoint/2010/main" val="234085175"/>
+        <p14:creationId xmlns:p14="http://schemas.microsoft.com/office/powerpoint/2010/main" val="299713602"/>
       </p:ext>
     </p:extLst>
   </p:cSld>
@@ -4568,7 +4385,7 @@
           <p:cNvPr id="2" name="Title 1">
             <a:extLst>
               <a:ext uri="{FF2B5EF4-FFF2-40B4-BE49-F238E27FC236}">
-                <a16:creationId xmlns:a16="http://schemas.microsoft.com/office/drawing/2014/main" id="{3E16F2FE-7AB9-D95F-CAFC-2B6E246A5FBB}"/>
+                <a16:creationId xmlns:a16="http://schemas.microsoft.com/office/drawing/2014/main" id="{F4E4C59D-A54D-3E47-6930-F1703F8052BB}"/>
               </a:ext>
             </a:extLst>
           </p:cNvPr>
@@ -4586,8 +4403,13 @@
           <a:p>
             <a:r>
               <a:rPr lang="en-US" dirty="0"/>
-              <a:t>Outline</a:t>
-            </a:r>
+              <a:t>Recovering</a:t>
+            </a:r>
+            <a:r>
+              <a:rPr lang="en-US" baseline="0" dirty="0"/>
+              <a:t> from failure of stateless service</a:t>
+            </a:r>
+            <a:endParaRPr lang="en-US" dirty="0"/>
           </a:p>
         </p:txBody>
       </p:sp>
@@ -4596,7 +4418,7 @@
           <p:cNvPr id="3" name="Content Placeholder 2">
             <a:extLst>
               <a:ext uri="{FF2B5EF4-FFF2-40B4-BE49-F238E27FC236}">
-                <a16:creationId xmlns:a16="http://schemas.microsoft.com/office/drawing/2014/main" id="{0360376D-D0AD-8627-6131-7F80E819B143}"/>
+                <a16:creationId xmlns:a16="http://schemas.microsoft.com/office/drawing/2014/main" id="{86380DE3-4920-9FA6-B9F1-5F6957FB7E66}"/>
               </a:ext>
             </a:extLst>
           </p:cNvPr>
@@ -4614,72 +4436,34 @@
           <a:p>
             <a:r>
               <a:rPr lang="en-US" dirty="0"/>
-              <a:t>Introduction </a:t>
-            </a:r>
-          </a:p>
-          <a:p>
-            <a:r>
-              <a:rPr lang="en-US" dirty="0"/>
-              <a:t>Dealing with failure</a:t>
+              <a:t>Create new instance of service</a:t>
+            </a:r>
+          </a:p>
+          <a:p>
+            <a:r>
+              <a:rPr lang="en-US" dirty="0"/>
+              <a:t>Could have pre-allocated instance</a:t>
             </a:r>
           </a:p>
           <a:p>
             <a:pPr lvl="1"/>
             <a:r>
               <a:rPr lang="en-US" dirty="0"/>
-              <a:t>Symptom - Slow or no response</a:t>
-            </a:r>
-          </a:p>
-          <a:p>
-            <a:pPr lvl="1"/>
-            <a:r>
-              <a:rPr lang="en-US" dirty="0"/>
-              <a:t>Possible causes </a:t>
-            </a:r>
-          </a:p>
-          <a:p>
-            <a:pPr lvl="2"/>
-            <a:r>
-              <a:rPr lang="en-US" dirty="0"/>
-              <a:t>Congestion</a:t>
-            </a:r>
-          </a:p>
-          <a:p>
-            <a:pPr lvl="2"/>
-            <a:r>
-              <a:rPr lang="en-US" dirty="0"/>
-              <a:t>Scheduling problem</a:t>
-            </a:r>
-          </a:p>
-          <a:p>
-            <a:pPr lvl="2"/>
-            <a:r>
-              <a:rPr lang="en-US" b="1" dirty="0"/>
-              <a:t>Failure of an instance (stateless or stateful)</a:t>
-            </a:r>
-          </a:p>
-          <a:p>
-            <a:pPr lvl="2"/>
-            <a:r>
-              <a:rPr lang="en-US" dirty="0"/>
-              <a:t>Failure in </a:t>
-            </a:r>
-            <a:r>
-              <a:rPr lang="en-US" dirty="0" err="1"/>
-              <a:t>thevironment</a:t>
-            </a:r>
-            <a:endParaRPr lang="en-US" dirty="0"/>
-          </a:p>
-          <a:p>
-            <a:pPr lvl="1"/>
-            <a:endParaRPr lang="en-US" dirty="0"/>
+              <a:t>Trade off between cost of second instance and time required to create new instance</a:t>
+            </a:r>
+          </a:p>
+          <a:p>
+            <a:r>
+              <a:rPr lang="en-US" dirty="0"/>
+              <a:t>If multiple instances are executing, over allocate. </a:t>
+            </a:r>
           </a:p>
         </p:txBody>
       </p:sp>
     </p:spTree>
     <p:extLst>
       <p:ext uri="{BB962C8B-B14F-4D97-AF65-F5344CB8AC3E}">
-        <p14:creationId xmlns:p14="http://schemas.microsoft.com/office/powerpoint/2010/main" val="2215062649"/>
+        <p14:creationId xmlns:p14="http://schemas.microsoft.com/office/powerpoint/2010/main" val="437709250"/>
       </p:ext>
     </p:extLst>
   </p:cSld>
@@ -4763,7 +4547,25 @@
           <a:p>
             <a:r>
               <a:rPr lang="en-US" dirty="0"/>
-              <a:t>Dealing with failure </a:t>
+              <a:t>System centric</a:t>
+            </a:r>
+          </a:p>
+          <a:p>
+            <a:r>
+              <a:rPr lang="en-US" dirty="0"/>
+              <a:t>Availability zone centric</a:t>
+            </a:r>
+          </a:p>
+          <a:p>
+            <a:r>
+              <a:rPr lang="en-US" dirty="0"/>
+              <a:t>Disaster recovery</a:t>
+            </a:r>
+          </a:p>
+          <a:p>
+            <a:r>
+              <a:rPr lang="en-US" dirty="0"/>
+              <a:t>Other considerations</a:t>
             </a:r>
           </a:p>
         </p:txBody>
@@ -4771,7 +4573,7 @@
     </p:spTree>
     <p:extLst>
       <p:ext uri="{BB962C8B-B14F-4D97-AF65-F5344CB8AC3E}">
-        <p14:creationId xmlns:p14="http://schemas.microsoft.com/office/powerpoint/2010/main" val="509185186"/>
+        <p14:creationId xmlns:p14="http://schemas.microsoft.com/office/powerpoint/2010/main" val="3158286007"/>
       </p:ext>
     </p:extLst>
   </p:cSld>
@@ -4803,7 +4605,7 @@
           <p:cNvPr id="2" name="Title 1">
             <a:extLst>
               <a:ext uri="{FF2B5EF4-FFF2-40B4-BE49-F238E27FC236}">
-                <a16:creationId xmlns:a16="http://schemas.microsoft.com/office/drawing/2014/main" id="{99F69423-86F8-AE9C-C62F-F31B5D5A9147}"/>
+                <a16:creationId xmlns:a16="http://schemas.microsoft.com/office/drawing/2014/main" id="{35D7C4D8-091B-05D5-7D62-9E2C07ACAEC3}"/>
               </a:ext>
             </a:extLst>
           </p:cNvPr>
@@ -4821,13 +4623,8 @@
           <a:p>
             <a:r>
               <a:rPr lang="en-US" dirty="0"/>
-              <a:t>Failure</a:t>
-            </a:r>
-            <a:r>
-              <a:rPr lang="en-US" baseline="0" dirty="0"/>
-              <a:t> of an instance</a:t>
-            </a:r>
-            <a:endParaRPr lang="en-US" dirty="0"/>
+              <a:t>Maintaining state </a:t>
+            </a:r>
           </a:p>
         </p:txBody>
       </p:sp>
@@ -4836,7 +4633,7 @@
           <p:cNvPr id="3" name="Content Placeholder 2">
             <a:extLst>
               <a:ext uri="{FF2B5EF4-FFF2-40B4-BE49-F238E27FC236}">
-                <a16:creationId xmlns:a16="http://schemas.microsoft.com/office/drawing/2014/main" id="{D6817F3C-7D7B-00CC-19D7-8292218F75F4}"/>
+                <a16:creationId xmlns:a16="http://schemas.microsoft.com/office/drawing/2014/main" id="{405308D0-0866-4771-8F27-55313E8914BF}"/>
               </a:ext>
             </a:extLst>
           </p:cNvPr>
@@ -4854,36 +4651,38 @@
           <a:p>
             <a:r>
               <a:rPr lang="en-US" dirty="0"/>
-              <a:t>Detected by performing health checks</a:t>
-            </a:r>
-          </a:p>
-          <a:p>
-            <a:pPr lvl="1"/>
-            <a:r>
-              <a:rPr lang="en-US" dirty="0"/>
-              <a:t>Heartbeat</a:t>
-            </a:r>
-          </a:p>
-          <a:p>
-            <a:pPr lvl="1"/>
-            <a:r>
-              <a:rPr lang="en-US" dirty="0"/>
-              <a:t>Ping/echo</a:t>
-            </a:r>
-          </a:p>
-          <a:p>
-            <a:pPr lvl="0"/>
-            <a:r>
-              <a:rPr lang="en-US" dirty="0"/>
-              <a:t>Requires a monitor that receives heartbeat or performs ping/echo.</a:t>
-            </a:r>
+              <a:t>Distributed Coordination Service (e.g. Zookeeper, </a:t>
+            </a:r>
+            <a:r>
+              <a:rPr lang="en-US" dirty="0" err="1"/>
+              <a:t>etcd</a:t>
+            </a:r>
+            <a:r>
+              <a:rPr lang="en-US" dirty="0"/>
+              <a:t>, consul) can be used to maintain state across multiple stateless instances </a:t>
+            </a:r>
+          </a:p>
+          <a:p>
+            <a:r>
+              <a:rPr lang="en-US" dirty="0"/>
+              <a:t>Distributed Coordination Service is fault tolerant</a:t>
+            </a:r>
+          </a:p>
+          <a:p>
+            <a:r>
+              <a:rPr lang="en-US" dirty="0"/>
+              <a:t>Will be available if instance fails.</a:t>
+            </a:r>
+          </a:p>
+          <a:p>
+            <a:endParaRPr lang="en-US" dirty="0"/>
           </a:p>
         </p:txBody>
       </p:sp>
     </p:spTree>
     <p:extLst>
       <p:ext uri="{BB962C8B-B14F-4D97-AF65-F5344CB8AC3E}">
-        <p14:creationId xmlns:p14="http://schemas.microsoft.com/office/powerpoint/2010/main" val="492291798"/>
+        <p14:creationId xmlns:p14="http://schemas.microsoft.com/office/powerpoint/2010/main" val="321351948"/>
       </p:ext>
     </p:extLst>
   </p:cSld>
@@ -4961,67 +4760,39 @@
           <a:p>
             <a:r>
               <a:rPr lang="en-US" dirty="0"/>
-              <a:t>Introduction </a:t>
-            </a:r>
-          </a:p>
-          <a:p>
-            <a:r>
-              <a:rPr lang="en-US" dirty="0"/>
-              <a:t>Dealing with failure</a:t>
-            </a:r>
-          </a:p>
-          <a:p>
-            <a:pPr lvl="1"/>
-            <a:r>
-              <a:rPr lang="en-US" dirty="0"/>
-              <a:t>Symptom - Slow or no response</a:t>
-            </a:r>
-          </a:p>
-          <a:p>
-            <a:pPr lvl="1"/>
-            <a:r>
-              <a:rPr lang="en-US" dirty="0"/>
-              <a:t>Possible causes </a:t>
-            </a:r>
-          </a:p>
-          <a:p>
-            <a:pPr lvl="2"/>
-            <a:r>
-              <a:rPr lang="en-US" dirty="0"/>
-              <a:t>Congestion</a:t>
-            </a:r>
-          </a:p>
-          <a:p>
-            <a:pPr lvl="2"/>
-            <a:r>
-              <a:rPr lang="en-US" dirty="0"/>
-              <a:t>Scheduling problem</a:t>
-            </a:r>
-          </a:p>
-          <a:p>
-            <a:pPr lvl="2"/>
+              <a:t>Introduction</a:t>
+            </a:r>
+          </a:p>
+          <a:p>
+            <a:r>
+              <a:rPr lang="en-US" dirty="0"/>
+              <a:t>System centric</a:t>
+            </a:r>
+          </a:p>
+          <a:p>
             <a:r>
               <a:rPr lang="en-US" b="1" dirty="0"/>
-              <a:t>Failure of an instance (stateless)</a:t>
-            </a:r>
-          </a:p>
-          <a:p>
-            <a:pPr lvl="2"/>
-            <a:r>
-              <a:rPr lang="en-US" dirty="0"/>
-              <a:t>Failure in the environment</a:t>
-            </a:r>
-          </a:p>
-          <a:p>
-            <a:pPr lvl="1"/>
-            <a:endParaRPr lang="en-US" dirty="0"/>
+              <a:t>Availability zone centric</a:t>
+            </a:r>
+          </a:p>
+          <a:p>
+            <a:r>
+              <a:rPr lang="en-US" dirty="0"/>
+              <a:t>Disaster recovery</a:t>
+            </a:r>
+          </a:p>
+          <a:p>
+            <a:r>
+              <a:rPr lang="en-US" dirty="0"/>
+              <a:t>Other considerations</a:t>
+            </a:r>
           </a:p>
         </p:txBody>
       </p:sp>
     </p:spTree>
     <p:extLst>
       <p:ext uri="{BB962C8B-B14F-4D97-AF65-F5344CB8AC3E}">
-        <p14:creationId xmlns:p14="http://schemas.microsoft.com/office/powerpoint/2010/main" val="2487322329"/>
+        <p14:creationId xmlns:p14="http://schemas.microsoft.com/office/powerpoint/2010/main" val="3231063356"/>
       </p:ext>
     </p:extLst>
   </p:cSld>
@@ -5053,7 +4824,7 @@
           <p:cNvPr id="2" name="Title 1">
             <a:extLst>
               <a:ext uri="{FF2B5EF4-FFF2-40B4-BE49-F238E27FC236}">
-                <a16:creationId xmlns:a16="http://schemas.microsoft.com/office/drawing/2014/main" id="{BBCA3CA7-8CB4-77A7-68A2-B6E5F79FBA93}"/>
+                <a16:creationId xmlns:a16="http://schemas.microsoft.com/office/drawing/2014/main" id="{E537B1A4-950D-CC5C-D195-32DD90773C40}"/>
               </a:ext>
             </a:extLst>
           </p:cNvPr>
@@ -5064,19 +4835,14 @@
             <p:ph type="title"/>
           </p:nvPr>
         </p:nvSpPr>
-        <p:spPr>
-          <a:xfrm>
-            <a:off x="685800" y="381000"/>
-            <a:ext cx="7772400" cy="1143000"/>
-          </a:xfrm>
-        </p:spPr>
+        <p:spPr/>
         <p:txBody>
           <a:bodyPr/>
           <a:lstStyle/>
           <a:p>
             <a:r>
               <a:rPr lang="en-US" dirty="0"/>
-              <a:t>Masking failure of a stateless instance</a:t>
+              <a:t>Failure of availability zone</a:t>
             </a:r>
           </a:p>
         </p:txBody>
@@ -5086,7 +4852,7 @@
           <p:cNvPr id="3" name="Content Placeholder 2">
             <a:extLst>
               <a:ext uri="{FF2B5EF4-FFF2-40B4-BE49-F238E27FC236}">
-                <a16:creationId xmlns:a16="http://schemas.microsoft.com/office/drawing/2014/main" id="{FC1038C6-6999-B8DE-F203-1D7523E44CCF}"/>
+                <a16:creationId xmlns:a16="http://schemas.microsoft.com/office/drawing/2014/main" id="{731C5E1B-3772-4EFC-6100-87BC9CCFE1AA}"/>
               </a:ext>
             </a:extLst>
           </p:cNvPr>
@@ -5104,77 +4870,59 @@
           <a:p>
             <a:r>
               <a:rPr lang="en-US" dirty="0"/>
-              <a:t>Allocate new instance on failure detection.</a:t>
-            </a:r>
-          </a:p>
-          <a:p>
-            <a:pPr lvl="1"/>
-            <a:r>
-              <a:rPr lang="en-US" dirty="0"/>
-              <a:t> Health check monitor determines failure</a:t>
-            </a:r>
-          </a:p>
-          <a:p>
-            <a:pPr lvl="1"/>
-            <a:r>
-              <a:rPr lang="en-US" dirty="0"/>
-              <a:t>Monitor initiates allocation of new instance</a:t>
-            </a:r>
-          </a:p>
-          <a:p>
-            <a:pPr lvl="0"/>
-            <a:r>
-              <a:rPr lang="en-US" dirty="0"/>
-              <a:t>Pre-allocate</a:t>
-            </a:r>
-            <a:r>
-              <a:rPr lang="en-US" baseline="0" dirty="0"/>
-              <a:t> additional instances.</a:t>
-            </a:r>
-          </a:p>
-          <a:p>
-            <a:pPr lvl="1"/>
-            <a:r>
-              <a:rPr lang="en-US" dirty="0"/>
-              <a:t>Keep spare instances available as back up. </a:t>
-            </a:r>
-          </a:p>
-          <a:p>
-            <a:pPr lvl="1"/>
-            <a:r>
-              <a:rPr lang="en-US" dirty="0"/>
-              <a:t>Monitor</a:t>
-            </a:r>
-            <a:r>
-              <a:rPr lang="en-US" baseline="0" dirty="0"/>
-              <a:t> </a:t>
-            </a:r>
-          </a:p>
-          <a:p>
-            <a:pPr lvl="2"/>
-            <a:r>
-              <a:rPr lang="en-US" baseline="0" dirty="0"/>
-              <a:t>informs routing mechanism to stop sending traffic to failed instance and begin sending traffic to back up instance.</a:t>
-            </a:r>
-          </a:p>
-          <a:p>
-            <a:pPr lvl="2"/>
-            <a:r>
-              <a:rPr lang="en-US" dirty="0"/>
-              <a:t>Allocates new back up instance</a:t>
-            </a:r>
-            <a:endParaRPr lang="en-US" baseline="0" dirty="0"/>
-          </a:p>
-          <a:p>
-            <a:pPr lvl="1"/>
+              <a:t>An AWS availability zone fails roughly once a year</a:t>
+            </a:r>
+          </a:p>
+          <a:p>
+            <a:r>
+              <a:rPr lang="en-US" dirty="0">
+                <a:hlinkClick r:id="rId2"/>
+              </a:rPr>
+              <a:t>https://aws.amazon.com/premiumsupport/technology/pes/</a:t>
+            </a:r>
             <a:endParaRPr lang="en-US" dirty="0"/>
+          </a:p>
+          <a:p>
+            <a:r>
+              <a:rPr lang="en-US" dirty="0"/>
+              <a:t>Options:</a:t>
+            </a:r>
+          </a:p>
+          <a:p>
+            <a:pPr marL="914400" lvl="1" indent="-514350">
+              <a:buFont typeface="+mj-lt"/>
+              <a:buAutoNum type="arabicPeriod"/>
+            </a:pPr>
+            <a:r>
+              <a:rPr lang="en-US" dirty="0"/>
+              <a:t>Live with it</a:t>
+            </a:r>
+          </a:p>
+          <a:p>
+            <a:pPr marL="914400" lvl="1" indent="-514350">
+              <a:buFont typeface="+mj-lt"/>
+              <a:buAutoNum type="arabicPeriod"/>
+            </a:pPr>
+            <a:r>
+              <a:rPr lang="en-US" dirty="0"/>
+              <a:t>Keep a hot spare in different region.</a:t>
+            </a:r>
+          </a:p>
+          <a:p>
+            <a:pPr marL="1257300" lvl="3" indent="0">
+              <a:buNone/>
+            </a:pPr>
+            <a:r>
+              <a:rPr lang="en-US" sz="2400" dirty="0"/>
+              <a:t>Data in transit during failure may be lost</a:t>
+            </a:r>
           </a:p>
         </p:txBody>
       </p:sp>
     </p:spTree>
     <p:extLst>
       <p:ext uri="{BB962C8B-B14F-4D97-AF65-F5344CB8AC3E}">
-        <p14:creationId xmlns:p14="http://schemas.microsoft.com/office/powerpoint/2010/main" val="3411887696"/>
+        <p14:creationId xmlns:p14="http://schemas.microsoft.com/office/powerpoint/2010/main" val="639008435"/>
       </p:ext>
     </p:extLst>
   </p:cSld>
@@ -5206,7 +4954,7 @@
           <p:cNvPr id="2" name="Title 1">
             <a:extLst>
               <a:ext uri="{FF2B5EF4-FFF2-40B4-BE49-F238E27FC236}">
-                <a16:creationId xmlns:a16="http://schemas.microsoft.com/office/drawing/2014/main" id="{A2796380-74E8-C52F-F8F0-F227E1C710DA}"/>
+                <a16:creationId xmlns:a16="http://schemas.microsoft.com/office/drawing/2014/main" id="{B840CC65-2D44-A08B-0224-BB1B144C41FB}"/>
               </a:ext>
             </a:extLst>
           </p:cNvPr>
@@ -5217,20 +4965,20 @@
             <p:ph type="title"/>
           </p:nvPr>
         </p:nvSpPr>
-        <p:spPr>
-          <a:xfrm>
-            <a:off x="685800" y="381000"/>
-            <a:ext cx="7772400" cy="1143000"/>
-          </a:xfrm>
-        </p:spPr>
+        <p:spPr/>
         <p:txBody>
           <a:bodyPr/>
           <a:lstStyle/>
           <a:p>
             <a:r>
               <a:rPr lang="en-US" dirty="0"/>
-              <a:t>Routing traffic</a:t>
-            </a:r>
+              <a:t>Domino</a:t>
+            </a:r>
+            <a:r>
+              <a:rPr lang="en-US" baseline="0" dirty="0"/>
+              <a:t> effect of nearest neighbor rollover</a:t>
+            </a:r>
+            <a:endParaRPr lang="en-US" dirty="0"/>
           </a:p>
         </p:txBody>
       </p:sp>
@@ -5239,7 +4987,7 @@
           <p:cNvPr id="3" name="Content Placeholder 2">
             <a:extLst>
               <a:ext uri="{FF2B5EF4-FFF2-40B4-BE49-F238E27FC236}">
-                <a16:creationId xmlns:a16="http://schemas.microsoft.com/office/drawing/2014/main" id="{0C677035-3625-2609-4919-8309A32D04F1}"/>
+                <a16:creationId xmlns:a16="http://schemas.microsoft.com/office/drawing/2014/main" id="{FC6588AB-995E-D894-461B-8DC3D50C1F7D}"/>
               </a:ext>
             </a:extLst>
           </p:cNvPr>
@@ -5250,31 +4998,44 @@
             <p:ph idx="1"/>
           </p:nvPr>
         </p:nvSpPr>
-        <p:spPr>
-          <a:xfrm>
-            <a:off x="685800" y="1828800"/>
-            <a:ext cx="7772400" cy="4038600"/>
-          </a:xfrm>
-        </p:spPr>
+        <p:spPr/>
         <p:txBody>
           <a:bodyPr/>
           <a:lstStyle/>
           <a:p>
             <a:r>
               <a:rPr lang="en-US" dirty="0"/>
-              <a:t>Whether a new instance is created or has been pre-allocated, requests must be routed to it.</a:t>
-            </a:r>
-          </a:p>
-          <a:p>
-            <a:r>
-              <a:rPr lang="en-US" dirty="0"/>
-              <a:t>Routing mechanism uses a discovery service – DNS, Service Mesh, load balancer, or specialized type of discovery.</a:t>
-            </a:r>
-          </a:p>
-          <a:p>
-            <a:r>
-              <a:rPr lang="en-US" dirty="0"/>
-              <a:t>New instance must be registered with discovery service and failed instance de-registered.</a:t>
+              <a:t>Suppose your system is hosted in availability zone A</a:t>
+            </a:r>
+          </a:p>
+          <a:p>
+            <a:r>
+              <a:rPr lang="en-US" dirty="0"/>
+              <a:t>Suppose you have set up redundancy on the closest availability zone to the zone A.</a:t>
+            </a:r>
+          </a:p>
+          <a:p>
+            <a:r>
+              <a:rPr lang="en-US" dirty="0"/>
+              <a:t>Availability zone A fails.</a:t>
+            </a:r>
+          </a:p>
+          <a:p>
+            <a:r>
+              <a:rPr lang="en-US" dirty="0"/>
+              <a:t>Your system fails over to the closest zone.</a:t>
+            </a:r>
+          </a:p>
+          <a:p>
+            <a:r>
+              <a:rPr lang="en-US" dirty="0"/>
+              <a:t>So does every other system hosted in zone A.</a:t>
+            </a:r>
+          </a:p>
+          <a:p>
+            <a:r>
+              <a:rPr lang="en-US" dirty="0"/>
+              <a:t>Closest zone gets overloaded.</a:t>
             </a:r>
           </a:p>
         </p:txBody>
@@ -5282,7 +5043,7 @@
     </p:spTree>
     <p:extLst>
       <p:ext uri="{BB962C8B-B14F-4D97-AF65-F5344CB8AC3E}">
-        <p14:creationId xmlns:p14="http://schemas.microsoft.com/office/powerpoint/2010/main" val="1065314479"/>
+        <p14:creationId xmlns:p14="http://schemas.microsoft.com/office/powerpoint/2010/main" val="4118787150"/>
       </p:ext>
     </p:extLst>
   </p:cSld>
@@ -5314,7 +5075,7 @@
           <p:cNvPr id="2" name="Title 1">
             <a:extLst>
               <a:ext uri="{FF2B5EF4-FFF2-40B4-BE49-F238E27FC236}">
-                <a16:creationId xmlns:a16="http://schemas.microsoft.com/office/drawing/2014/main" id="{BBCA3CA7-8CB4-77A7-68A2-B6E5F79FBA93}"/>
+                <a16:creationId xmlns:a16="http://schemas.microsoft.com/office/drawing/2014/main" id="{3E16F2FE-7AB9-D95F-CAFC-2B6E246A5FBB}"/>
               </a:ext>
             </a:extLst>
           </p:cNvPr>
@@ -5325,19 +5086,14 @@
             <p:ph type="title"/>
           </p:nvPr>
         </p:nvSpPr>
-        <p:spPr>
-          <a:xfrm>
-            <a:off x="685800" y="381000"/>
-            <a:ext cx="7772400" cy="1143000"/>
-          </a:xfrm>
-        </p:spPr>
+        <p:spPr/>
         <p:txBody>
           <a:bodyPr/>
           <a:lstStyle/>
           <a:p>
             <a:r>
               <a:rPr lang="en-US" dirty="0"/>
-              <a:t>Masking failure of a stateless instance</a:t>
+              <a:t>Outline</a:t>
             </a:r>
           </a:p>
         </p:txBody>
@@ -5347,7 +5103,7 @@
           <p:cNvPr id="3" name="Content Placeholder 2">
             <a:extLst>
               <a:ext uri="{FF2B5EF4-FFF2-40B4-BE49-F238E27FC236}">
-                <a16:creationId xmlns:a16="http://schemas.microsoft.com/office/drawing/2014/main" id="{FC1038C6-6999-B8DE-F203-1D7523E44CCF}"/>
+                <a16:creationId xmlns:a16="http://schemas.microsoft.com/office/drawing/2014/main" id="{0360376D-D0AD-8627-6131-7F80E819B143}"/>
               </a:ext>
             </a:extLst>
           </p:cNvPr>
@@ -5365,36 +5121,39 @@
           <a:p>
             <a:r>
               <a:rPr lang="en-US" dirty="0"/>
-              <a:t>If all</a:t>
-            </a:r>
-            <a:r>
-              <a:rPr lang="en-US" baseline="0" dirty="0"/>
-              <a:t> instances of a component have failed, have a </a:t>
-            </a:r>
-            <a:r>
-              <a:rPr lang="en-US" baseline="0" dirty="0" err="1"/>
-              <a:t>fall-back</a:t>
-            </a:r>
-            <a:r>
-              <a:rPr lang="en-US" baseline="0" dirty="0"/>
-              <a:t> computation available.</a:t>
-            </a:r>
-          </a:p>
-          <a:p>
-            <a:r>
-              <a:rPr lang="en-US" baseline="0" dirty="0"/>
-              <a:t>E.g. if a personalized recommendation system fails, display popular choices.</a:t>
-            </a:r>
-          </a:p>
-          <a:p>
-            <a:endParaRPr lang="en-US" baseline="0" dirty="0"/>
+              <a:t>Introduction</a:t>
+            </a:r>
+          </a:p>
+          <a:p>
+            <a:r>
+              <a:rPr lang="en-US" dirty="0"/>
+              <a:t>System centric</a:t>
+            </a:r>
+          </a:p>
+          <a:p>
+            <a:r>
+              <a:rPr lang="en-US" dirty="0"/>
+              <a:t>Availability zone centric</a:t>
+            </a:r>
+          </a:p>
+          <a:p>
+            <a:r>
+              <a:rPr lang="en-US" b="1" dirty="0"/>
+              <a:t>Disaster recovery</a:t>
+            </a:r>
+          </a:p>
+          <a:p>
+            <a:r>
+              <a:rPr lang="en-US" dirty="0"/>
+              <a:t>Other considerations</a:t>
+            </a:r>
           </a:p>
         </p:txBody>
       </p:sp>
     </p:spTree>
     <p:extLst>
       <p:ext uri="{BB962C8B-B14F-4D97-AF65-F5344CB8AC3E}">
-        <p14:creationId xmlns:p14="http://schemas.microsoft.com/office/powerpoint/2010/main" val="611382025"/>
+        <p14:creationId xmlns:p14="http://schemas.microsoft.com/office/powerpoint/2010/main" val="1043736793"/>
       </p:ext>
     </p:extLst>
   </p:cSld>
@@ -5426,7 +5185,7 @@
           <p:cNvPr id="2" name="Title 1">
             <a:extLst>
               <a:ext uri="{FF2B5EF4-FFF2-40B4-BE49-F238E27FC236}">
-                <a16:creationId xmlns:a16="http://schemas.microsoft.com/office/drawing/2014/main" id="{3E16F2FE-7AB9-D95F-CAFC-2B6E246A5FBB}"/>
+                <a16:creationId xmlns:a16="http://schemas.microsoft.com/office/drawing/2014/main" id="{30870BFD-DFDE-4F13-8857-FAB993128F1D}"/>
               </a:ext>
             </a:extLst>
           </p:cNvPr>
@@ -5444,7 +5203,7 @@
           <a:p>
             <a:r>
               <a:rPr lang="en-US" dirty="0"/>
-              <a:t>Outline</a:t>
+              <a:t>Disaster Recovery Terminology</a:t>
             </a:r>
           </a:p>
         </p:txBody>
@@ -5454,7 +5213,7 @@
           <p:cNvPr id="3" name="Content Placeholder 2">
             <a:extLst>
               <a:ext uri="{FF2B5EF4-FFF2-40B4-BE49-F238E27FC236}">
-                <a16:creationId xmlns:a16="http://schemas.microsoft.com/office/drawing/2014/main" id="{0360376D-D0AD-8627-6131-7F80E819B143}"/>
+                <a16:creationId xmlns:a16="http://schemas.microsoft.com/office/drawing/2014/main" id="{D16DF563-BD4A-47C2-BC84-4C564667122F}"/>
               </a:ext>
             </a:extLst>
           </p:cNvPr>
@@ -5465,74 +5224,55 @@
             <p:ph idx="1"/>
           </p:nvPr>
         </p:nvSpPr>
-        <p:spPr/>
+        <p:spPr>
+          <a:xfrm>
+            <a:off x="685800" y="1828800"/>
+            <a:ext cx="8229600" cy="4038600"/>
+          </a:xfrm>
+        </p:spPr>
         <p:txBody>
           <a:bodyPr/>
           <a:lstStyle/>
           <a:p>
             <a:r>
-              <a:rPr lang="en-US" dirty="0"/>
-              <a:t>Introduction </a:t>
-            </a:r>
-          </a:p>
-          <a:p>
-            <a:r>
-              <a:rPr lang="en-US" dirty="0"/>
-              <a:t>Dealing with failure</a:t>
+              <a:rPr lang="en-US" sz="2800" dirty="0"/>
+              <a:t>Disaster – event that makes a data center inoperable – flood, earthquake, tornado, power outage, </a:t>
+            </a:r>
+            <a:r>
+              <a:rPr lang="en-US" sz="2800" dirty="0" err="1"/>
+              <a:t>etc</a:t>
+            </a:r>
+            <a:endParaRPr lang="en-US" sz="2800" dirty="0"/>
+          </a:p>
+          <a:p>
+            <a:r>
+              <a:rPr lang="en-US" sz="2800" dirty="0"/>
+              <a:t>Business continuity</a:t>
+            </a:r>
+            <a:r>
+              <a:rPr lang="en-US" sz="2800" baseline="0" dirty="0"/>
+              <a:t> – keeping your business going in the event of a disaster</a:t>
             </a:r>
           </a:p>
           <a:p>
             <a:pPr lvl="1"/>
             <a:r>
               <a:rPr lang="en-US" dirty="0"/>
-              <a:t>Symptom - Slow or no response</a:t>
-            </a:r>
-          </a:p>
-          <a:p>
-            <a:pPr lvl="1"/>
-            <a:r>
-              <a:rPr lang="en-US" dirty="0"/>
-              <a:t>Possible causes </a:t>
-            </a:r>
-          </a:p>
-          <a:p>
-            <a:pPr lvl="2"/>
-            <a:r>
-              <a:rPr lang="en-US" dirty="0"/>
-              <a:t>Congestion</a:t>
-            </a:r>
-          </a:p>
-          <a:p>
-            <a:pPr lvl="2"/>
-            <a:r>
-              <a:rPr lang="en-US" dirty="0"/>
-              <a:t>Scheduling problem</a:t>
-            </a:r>
-          </a:p>
-          <a:p>
-            <a:pPr lvl="2"/>
-            <a:r>
-              <a:rPr lang="en-US" b="1" dirty="0"/>
-              <a:t>Failure of an instance (stateful)</a:t>
-            </a:r>
-          </a:p>
-          <a:p>
-            <a:pPr lvl="2"/>
-            <a:r>
-              <a:rPr lang="en-US" dirty="0"/>
-              <a:t>Failure in the environment</a:t>
-            </a:r>
-          </a:p>
-          <a:p>
-            <a:pPr lvl="1"/>
-            <a:endParaRPr lang="en-US" dirty="0"/>
+              <a:t>Involves customers, employees, protecting people and equipment</a:t>
+            </a:r>
+          </a:p>
+          <a:p>
+            <a:r>
+              <a:rPr lang="en-US" sz="2800" dirty="0"/>
+              <a:t>Disaster Recovery – the IT portion of business continuity. Maintaining service to customers</a:t>
+            </a:r>
           </a:p>
         </p:txBody>
       </p:sp>
     </p:spTree>
     <p:extLst>
       <p:ext uri="{BB962C8B-B14F-4D97-AF65-F5344CB8AC3E}">
-        <p14:creationId xmlns:p14="http://schemas.microsoft.com/office/powerpoint/2010/main" val="3585092917"/>
+        <p14:creationId xmlns:p14="http://schemas.microsoft.com/office/powerpoint/2010/main" val="3899043757"/>
       </p:ext>
     </p:extLst>
   </p:cSld>
@@ -5564,7 +5304,7 @@
           <p:cNvPr id="2" name="Title 1">
             <a:extLst>
               <a:ext uri="{FF2B5EF4-FFF2-40B4-BE49-F238E27FC236}">
-                <a16:creationId xmlns:a16="http://schemas.microsoft.com/office/drawing/2014/main" id="{F99828E5-71D6-AB5C-B783-58EF4A38481E}"/>
+                <a16:creationId xmlns:a16="http://schemas.microsoft.com/office/drawing/2014/main" id="{E12B95B6-2E3C-4E3B-9606-7A84E784D429}"/>
               </a:ext>
             </a:extLst>
           </p:cNvPr>
@@ -5582,13 +5322,8 @@
           <a:p>
             <a:r>
               <a:rPr lang="en-US" dirty="0"/>
-              <a:t>Stateful</a:t>
-            </a:r>
-            <a:r>
-              <a:rPr lang="en-US" baseline="0" dirty="0"/>
-              <a:t> instance failure</a:t>
-            </a:r>
-            <a:endParaRPr lang="en-US" dirty="0"/>
+              <a:t>Key measures per system</a:t>
+            </a:r>
           </a:p>
         </p:txBody>
       </p:sp>
@@ -5597,7 +5332,7 @@
           <p:cNvPr id="3" name="Content Placeholder 2">
             <a:extLst>
               <a:ext uri="{FF2B5EF4-FFF2-40B4-BE49-F238E27FC236}">
-                <a16:creationId xmlns:a16="http://schemas.microsoft.com/office/drawing/2014/main" id="{04E67D71-D455-C476-B1A7-C925166E73BD}"/>
+                <a16:creationId xmlns:a16="http://schemas.microsoft.com/office/drawing/2014/main" id="{8CE4A3B7-6EBC-4951-9BEA-AFC0C4DB7483}"/>
               </a:ext>
             </a:extLst>
           </p:cNvPr>
@@ -5608,153 +5343,66 @@
             <p:ph idx="1"/>
           </p:nvPr>
         </p:nvSpPr>
-        <p:spPr>
-          <a:xfrm>
-            <a:off x="685800" y="1676400"/>
-            <a:ext cx="7772400" cy="4038600"/>
-          </a:xfrm>
-        </p:spPr>
+        <p:spPr/>
         <p:txBody>
           <a:bodyPr/>
           <a:lstStyle/>
           <a:p>
-            <a:pPr marL="342900" marR="0" lvl="0" indent="-342900" algn="l" defTabSz="914400" rtl="0" eaLnBrk="1" fontAlgn="base" latinLnBrk="0" hangingPunct="1">
-              <a:lnSpc>
-                <a:spcPct val="100000"/>
-              </a:lnSpc>
-              <a:spcBef>
-                <a:spcPct val="20000"/>
-              </a:spcBef>
-              <a:spcAft>
-                <a:spcPct val="0"/>
-              </a:spcAft>
-              <a:buClr>
-                <a:srgbClr val="005481"/>
-              </a:buClr>
-              <a:buSzTx/>
-              <a:buFont typeface="Times" charset="0"/>
-              <a:buChar char="•"/>
-              <a:tabLst/>
-              <a:defRPr/>
-            </a:pPr>
-            <a:r>
-              <a:rPr lang="en-US" sz="2800" dirty="0">
-                <a:solidFill>
-                  <a:schemeClr val="tx1"/>
-                </a:solidFill>
-                <a:effectLst/>
-                <a:latin typeface="+mn-lt"/>
-                <a:ea typeface="+mn-ea"/>
-                <a:cs typeface="+mn-cs"/>
-              </a:rPr>
-              <a:t>Masking</a:t>
-            </a:r>
-            <a:r>
-              <a:rPr lang="en-US" sz="2800" baseline="0" dirty="0">
-                <a:solidFill>
-                  <a:schemeClr val="tx1"/>
-                </a:solidFill>
-                <a:effectLst/>
-                <a:latin typeface="+mn-lt"/>
-                <a:ea typeface="+mn-ea"/>
-                <a:cs typeface="+mn-cs"/>
-              </a:rPr>
-              <a:t> a stateful instance failure is the same as masking a stateless instance failure plus </a:t>
-            </a:r>
-            <a:r>
-              <a:rPr lang="en-US" sz="2800" dirty="0">
-                <a:solidFill>
-                  <a:schemeClr val="tx1"/>
-                </a:solidFill>
-                <a:effectLst/>
-                <a:latin typeface="+mn-lt"/>
-                <a:ea typeface="+mn-ea"/>
-                <a:cs typeface="+mn-cs"/>
-              </a:rPr>
-              <a:t>state for the replacement instance must be acquired.</a:t>
-            </a:r>
-          </a:p>
-          <a:p>
-            <a:pPr marL="342900" marR="0" lvl="0" indent="-342900" algn="l" defTabSz="914400" rtl="0" eaLnBrk="1" fontAlgn="base" latinLnBrk="0" hangingPunct="1">
-              <a:lnSpc>
-                <a:spcPct val="100000"/>
-              </a:lnSpc>
-              <a:spcBef>
-                <a:spcPct val="20000"/>
-              </a:spcBef>
-              <a:spcAft>
-                <a:spcPct val="0"/>
-              </a:spcAft>
-              <a:buClr>
-                <a:srgbClr val="005481"/>
-              </a:buClr>
-              <a:buSzTx/>
-              <a:buFont typeface="Times" charset="0"/>
-              <a:buChar char="•"/>
-              <a:tabLst/>
-              <a:defRPr/>
-            </a:pPr>
-            <a:r>
-              <a:rPr lang="en-US" dirty="0"/>
-              <a:t>A copy of the state for stateful instances must be kept external to the instance.</a:t>
-            </a:r>
-          </a:p>
-          <a:p>
-            <a:pPr marL="342900" marR="0" lvl="0" indent="-342900" algn="l" defTabSz="914400" rtl="0" eaLnBrk="1" fontAlgn="base" latinLnBrk="0" hangingPunct="1">
-              <a:lnSpc>
-                <a:spcPct val="100000"/>
-              </a:lnSpc>
-              <a:spcBef>
-                <a:spcPct val="20000"/>
-              </a:spcBef>
-              <a:spcAft>
-                <a:spcPct val="0"/>
-              </a:spcAft>
-              <a:buClr>
-                <a:srgbClr val="005481"/>
-              </a:buClr>
-              <a:buSzTx/>
-              <a:buFont typeface="Times" charset="0"/>
-              <a:buChar char="•"/>
-              <a:tabLst/>
-              <a:defRPr/>
-            </a:pPr>
-            <a:r>
-              <a:rPr lang="en-US" dirty="0"/>
-              <a:t>Issues</a:t>
-            </a:r>
-            <a:r>
-              <a:rPr lang="en-US" sz="2800" dirty="0">
-                <a:effectLst/>
-              </a:rPr>
-              <a:t>:</a:t>
-            </a:r>
-          </a:p>
-          <a:p>
-            <a:pPr lvl="1" indent="-342900"/>
-            <a:r>
-              <a:rPr lang="en-US" dirty="0"/>
-              <a:t>Performance costs of keeping copy of state</a:t>
-            </a:r>
-          </a:p>
-          <a:p>
-            <a:pPr lvl="1" indent="-342900"/>
-            <a:r>
-              <a:rPr lang="en-US" dirty="0">
-                <a:effectLst/>
-              </a:rPr>
-              <a:t>Consistency between state in the instance and the copy.</a:t>
-            </a:r>
-          </a:p>
-          <a:p>
-            <a:endParaRPr lang="en-US" dirty="0"/>
+            <a:r>
+              <a:rPr lang="en-US" dirty="0"/>
+              <a:t>RTO</a:t>
+            </a:r>
+            <a:r>
+              <a:rPr lang="en-US" baseline="0" dirty="0"/>
+              <a:t> – recovery time objective</a:t>
+            </a:r>
+          </a:p>
+          <a:p>
+            <a:pPr lvl="1"/>
+            <a:r>
+              <a:rPr lang="en-US" dirty="0"/>
+              <a:t>How long</a:t>
+            </a:r>
+            <a:r>
+              <a:rPr lang="en-US" baseline="0" dirty="0"/>
+              <a:t> before system is in service again</a:t>
+            </a:r>
+          </a:p>
+          <a:p>
+            <a:pPr lvl="0"/>
+            <a:r>
+              <a:rPr lang="en-US" dirty="0"/>
+              <a:t>RPO</a:t>
+            </a:r>
+            <a:r>
+              <a:rPr lang="en-US" baseline="0" dirty="0"/>
+              <a:t> – recovery point objective</a:t>
+            </a:r>
+          </a:p>
+          <a:p>
+            <a:pPr lvl="1"/>
+            <a:r>
+              <a:rPr lang="en-US" dirty="0"/>
+              <a:t>How much data can be lost in the event of a disaster</a:t>
+            </a:r>
+          </a:p>
+          <a:p>
+            <a:pPr lvl="0"/>
+            <a:r>
+              <a:rPr lang="en-US" dirty="0"/>
+              <a:t>Will vary for</a:t>
+            </a:r>
+            <a:r>
+              <a:rPr lang="en-US" baseline="0" dirty="0"/>
+              <a:t> each system in an organization</a:t>
+            </a:r>
           </a:p>
         </p:txBody>
       </p:sp>
     </p:spTree>
     <p:extLst>
       <p:ext uri="{BB962C8B-B14F-4D97-AF65-F5344CB8AC3E}">
-        <p14:creationId xmlns:p14="http://schemas.microsoft.com/office/powerpoint/2010/main" val="2414996920"/>
+        <p14:creationId xmlns:p14="http://schemas.microsoft.com/office/powerpoint/2010/main" val="1778074406"/>
       </p:ext>
     </p:extLst>
   </p:cSld>
@@ -5786,7 +5434,7 @@
           <p:cNvPr id="2" name="Title 1">
             <a:extLst>
               <a:ext uri="{FF2B5EF4-FFF2-40B4-BE49-F238E27FC236}">
-                <a16:creationId xmlns:a16="http://schemas.microsoft.com/office/drawing/2014/main" id="{3E16F2FE-7AB9-D95F-CAFC-2B6E246A5FBB}"/>
+                <a16:creationId xmlns:a16="http://schemas.microsoft.com/office/drawing/2014/main" id="{E16AAA0D-750B-4435-A8F4-A2A59FDF0D45}"/>
               </a:ext>
             </a:extLst>
           </p:cNvPr>
@@ -5804,95 +5452,522 @@
           <a:p>
             <a:r>
               <a:rPr lang="en-US" dirty="0"/>
-              <a:t>Outline</a:t>
-            </a:r>
-          </a:p>
-        </p:txBody>
-      </p:sp>
-      <p:sp>
-        <p:nvSpPr>
-          <p:cNvPr id="3" name="Content Placeholder 2">
+              <a:t>Graphical representation</a:t>
+            </a:r>
+          </a:p>
+        </p:txBody>
+      </p:sp>
+      <p:grpSp>
+        <p:nvGrpSpPr>
+          <p:cNvPr id="4" name="Group 3">
             <a:extLst>
               <a:ext uri="{FF2B5EF4-FFF2-40B4-BE49-F238E27FC236}">
-                <a16:creationId xmlns:a16="http://schemas.microsoft.com/office/drawing/2014/main" id="{0360376D-D0AD-8627-6131-7F80E819B143}"/>
+                <a16:creationId xmlns:a16="http://schemas.microsoft.com/office/drawing/2014/main" id="{F83C281C-4396-4ECC-B51A-6F0E26006EDA}"/>
               </a:ext>
             </a:extLst>
           </p:cNvPr>
-          <p:cNvSpPr>
-            <a:spLocks noGrp="1"/>
-          </p:cNvSpPr>
-          <p:nvPr>
-            <p:ph idx="1"/>
-          </p:nvPr>
-        </p:nvSpPr>
-        <p:spPr/>
-        <p:txBody>
-          <a:bodyPr/>
+          <p:cNvGrpSpPr/>
+          <p:nvPr/>
+        </p:nvGrpSpPr>
+        <p:grpSpPr>
+          <a:xfrm>
+            <a:off x="1143001" y="2175199"/>
+            <a:ext cx="6354550" cy="3623920"/>
+            <a:chOff x="1219200" y="2202230"/>
+            <a:chExt cx="6324600" cy="3006514"/>
+          </a:xfrm>
+        </p:grpSpPr>
+        <p:cxnSp>
+          <p:nvCxnSpPr>
+            <p:cNvPr id="5" name="Straight Connector 4">
+              <a:extLst>
+                <a:ext uri="{FF2B5EF4-FFF2-40B4-BE49-F238E27FC236}">
+                  <a16:creationId xmlns:a16="http://schemas.microsoft.com/office/drawing/2014/main" id="{86841B71-00EE-41EE-84D2-DB084F9A259A}"/>
+                </a:ext>
+              </a:extLst>
+            </p:cNvPr>
+            <p:cNvCxnSpPr/>
+            <p:nvPr/>
+          </p:nvCxnSpPr>
+          <p:spPr bwMode="auto">
+            <a:xfrm>
+              <a:off x="1219200" y="4724400"/>
+              <a:ext cx="6324600" cy="0"/>
+            </a:xfrm>
+            <a:prstGeom prst="line">
+              <a:avLst/>
+            </a:prstGeom>
+            <a:solidFill>
+              <a:schemeClr val="accent1"/>
+            </a:solidFill>
+            <a:ln w="76200" cap="flat" cmpd="sng" algn="ctr">
+              <a:solidFill>
+                <a:schemeClr val="tx1"/>
+              </a:solidFill>
+              <a:prstDash val="solid"/>
+              <a:round/>
+              <a:headEnd type="none" w="med" len="med"/>
+              <a:tailEnd type="none" w="med" len="med"/>
+            </a:ln>
+            <a:effectLst/>
+            <a:extLst>
+              <a:ext uri="{AF507438-7753-43e0-B8FC-AC1667EBCBE1}">
+                <a14:hiddenEffects xmlns:a14="http://schemas.microsoft.com/office/drawing/2010/main" xmlns="">
+                  <a:effectLst>
+                    <a:outerShdw blurRad="63500" dist="38099" dir="2700000" algn="ctr" rotWithShape="0">
+                      <a:schemeClr val="bg2">
+                        <a:alpha val="74998"/>
+                      </a:schemeClr>
+                    </a:outerShdw>
+                  </a:effectLst>
+                </a14:hiddenEffects>
+              </a:ext>
+            </a:extLst>
+          </p:spPr>
+        </p:cxnSp>
+        <p:sp>
+          <p:nvSpPr>
+            <p:cNvPr id="6" name="TextBox 5">
+              <a:extLst>
+                <a:ext uri="{FF2B5EF4-FFF2-40B4-BE49-F238E27FC236}">
+                  <a16:creationId xmlns:a16="http://schemas.microsoft.com/office/drawing/2014/main" id="{BAB810D4-8CD6-4EFE-A7FE-6F6409DCB967}"/>
+                </a:ext>
+              </a:extLst>
+            </p:cNvPr>
+            <p:cNvSpPr txBox="1"/>
+            <p:nvPr/>
+          </p:nvSpPr>
+          <p:spPr>
+            <a:xfrm>
+              <a:off x="3733801" y="4876801"/>
+              <a:ext cx="812402" cy="331943"/>
+            </a:xfrm>
+            <a:prstGeom prst="rect">
+              <a:avLst/>
+            </a:prstGeom>
+            <a:noFill/>
+          </p:spPr>
+          <p:txBody>
+            <a:bodyPr wrap="none" rtlCol="0">
+              <a:spAutoFit/>
+            </a:bodyPr>
+            <a:lstStyle/>
+            <a:p>
+              <a:r>
+                <a:rPr lang="en-US" sz="2000" dirty="0"/>
+                <a:t>Time</a:t>
+              </a:r>
+            </a:p>
+          </p:txBody>
+        </p:sp>
+        <p:sp>
+          <p:nvSpPr>
+            <p:cNvPr id="7" name="TextBox 6">
+              <a:extLst>
+                <a:ext uri="{FF2B5EF4-FFF2-40B4-BE49-F238E27FC236}">
+                  <a16:creationId xmlns:a16="http://schemas.microsoft.com/office/drawing/2014/main" id="{1CE1CCBB-A60A-4D74-B9AD-EF0A5E328DC6}"/>
+                </a:ext>
+              </a:extLst>
+            </p:cNvPr>
+            <p:cNvSpPr txBox="1"/>
+            <p:nvPr/>
+          </p:nvSpPr>
+          <p:spPr>
+            <a:xfrm>
+              <a:off x="3748924" y="3097662"/>
+              <a:ext cx="1262318" cy="587284"/>
+            </a:xfrm>
+            <a:prstGeom prst="rect">
+              <a:avLst/>
+            </a:prstGeom>
+            <a:noFill/>
+          </p:spPr>
+          <p:txBody>
+            <a:bodyPr wrap="none" rtlCol="0">
+              <a:spAutoFit/>
+            </a:bodyPr>
+            <a:lstStyle/>
+            <a:p>
+              <a:r>
+                <a:rPr lang="en-US" sz="2000" dirty="0"/>
+                <a:t>Disaster</a:t>
+              </a:r>
+            </a:p>
+            <a:p>
+              <a:r>
+                <a:rPr lang="en-US" sz="2000" dirty="0"/>
+                <a:t>happens</a:t>
+              </a:r>
+            </a:p>
+          </p:txBody>
+        </p:sp>
+        <p:sp>
+          <p:nvSpPr>
+            <p:cNvPr id="8" name="TextBox 7">
+              <a:extLst>
+                <a:ext uri="{FF2B5EF4-FFF2-40B4-BE49-F238E27FC236}">
+                  <a16:creationId xmlns:a16="http://schemas.microsoft.com/office/drawing/2014/main" id="{46A99E0D-1B55-4C36-85A5-5008FA1154CE}"/>
+                </a:ext>
+              </a:extLst>
+            </p:cNvPr>
+            <p:cNvSpPr txBox="1"/>
+            <p:nvPr/>
+          </p:nvSpPr>
+          <p:spPr>
+            <a:xfrm>
+              <a:off x="6125276" y="3100131"/>
+              <a:ext cx="706146" cy="331943"/>
+            </a:xfrm>
+            <a:prstGeom prst="rect">
+              <a:avLst/>
+            </a:prstGeom>
+            <a:noFill/>
+          </p:spPr>
+          <p:txBody>
+            <a:bodyPr wrap="none" rtlCol="0">
+              <a:spAutoFit/>
+            </a:bodyPr>
+            <a:lstStyle/>
+            <a:p>
+              <a:r>
+                <a:rPr lang="en-US" sz="2000" dirty="0"/>
+                <a:t>RTO</a:t>
+              </a:r>
+            </a:p>
+          </p:txBody>
+        </p:sp>
+        <p:sp>
+          <p:nvSpPr>
+            <p:cNvPr id="9" name="TextBox 8">
+              <a:extLst>
+                <a:ext uri="{FF2B5EF4-FFF2-40B4-BE49-F238E27FC236}">
+                  <a16:creationId xmlns:a16="http://schemas.microsoft.com/office/drawing/2014/main" id="{59A75522-0961-475E-A46E-7C15B0BF50AE}"/>
+                </a:ext>
+              </a:extLst>
+            </p:cNvPr>
+            <p:cNvSpPr txBox="1"/>
+            <p:nvPr/>
+          </p:nvSpPr>
+          <p:spPr>
+            <a:xfrm>
+              <a:off x="1641732" y="3100131"/>
+              <a:ext cx="715080" cy="331943"/>
+            </a:xfrm>
+            <a:prstGeom prst="rect">
+              <a:avLst/>
+            </a:prstGeom>
+            <a:noFill/>
+          </p:spPr>
+          <p:txBody>
+            <a:bodyPr wrap="none" rtlCol="0">
+              <a:spAutoFit/>
+            </a:bodyPr>
+            <a:lstStyle/>
+            <a:p>
+              <a:r>
+                <a:rPr lang="en-US" sz="2000" dirty="0"/>
+                <a:t>RPO</a:t>
+              </a:r>
+            </a:p>
+          </p:txBody>
+        </p:sp>
+        <p:sp>
+          <p:nvSpPr>
+            <p:cNvPr id="10" name="Down Arrow 9">
+              <a:extLst>
+                <a:ext uri="{FF2B5EF4-FFF2-40B4-BE49-F238E27FC236}">
+                  <a16:creationId xmlns:a16="http://schemas.microsoft.com/office/drawing/2014/main" id="{B0A79D2F-455E-4653-9D3F-8BF79FA6F305}"/>
+                </a:ext>
+              </a:extLst>
+            </p:cNvPr>
+            <p:cNvSpPr/>
+            <p:nvPr/>
+          </p:nvSpPr>
+          <p:spPr bwMode="auto">
+            <a:xfrm>
+              <a:off x="1828800" y="3505200"/>
+              <a:ext cx="457200" cy="1219200"/>
+            </a:xfrm>
+            <a:prstGeom prst="downArrow">
+              <a:avLst/>
+            </a:prstGeom>
+            <a:solidFill>
+              <a:schemeClr val="accent1"/>
+            </a:solidFill>
+            <a:ln w="9525" cap="flat" cmpd="sng" algn="ctr">
+              <a:solidFill>
+                <a:schemeClr val="tx1"/>
+              </a:solidFill>
+              <a:prstDash val="solid"/>
+              <a:round/>
+              <a:headEnd type="none" w="med" len="med"/>
+              <a:tailEnd type="none" w="med" len="med"/>
+            </a:ln>
+            <a:effectLst/>
+            <a:extLst>
+              <a:ext uri="{AF507438-7753-43e0-B8FC-AC1667EBCBE1}">
+                <a14:hiddenEffects xmlns:a14="http://schemas.microsoft.com/office/drawing/2010/main" xmlns="">
+                  <a:effectLst>
+                    <a:outerShdw blurRad="63500" dist="38099" dir="2700000" algn="ctr" rotWithShape="0">
+                      <a:schemeClr val="bg2">
+                        <a:alpha val="74998"/>
+                      </a:schemeClr>
+                    </a:outerShdw>
+                  </a:effectLst>
+                </a14:hiddenEffects>
+              </a:ext>
+            </a:extLst>
+          </p:spPr>
+          <p:txBody>
+            <a:bodyPr vert="horz" wrap="square" lIns="75607" tIns="37804" rIns="75607" bIns="37804" numCol="1" rtlCol="0" anchor="t" anchorCtr="0" compatLnSpc="1">
+              <a:prstTxWarp prst="textNoShape">
+                <a:avLst/>
+              </a:prstTxWarp>
+            </a:bodyPr>
+            <a:lstStyle/>
+            <a:p>
+              <a:pPr defTabSz="756117" eaLnBrk="0" fontAlgn="base" hangingPunct="0">
+                <a:spcBef>
+                  <a:spcPct val="0"/>
+                </a:spcBef>
+                <a:spcAft>
+                  <a:spcPct val="0"/>
+                </a:spcAft>
+              </a:pPr>
+              <a:endParaRPr lang="en-US" sz="1985">
+                <a:solidFill>
+                  <a:srgbClr val="000000"/>
+                </a:solidFill>
+                <a:latin typeface="Times" charset="0"/>
+                <a:ea typeface="Osaka" charset="0"/>
+                <a:cs typeface="Osaka" charset="0"/>
+              </a:endParaRPr>
+            </a:p>
+          </p:txBody>
+        </p:sp>
+        <p:sp>
+          <p:nvSpPr>
+            <p:cNvPr id="11" name="Down Arrow 10">
+              <a:extLst>
+                <a:ext uri="{FF2B5EF4-FFF2-40B4-BE49-F238E27FC236}">
+                  <a16:creationId xmlns:a16="http://schemas.microsoft.com/office/drawing/2014/main" id="{5DA3EDDC-32A9-41C9-B54F-3256E08BAE20}"/>
+                </a:ext>
+              </a:extLst>
+            </p:cNvPr>
+            <p:cNvSpPr/>
+            <p:nvPr/>
+          </p:nvSpPr>
+          <p:spPr bwMode="auto">
+            <a:xfrm>
+              <a:off x="4114800" y="4110573"/>
+              <a:ext cx="533400" cy="613827"/>
+            </a:xfrm>
+            <a:prstGeom prst="downArrow">
+              <a:avLst/>
+            </a:prstGeom>
+            <a:solidFill>
+              <a:schemeClr val="accent1"/>
+            </a:solidFill>
+            <a:ln w="9525" cap="flat" cmpd="sng" algn="ctr">
+              <a:solidFill>
+                <a:schemeClr val="tx1"/>
+              </a:solidFill>
+              <a:prstDash val="solid"/>
+              <a:round/>
+              <a:headEnd type="none" w="med" len="med"/>
+              <a:tailEnd type="none" w="med" len="med"/>
+            </a:ln>
+            <a:effectLst/>
+            <a:extLst>
+              <a:ext uri="{AF507438-7753-43e0-B8FC-AC1667EBCBE1}">
+                <a14:hiddenEffects xmlns:a14="http://schemas.microsoft.com/office/drawing/2010/main" xmlns="">
+                  <a:effectLst>
+                    <a:outerShdw blurRad="63500" dist="38099" dir="2700000" algn="ctr" rotWithShape="0">
+                      <a:schemeClr val="bg2">
+                        <a:alpha val="74998"/>
+                      </a:schemeClr>
+                    </a:outerShdw>
+                  </a:effectLst>
+                </a14:hiddenEffects>
+              </a:ext>
+            </a:extLst>
+          </p:spPr>
+          <p:txBody>
+            <a:bodyPr vert="horz" wrap="square" lIns="75607" tIns="37804" rIns="75607" bIns="37804" numCol="1" rtlCol="0" anchor="t" anchorCtr="0" compatLnSpc="1">
+              <a:prstTxWarp prst="textNoShape">
+                <a:avLst/>
+              </a:prstTxWarp>
+            </a:bodyPr>
+            <a:lstStyle/>
+            <a:p>
+              <a:pPr defTabSz="756117" eaLnBrk="0" fontAlgn="base" hangingPunct="0">
+                <a:spcBef>
+                  <a:spcPct val="0"/>
+                </a:spcBef>
+                <a:spcAft>
+                  <a:spcPct val="0"/>
+                </a:spcAft>
+              </a:pPr>
+              <a:endParaRPr lang="en-US" sz="1985">
+                <a:solidFill>
+                  <a:srgbClr val="000000"/>
+                </a:solidFill>
+                <a:latin typeface="Times" charset="0"/>
+                <a:ea typeface="Osaka" charset="0"/>
+                <a:cs typeface="Osaka" charset="0"/>
+              </a:endParaRPr>
+            </a:p>
+          </p:txBody>
+        </p:sp>
+        <p:sp>
+          <p:nvSpPr>
+            <p:cNvPr id="12" name="Down Arrow 11">
+              <a:extLst>
+                <a:ext uri="{FF2B5EF4-FFF2-40B4-BE49-F238E27FC236}">
+                  <a16:creationId xmlns:a16="http://schemas.microsoft.com/office/drawing/2014/main" id="{B4A077BC-BAD9-4A09-A1B4-3BA2E6894304}"/>
+                </a:ext>
+              </a:extLst>
+            </p:cNvPr>
+            <p:cNvSpPr/>
+            <p:nvPr/>
+          </p:nvSpPr>
+          <p:spPr bwMode="auto">
+            <a:xfrm>
+              <a:off x="6324600" y="3657600"/>
+              <a:ext cx="533400" cy="990600"/>
+            </a:xfrm>
+            <a:prstGeom prst="downArrow">
+              <a:avLst/>
+            </a:prstGeom>
+            <a:solidFill>
+              <a:schemeClr val="accent1"/>
+            </a:solidFill>
+            <a:ln w="9525" cap="flat" cmpd="sng" algn="ctr">
+              <a:solidFill>
+                <a:schemeClr val="tx1"/>
+              </a:solidFill>
+              <a:prstDash val="solid"/>
+              <a:round/>
+              <a:headEnd type="none" w="med" len="med"/>
+              <a:tailEnd type="none" w="med" len="med"/>
+            </a:ln>
+            <a:effectLst/>
+            <a:extLst>
+              <a:ext uri="{AF507438-7753-43e0-B8FC-AC1667EBCBE1}">
+                <a14:hiddenEffects xmlns:a14="http://schemas.microsoft.com/office/drawing/2010/main" xmlns="">
+                  <a:effectLst>
+                    <a:outerShdw blurRad="63500" dist="38099" dir="2700000" algn="ctr" rotWithShape="0">
+                      <a:schemeClr val="bg2">
+                        <a:alpha val="74998"/>
+                      </a:schemeClr>
+                    </a:outerShdw>
+                  </a:effectLst>
+                </a14:hiddenEffects>
+              </a:ext>
+            </a:extLst>
+          </p:spPr>
+          <p:txBody>
+            <a:bodyPr vert="horz" wrap="square" lIns="75607" tIns="37804" rIns="75607" bIns="37804" numCol="1" rtlCol="0" anchor="t" anchorCtr="0" compatLnSpc="1">
+              <a:prstTxWarp prst="textNoShape">
+                <a:avLst/>
+              </a:prstTxWarp>
+            </a:bodyPr>
+            <a:lstStyle/>
+            <a:p>
+              <a:pPr defTabSz="756117" eaLnBrk="0" fontAlgn="base" hangingPunct="0">
+                <a:spcBef>
+                  <a:spcPct val="0"/>
+                </a:spcBef>
+                <a:spcAft>
+                  <a:spcPct val="0"/>
+                </a:spcAft>
+              </a:pPr>
+              <a:endParaRPr lang="en-US" sz="1985">
+                <a:solidFill>
+                  <a:srgbClr val="000000"/>
+                </a:solidFill>
+                <a:latin typeface="Times" charset="0"/>
+                <a:ea typeface="Osaka" charset="0"/>
+                <a:cs typeface="Osaka" charset="0"/>
+              </a:endParaRPr>
+            </a:p>
+          </p:txBody>
+        </p:sp>
+        <p:sp>
+          <p:nvSpPr>
+            <p:cNvPr id="13" name="TextBox 12">
+              <a:extLst>
+                <a:ext uri="{FF2B5EF4-FFF2-40B4-BE49-F238E27FC236}">
+                  <a16:creationId xmlns:a16="http://schemas.microsoft.com/office/drawing/2014/main" id="{CE1011C8-7078-4977-827D-C4818EC064D9}"/>
+                </a:ext>
+              </a:extLst>
+            </p:cNvPr>
+            <p:cNvSpPr txBox="1"/>
+            <p:nvPr/>
+          </p:nvSpPr>
+          <p:spPr>
+            <a:xfrm>
+              <a:off x="1524001" y="2202230"/>
+              <a:ext cx="1676400" cy="850538"/>
+            </a:xfrm>
+            <a:prstGeom prst="rect">
+              <a:avLst/>
+            </a:prstGeom>
+            <a:noFill/>
+          </p:spPr>
+          <p:txBody>
+            <a:bodyPr wrap="square" rtlCol="0">
+              <a:spAutoFit/>
+            </a:bodyPr>
+            <a:lstStyle/>
+            <a:p>
+              <a:r>
+                <a:rPr lang="en-US" sz="1985" dirty="0"/>
+                <a:t>Data saved</a:t>
+              </a:r>
+            </a:p>
+          </p:txBody>
+        </p:sp>
+      </p:grpSp>
+      <p:sp>
+        <p:nvSpPr>
+          <p:cNvPr id="14" name="TextBox 13">
+            <a:extLst>
+              <a:ext uri="{FF2B5EF4-FFF2-40B4-BE49-F238E27FC236}">
+                <a16:creationId xmlns:a16="http://schemas.microsoft.com/office/drawing/2014/main" id="{15DC7CF1-320B-4122-9E36-642E35491848}"/>
+              </a:ext>
+            </a:extLst>
+          </p:cNvPr>
+          <p:cNvSpPr txBox="1"/>
+          <p:nvPr/>
+        </p:nvSpPr>
+        <p:spPr>
+          <a:xfrm>
+            <a:off x="5357707" y="2057400"/>
+            <a:ext cx="3024293" cy="703269"/>
+          </a:xfrm>
+          <a:prstGeom prst="rect">
+            <a:avLst/>
+          </a:prstGeom>
+          <a:noFill/>
+        </p:spPr>
+        <p:txBody>
+          <a:bodyPr wrap="square" rtlCol="0">
+            <a:spAutoFit/>
+          </a:bodyPr>
           <a:lstStyle/>
           <a:p>
             <a:r>
-              <a:rPr lang="en-US" dirty="0"/>
-              <a:t>Introduction </a:t>
-            </a:r>
-          </a:p>
-          <a:p>
-            <a:r>
-              <a:rPr lang="en-US" dirty="0"/>
-              <a:t>Dealing with failure</a:t>
-            </a:r>
-          </a:p>
-          <a:p>
-            <a:pPr lvl="1"/>
-            <a:r>
-              <a:rPr lang="en-US" dirty="0"/>
-              <a:t>Symptom - Slow or no response</a:t>
-            </a:r>
-          </a:p>
-          <a:p>
-            <a:pPr lvl="1"/>
-            <a:r>
-              <a:rPr lang="en-US" dirty="0"/>
-              <a:t>Possible causes </a:t>
-            </a:r>
-          </a:p>
-          <a:p>
-            <a:pPr lvl="2"/>
-            <a:r>
-              <a:rPr lang="en-US" dirty="0"/>
-              <a:t>Congestion</a:t>
-            </a:r>
-          </a:p>
-          <a:p>
-            <a:pPr lvl="2"/>
-            <a:r>
-              <a:rPr lang="en-US" dirty="0"/>
-              <a:t>Scheduling problem</a:t>
-            </a:r>
-          </a:p>
-          <a:p>
-            <a:pPr lvl="2"/>
-            <a:r>
-              <a:rPr lang="en-US" dirty="0"/>
-              <a:t>Failure of an instance</a:t>
-            </a:r>
-          </a:p>
-          <a:p>
-            <a:pPr lvl="2"/>
-            <a:r>
-              <a:rPr lang="en-US" b="1" dirty="0"/>
-              <a:t>Failure in the environment</a:t>
-            </a:r>
-          </a:p>
-          <a:p>
-            <a:pPr lvl="1"/>
-            <a:endParaRPr lang="en-US" dirty="0"/>
+              <a:rPr lang="en-US" sz="1985" dirty="0"/>
+              <a:t>System is available with data saved previously</a:t>
+            </a:r>
           </a:p>
         </p:txBody>
       </p:sp>
     </p:spTree>
     <p:extLst>
       <p:ext uri="{BB962C8B-B14F-4D97-AF65-F5344CB8AC3E}">
-        <p14:creationId xmlns:p14="http://schemas.microsoft.com/office/powerpoint/2010/main" val="3560727394"/>
+        <p14:creationId xmlns:p14="http://schemas.microsoft.com/office/powerpoint/2010/main" val="485913674"/>
       </p:ext>
     </p:extLst>
   </p:cSld>
@@ -5924,7 +5999,7 @@
           <p:cNvPr id="2" name="Title 1">
             <a:extLst>
               <a:ext uri="{FF2B5EF4-FFF2-40B4-BE49-F238E27FC236}">
-                <a16:creationId xmlns:a16="http://schemas.microsoft.com/office/drawing/2014/main" id="{7033AC54-E916-B779-B390-13DF6B7D72F2}"/>
+                <a16:creationId xmlns:a16="http://schemas.microsoft.com/office/drawing/2014/main" id="{8687997B-7366-4A02-B8E9-162389C5B72E}"/>
               </a:ext>
             </a:extLst>
           </p:cNvPr>
@@ -5942,7 +6017,7 @@
           <a:p>
             <a:r>
               <a:rPr lang="en-US" dirty="0"/>
-              <a:t>Failure in the environment</a:t>
+              <a:t>Tiers</a:t>
             </a:r>
           </a:p>
         </p:txBody>
@@ -5952,7 +6027,7 @@
           <p:cNvPr id="3" name="Content Placeholder 2">
             <a:extLst>
               <a:ext uri="{FF2B5EF4-FFF2-40B4-BE49-F238E27FC236}">
-                <a16:creationId xmlns:a16="http://schemas.microsoft.com/office/drawing/2014/main" id="{89887ED2-E963-BCAB-26CF-74AC8249A1DB}"/>
+                <a16:creationId xmlns:a16="http://schemas.microsoft.com/office/drawing/2014/main" id="{52559ED9-FD32-4C1D-8F4A-90FBC349DA80}"/>
               </a:ext>
             </a:extLst>
           </p:cNvPr>
@@ -5970,53 +6045,47 @@
           <a:p>
             <a:r>
               <a:rPr lang="en-US" dirty="0"/>
-              <a:t>A failure in the environment is masked by maintaining a copy of the components in the environment in a separate environment.</a:t>
-            </a:r>
-          </a:p>
-          <a:p>
-            <a:r>
-              <a:rPr lang="en-US" dirty="0"/>
-              <a:t>The issues are </a:t>
+              <a:t>Divide</a:t>
+            </a:r>
+            <a:r>
+              <a:rPr lang="en-US" baseline="0" dirty="0"/>
+              <a:t> your systems into tiers based on RTO and RPO</a:t>
             </a:r>
           </a:p>
           <a:p>
             <a:pPr lvl="1"/>
             <a:r>
               <a:rPr lang="en-US" dirty="0"/>
-              <a:t>Performance cost of keeping the copy</a:t>
+              <a:t>Tier 1 (mission critical) – 15 minutes</a:t>
             </a:r>
           </a:p>
           <a:p>
             <a:pPr lvl="1"/>
             <a:r>
               <a:rPr lang="en-US" dirty="0"/>
-              <a:t>Financial costs of keeping the copy</a:t>
+              <a:t>Tier 2 (important support ) - 2 hours</a:t>
             </a:r>
           </a:p>
           <a:p>
             <a:pPr lvl="1"/>
             <a:r>
               <a:rPr lang="en-US" dirty="0"/>
-              <a:t>Data consistency</a:t>
+              <a:t>Tier 3 (less important support) - 4 hours</a:t>
             </a:r>
           </a:p>
           <a:p>
             <a:pPr lvl="1"/>
             <a:r>
               <a:rPr lang="en-US" dirty="0"/>
-              <a:t>Distinguishing between the failure of an instance and the failure of the environment in which that instance exists.</a:t>
-            </a:r>
-          </a:p>
-          <a:p>
-            <a:pPr lvl="1"/>
-            <a:endParaRPr lang="en-US" dirty="0"/>
+              <a:t>Tier 4 (everything else) - 24 hours</a:t>
+            </a:r>
           </a:p>
         </p:txBody>
       </p:sp>
     </p:spTree>
     <p:extLst>
       <p:ext uri="{BB962C8B-B14F-4D97-AF65-F5344CB8AC3E}">
-        <p14:creationId xmlns:p14="http://schemas.microsoft.com/office/powerpoint/2010/main" val="3690073886"/>
+        <p14:creationId xmlns:p14="http://schemas.microsoft.com/office/powerpoint/2010/main" val="2657578157"/>
       </p:ext>
     </p:extLst>
   </p:cSld>
@@ -6048,7 +6117,7 @@
           <p:cNvPr id="2" name="Title 1">
             <a:extLst>
               <a:ext uri="{FF2B5EF4-FFF2-40B4-BE49-F238E27FC236}">
-                <a16:creationId xmlns:a16="http://schemas.microsoft.com/office/drawing/2014/main" id="{3E16F2FE-7AB9-D95F-CAFC-2B6E246A5FBB}"/>
+                <a16:creationId xmlns:a16="http://schemas.microsoft.com/office/drawing/2014/main" id="{319FA5F6-B268-4D54-89A0-7731F7F3DBDD}"/>
               </a:ext>
             </a:extLst>
           </p:cNvPr>
@@ -6066,7 +6135,7 @@
           <a:p>
             <a:r>
               <a:rPr lang="en-US" dirty="0"/>
-              <a:t>Outline</a:t>
+              <a:t>Secondary data center</a:t>
             </a:r>
           </a:p>
         </p:txBody>
@@ -6076,7 +6145,7 @@
           <p:cNvPr id="3" name="Content Placeholder 2">
             <a:extLst>
               <a:ext uri="{FF2B5EF4-FFF2-40B4-BE49-F238E27FC236}">
-                <a16:creationId xmlns:a16="http://schemas.microsoft.com/office/drawing/2014/main" id="{0360376D-D0AD-8627-6131-7F80E819B143}"/>
+                <a16:creationId xmlns:a16="http://schemas.microsoft.com/office/drawing/2014/main" id="{E47C65CA-AC22-4775-9987-49EE0B3F6C67}"/>
               </a:ext>
             </a:extLst>
           </p:cNvPr>
@@ -6087,40 +6156,63 @@
             <p:ph idx="1"/>
           </p:nvPr>
         </p:nvSpPr>
-        <p:spPr/>
+        <p:spPr>
+          <a:xfrm>
+            <a:off x="685800" y="1981200"/>
+            <a:ext cx="3810000" cy="4038600"/>
+          </a:xfrm>
+        </p:spPr>
         <p:txBody>
           <a:bodyPr/>
           <a:lstStyle/>
           <a:p>
             <a:r>
-              <a:rPr lang="en-US" dirty="0"/>
-              <a:t>Introduction </a:t>
-            </a:r>
-          </a:p>
-          <a:p>
-            <a:r>
-              <a:rPr lang="en-US" dirty="0"/>
-              <a:t>Dealing with failure</a:t>
-            </a:r>
-          </a:p>
-          <a:p>
-            <a:pPr lvl="1"/>
-            <a:r>
-              <a:rPr lang="en-US" b="1" dirty="0"/>
-              <a:t>Symptom – Erroneous</a:t>
-            </a:r>
-            <a:r>
-              <a:rPr lang="en-US" b="1" baseline="0" dirty="0"/>
-              <a:t> output</a:t>
-            </a:r>
-            <a:endParaRPr lang="en-US" b="1" dirty="0"/>
-          </a:p>
-        </p:txBody>
-      </p:sp>
+              <a:rPr lang="en-US" sz="2800" dirty="0"/>
+              <a:t>When a disaster occurs, your data center will be out of operation for days/weeks/months</a:t>
+            </a:r>
+          </a:p>
+          <a:p>
+            <a:r>
+              <a:rPr lang="en-US" sz="2800" dirty="0"/>
+              <a:t>You need a secondary (back up) data center</a:t>
+            </a:r>
+          </a:p>
+        </p:txBody>
+      </p:sp>
+      <p:pic>
+        <p:nvPicPr>
+          <p:cNvPr id="4" name="Picture 3">
+            <a:extLst>
+              <a:ext uri="{FF2B5EF4-FFF2-40B4-BE49-F238E27FC236}">
+                <a16:creationId xmlns:a16="http://schemas.microsoft.com/office/drawing/2014/main" id="{95E9BD5C-1F77-4C79-A8B0-4CC04DB10CFC}"/>
+              </a:ext>
+            </a:extLst>
+          </p:cNvPr>
+          <p:cNvPicPr>
+            <a:picLocks noChangeAspect="1"/>
+          </p:cNvPicPr>
+          <p:nvPr/>
+        </p:nvPicPr>
+        <p:blipFill>
+          <a:blip r:embed="rId2"/>
+          <a:stretch>
+            <a:fillRect/>
+          </a:stretch>
+        </p:blipFill>
+        <p:spPr>
+          <a:xfrm>
+            <a:off x="4684645" y="2286000"/>
+            <a:ext cx="4577892" cy="3429000"/>
+          </a:xfrm>
+          <a:prstGeom prst="rect">
+            <a:avLst/>
+          </a:prstGeom>
+        </p:spPr>
+      </p:pic>
     </p:spTree>
     <p:extLst>
       <p:ext uri="{BB962C8B-B14F-4D97-AF65-F5344CB8AC3E}">
-        <p14:creationId xmlns:p14="http://schemas.microsoft.com/office/powerpoint/2010/main" val="4178675864"/>
+        <p14:creationId xmlns:p14="http://schemas.microsoft.com/office/powerpoint/2010/main" val="2873948879"/>
       </p:ext>
     </p:extLst>
   </p:cSld>
@@ -6199,12 +6291,6 @@
             <a:r>
               <a:rPr lang="en-US" dirty="0"/>
               <a:t>Availability is defined as the degree to which a system or component is operational and accessible when required for use</a:t>
-            </a:r>
-          </a:p>
-          <a:p>
-            <a:r>
-              <a:rPr lang="en-US" dirty="0"/>
-              <a:t>Typically measured in terms of percentage. E.g. 99.9999% uptime.</a:t>
             </a:r>
           </a:p>
         </p:txBody>
@@ -6244,7 +6330,7 @@
           <p:cNvPr id="2" name="Title 1">
             <a:extLst>
               <a:ext uri="{FF2B5EF4-FFF2-40B4-BE49-F238E27FC236}">
-                <a16:creationId xmlns:a16="http://schemas.microsoft.com/office/drawing/2014/main" id="{8F997222-B742-D07F-9F5A-D8ED28F33F10}"/>
+                <a16:creationId xmlns:a16="http://schemas.microsoft.com/office/drawing/2014/main" id="{908F69F1-0AFE-15A6-8AB4-FE1E004C3BA8}"/>
               </a:ext>
             </a:extLst>
           </p:cNvPr>
@@ -6262,7 +6348,7 @@
           <a:p>
             <a:r>
               <a:rPr lang="en-US" dirty="0"/>
-              <a:t>Erroneous output</a:t>
+              <a:t>Tier 1 systems</a:t>
             </a:r>
           </a:p>
         </p:txBody>
@@ -6272,7 +6358,7 @@
           <p:cNvPr id="3" name="Content Placeholder 2">
             <a:extLst>
               <a:ext uri="{FF2B5EF4-FFF2-40B4-BE49-F238E27FC236}">
-                <a16:creationId xmlns:a16="http://schemas.microsoft.com/office/drawing/2014/main" id="{E6FFA8A1-A55D-E7D5-1289-B370AB2A4F2D}"/>
+                <a16:creationId xmlns:a16="http://schemas.microsoft.com/office/drawing/2014/main" id="{4BDB34D4-9E01-C776-5844-7365867AE864}"/>
               </a:ext>
             </a:extLst>
           </p:cNvPr>
@@ -6290,38 +6376,21 @@
           <a:p>
             <a:r>
               <a:rPr lang="en-US" dirty="0"/>
-              <a:t>Detected by having validity checks on output of a component</a:t>
-            </a:r>
-          </a:p>
-          <a:p>
-            <a:r>
-              <a:rPr lang="en-US" dirty="0"/>
-              <a:t>Validity checks may come from </a:t>
+              <a:t>Treat disaster as availability zone failure.</a:t>
             </a:r>
           </a:p>
           <a:p>
             <a:pPr lvl="1"/>
             <a:r>
               <a:rPr lang="en-US" dirty="0"/>
-              <a:t>Independent generators of the output. Compare the outputs of the independent generators.</a:t>
+              <a:t>Maintain spares in secondary availability zone</a:t>
             </a:r>
           </a:p>
           <a:p>
             <a:pPr lvl="1"/>
             <a:r>
-              <a:rPr lang="en-US" i="1" dirty="0"/>
-              <a:t>A prior</a:t>
-            </a:r>
-            <a:r>
-              <a:rPr lang="en-US" dirty="0"/>
-              <a:t>i specification of reasonable ranges of output</a:t>
-            </a:r>
-          </a:p>
-          <a:p>
-            <a:pPr lvl="1"/>
-            <a:r>
-              <a:rPr lang="en-US" dirty="0"/>
-              <a:t>Consistency checks of different variables.</a:t>
+              <a:rPr lang="en-US" dirty="0"/>
+              <a:t>Hot spares or ware spares depending on system criticality and cost.</a:t>
             </a:r>
           </a:p>
         </p:txBody>
@@ -6329,7 +6398,7 @@
     </p:spTree>
     <p:extLst>
       <p:ext uri="{BB962C8B-B14F-4D97-AF65-F5344CB8AC3E}">
-        <p14:creationId xmlns:p14="http://schemas.microsoft.com/office/powerpoint/2010/main" val="1678099715"/>
+        <p14:creationId xmlns:p14="http://schemas.microsoft.com/office/powerpoint/2010/main" val="2878780395"/>
       </p:ext>
     </p:extLst>
   </p:cSld>
@@ -6361,7 +6430,7 @@
           <p:cNvPr id="2" name="Title 1">
             <a:extLst>
               <a:ext uri="{FF2B5EF4-FFF2-40B4-BE49-F238E27FC236}">
-                <a16:creationId xmlns:a16="http://schemas.microsoft.com/office/drawing/2014/main" id="{59F85357-0FBF-C9D8-4443-BF614840EFF4}"/>
+                <a16:creationId xmlns:a16="http://schemas.microsoft.com/office/drawing/2014/main" id="{3E16F2FE-7AB9-D95F-CAFC-2B6E246A5FBB}"/>
               </a:ext>
             </a:extLst>
           </p:cNvPr>
@@ -6379,7 +6448,7 @@
           <a:p>
             <a:r>
               <a:rPr lang="en-US" dirty="0"/>
-              <a:t>Masking erroneous output</a:t>
+              <a:t>Outline</a:t>
             </a:r>
           </a:p>
         </p:txBody>
@@ -6389,7 +6458,7 @@
           <p:cNvPr id="3" name="Content Placeholder 2">
             <a:extLst>
               <a:ext uri="{FF2B5EF4-FFF2-40B4-BE49-F238E27FC236}">
-                <a16:creationId xmlns:a16="http://schemas.microsoft.com/office/drawing/2014/main" id="{75D197E5-452C-133C-69F3-DD2F09EA8E08}"/>
+                <a16:creationId xmlns:a16="http://schemas.microsoft.com/office/drawing/2014/main" id="{0360376D-D0AD-8627-6131-7F80E819B143}"/>
               </a:ext>
             </a:extLst>
           </p:cNvPr>
@@ -6407,39 +6476,31 @@
           <a:p>
             <a:r>
               <a:rPr lang="en-US" dirty="0"/>
-              <a:t>Disable erroneous</a:t>
-            </a:r>
-            <a:r>
-              <a:rPr lang="en-US" baseline="0" dirty="0"/>
-              <a:t> component. </a:t>
-            </a:r>
-          </a:p>
-          <a:p>
-            <a:pPr lvl="1"/>
-            <a:r>
-              <a:rPr lang="en-US" baseline="0" dirty="0"/>
-              <a:t>Stop sending it traffic</a:t>
-            </a:r>
-          </a:p>
-          <a:p>
-            <a:pPr lvl="1"/>
-            <a:r>
-              <a:rPr lang="en-US" baseline="0" dirty="0"/>
-              <a:t>Maintain fall back computation</a:t>
-            </a:r>
-          </a:p>
-          <a:p>
-            <a:pPr lvl="0"/>
-            <a:r>
-              <a:rPr lang="en-US" baseline="0" dirty="0"/>
-              <a:t>Roll back to prior, correct version of component</a:t>
-            </a:r>
-          </a:p>
-          <a:p>
-            <a:pPr lvl="0"/>
-            <a:r>
-              <a:rPr lang="en-US" baseline="0" dirty="0"/>
-              <a:t>If erroneous component does not send response on detection of error, then requestor will treat it as a failed instance.</a:t>
+              <a:t>Introduction</a:t>
+            </a:r>
+          </a:p>
+          <a:p>
+            <a:r>
+              <a:rPr lang="en-US" dirty="0"/>
+              <a:t>System centric</a:t>
+            </a:r>
+          </a:p>
+          <a:p>
+            <a:r>
+              <a:rPr lang="en-US" dirty="0"/>
+              <a:t>Availability zone centric</a:t>
+            </a:r>
+          </a:p>
+          <a:p>
+            <a:r>
+              <a:rPr lang="en-US" dirty="0"/>
+              <a:t>Disaster recovery</a:t>
+            </a:r>
+          </a:p>
+          <a:p>
+            <a:r>
+              <a:rPr lang="en-US" b="1" dirty="0"/>
+              <a:t>Other considerations</a:t>
             </a:r>
           </a:p>
         </p:txBody>
@@ -6447,7 +6508,7 @@
     </p:spTree>
     <p:extLst>
       <p:ext uri="{BB962C8B-B14F-4D97-AF65-F5344CB8AC3E}">
-        <p14:creationId xmlns:p14="http://schemas.microsoft.com/office/powerpoint/2010/main" val="3719689200"/>
+        <p14:creationId xmlns:p14="http://schemas.microsoft.com/office/powerpoint/2010/main" val="2243462253"/>
       </p:ext>
     </p:extLst>
   </p:cSld>
@@ -6479,6 +6540,1133 @@
           <p:cNvPr id="2" name="Title 1">
             <a:extLst>
               <a:ext uri="{FF2B5EF4-FFF2-40B4-BE49-F238E27FC236}">
+                <a16:creationId xmlns:a16="http://schemas.microsoft.com/office/drawing/2014/main" id="{F88DDC43-1455-3215-9E17-6A65F687FEC6}"/>
+              </a:ext>
+            </a:extLst>
+          </p:cNvPr>
+          <p:cNvSpPr>
+            <a:spLocks noGrp="1"/>
+          </p:cNvSpPr>
+          <p:nvPr>
+            <p:ph type="title"/>
+          </p:nvPr>
+        </p:nvSpPr>
+        <p:spPr/>
+        <p:txBody>
+          <a:bodyPr/>
+          <a:lstStyle/>
+          <a:p>
+            <a:r>
+              <a:rPr lang="en-US" dirty="0"/>
+              <a:t>Scheduling problem</a:t>
+            </a:r>
+          </a:p>
+        </p:txBody>
+      </p:sp>
+      <p:sp>
+        <p:nvSpPr>
+          <p:cNvPr id="3" name="Content Placeholder 2">
+            <a:extLst>
+              <a:ext uri="{FF2B5EF4-FFF2-40B4-BE49-F238E27FC236}">
+                <a16:creationId xmlns:a16="http://schemas.microsoft.com/office/drawing/2014/main" id="{4831CB4C-ED28-2F02-3B4E-A155C51ACD0D}"/>
+              </a:ext>
+            </a:extLst>
+          </p:cNvPr>
+          <p:cNvSpPr>
+            <a:spLocks noGrp="1"/>
+          </p:cNvSpPr>
+          <p:nvPr>
+            <p:ph idx="1"/>
+          </p:nvPr>
+        </p:nvSpPr>
+        <p:spPr/>
+        <p:txBody>
+          <a:bodyPr/>
+          <a:lstStyle/>
+          <a:p>
+            <a:pPr marL="342900" marR="0" lvl="0" indent="-342900" algn="l" defTabSz="914400" rtl="0" eaLnBrk="1" fontAlgn="base" latinLnBrk="0" hangingPunct="1">
+              <a:lnSpc>
+                <a:spcPct val="100000"/>
+              </a:lnSpc>
+              <a:spcBef>
+                <a:spcPct val="20000"/>
+              </a:spcBef>
+              <a:spcAft>
+                <a:spcPct val="0"/>
+              </a:spcAft>
+              <a:buClr>
+                <a:srgbClr val="005481"/>
+              </a:buClr>
+              <a:buSzTx/>
+              <a:buFont typeface="Times" charset="0"/>
+              <a:buChar char="•"/>
+              <a:tabLst/>
+              <a:defRPr/>
+            </a:pPr>
+            <a:r>
+              <a:rPr lang="en-US" sz="2800" baseline="0" dirty="0">
+                <a:solidFill>
+                  <a:schemeClr val="tx1"/>
+                </a:solidFill>
+                <a:effectLst/>
+                <a:latin typeface="+mn-lt"/>
+                <a:ea typeface="+mn-ea"/>
+                <a:cs typeface="+mn-cs"/>
+              </a:rPr>
+              <a:t>In real time systems, threads are</a:t>
+            </a:r>
+            <a:r>
+              <a:rPr lang="en-US" sz="2800" dirty="0">
+                <a:solidFill>
+                  <a:schemeClr val="tx1"/>
+                </a:solidFill>
+                <a:effectLst/>
+                <a:latin typeface="+mn-lt"/>
+                <a:ea typeface="+mn-ea"/>
+                <a:cs typeface="+mn-cs"/>
+              </a:rPr>
+              <a:t> prioritized. </a:t>
+            </a:r>
+            <a:endParaRPr lang="en-US" sz="2800" baseline="0" dirty="0">
+              <a:solidFill>
+                <a:schemeClr val="tx1"/>
+              </a:solidFill>
+              <a:effectLst/>
+              <a:latin typeface="+mn-lt"/>
+              <a:ea typeface="+mn-ea"/>
+              <a:cs typeface="+mn-cs"/>
+            </a:endParaRPr>
+          </a:p>
+          <a:p>
+            <a:pPr marL="342900" marR="0" lvl="0" indent="-342900" algn="l" defTabSz="914400" rtl="0" eaLnBrk="1" fontAlgn="base" latinLnBrk="0" hangingPunct="1">
+              <a:lnSpc>
+                <a:spcPct val="100000"/>
+              </a:lnSpc>
+              <a:spcBef>
+                <a:spcPct val="20000"/>
+              </a:spcBef>
+              <a:spcAft>
+                <a:spcPct val="0"/>
+              </a:spcAft>
+              <a:buClr>
+                <a:srgbClr val="005481"/>
+              </a:buClr>
+              <a:buSzTx/>
+              <a:buFont typeface="Times" charset="0"/>
+              <a:buChar char="•"/>
+              <a:tabLst/>
+              <a:defRPr/>
+            </a:pPr>
+            <a:r>
+              <a:rPr lang="en-US" dirty="0"/>
+              <a:t>P</a:t>
+            </a:r>
+            <a:r>
+              <a:rPr lang="en-US" sz="2800" baseline="0" dirty="0">
+                <a:solidFill>
+                  <a:schemeClr val="tx1"/>
+                </a:solidFill>
+                <a:effectLst/>
+                <a:latin typeface="+mn-lt"/>
+                <a:ea typeface="+mn-ea"/>
+                <a:cs typeface="+mn-cs"/>
+              </a:rPr>
+              <a:t>riority inversion causes lower priorities to be run ahead of higher priorities</a:t>
+            </a:r>
+          </a:p>
+        </p:txBody>
+      </p:sp>
+    </p:spTree>
+    <p:extLst>
+      <p:ext uri="{BB962C8B-B14F-4D97-AF65-F5344CB8AC3E}">
+        <p14:creationId xmlns:p14="http://schemas.microsoft.com/office/powerpoint/2010/main" val="4234332678"/>
+      </p:ext>
+    </p:extLst>
+  </p:cSld>
+  <p:clrMapOvr>
+    <a:masterClrMapping/>
+  </p:clrMapOvr>
+</p:sld>
+</file>
+
+<file path=ppt/slides/slide33.xml><?xml version="1.0" encoding="utf-8"?>
+<p:sld xmlns:a="http://schemas.openxmlformats.org/drawingml/2006/main" xmlns:r="http://schemas.openxmlformats.org/officeDocument/2006/relationships" xmlns:p="http://schemas.openxmlformats.org/presentationml/2006/main">
+  <p:cSld>
+    <p:spTree>
+      <p:nvGrpSpPr>
+        <p:cNvPr id="1" name=""/>
+        <p:cNvGrpSpPr/>
+        <p:nvPr/>
+      </p:nvGrpSpPr>
+      <p:grpSpPr>
+        <a:xfrm>
+          <a:off x="0" y="0"/>
+          <a:ext cx="0" cy="0"/>
+          <a:chOff x="0" y="0"/>
+          <a:chExt cx="0" cy="0"/>
+        </a:xfrm>
+      </p:grpSpPr>
+      <p:sp>
+        <p:nvSpPr>
+          <p:cNvPr id="2" name="Title 1">
+            <a:extLst>
+              <a:ext uri="{FF2B5EF4-FFF2-40B4-BE49-F238E27FC236}">
+                <a16:creationId xmlns:a16="http://schemas.microsoft.com/office/drawing/2014/main" id="{F0AD4739-4DC5-FBFF-3BC4-BA7A367DAB45}"/>
+              </a:ext>
+            </a:extLst>
+          </p:cNvPr>
+          <p:cNvSpPr>
+            <a:spLocks noGrp="1"/>
+          </p:cNvSpPr>
+          <p:nvPr>
+            <p:ph type="title"/>
+          </p:nvPr>
+        </p:nvSpPr>
+        <p:spPr/>
+        <p:txBody>
+          <a:bodyPr/>
+          <a:lstStyle/>
+          <a:p>
+            <a:r>
+              <a:rPr lang="en-US" dirty="0"/>
+              <a:t>Priority inversion</a:t>
+            </a:r>
+          </a:p>
+        </p:txBody>
+      </p:sp>
+      <p:sp>
+        <p:nvSpPr>
+          <p:cNvPr id="3" name="Content Placeholder 2">
+            <a:extLst>
+              <a:ext uri="{FF2B5EF4-FFF2-40B4-BE49-F238E27FC236}">
+                <a16:creationId xmlns:a16="http://schemas.microsoft.com/office/drawing/2014/main" id="{BB1DDE55-94C4-8FB1-577E-B5D25ACE4523}"/>
+              </a:ext>
+            </a:extLst>
+          </p:cNvPr>
+          <p:cNvSpPr>
+            <a:spLocks noGrp="1"/>
+          </p:cNvSpPr>
+          <p:nvPr>
+            <p:ph idx="1"/>
+          </p:nvPr>
+        </p:nvSpPr>
+        <p:spPr/>
+        <p:txBody>
+          <a:bodyPr/>
+          <a:lstStyle/>
+          <a:p>
+            <a:pPr marL="342900" marR="0" lvl="0" indent="-342900" algn="l" defTabSz="914400" rtl="0" eaLnBrk="1" fontAlgn="base" latinLnBrk="0" hangingPunct="1">
+              <a:lnSpc>
+                <a:spcPct val="100000"/>
+              </a:lnSpc>
+              <a:spcBef>
+                <a:spcPct val="20000"/>
+              </a:spcBef>
+              <a:spcAft>
+                <a:spcPct val="0"/>
+              </a:spcAft>
+              <a:buClr>
+                <a:srgbClr val="005481"/>
+              </a:buClr>
+              <a:buSzTx/>
+              <a:buFont typeface="Times" charset="0"/>
+              <a:buChar char="•"/>
+              <a:tabLst/>
+              <a:defRPr/>
+            </a:pPr>
+            <a:r>
+              <a:rPr lang="en-US" sz="2800" baseline="0" dirty="0">
+                <a:solidFill>
+                  <a:schemeClr val="tx1"/>
+                </a:solidFill>
+                <a:effectLst/>
+                <a:latin typeface="+mn-lt"/>
+                <a:ea typeface="+mn-ea"/>
+                <a:cs typeface="+mn-cs"/>
+              </a:rPr>
+              <a:t>Priority inversion is detected by looking at priorities of various threads vs execution of those threads</a:t>
+            </a:r>
+          </a:p>
+          <a:p>
+            <a:pPr marL="342900" marR="0" lvl="0" indent="-342900" algn="l" defTabSz="914400" rtl="0" eaLnBrk="1" fontAlgn="base" latinLnBrk="0" hangingPunct="1">
+              <a:lnSpc>
+                <a:spcPct val="100000"/>
+              </a:lnSpc>
+              <a:spcBef>
+                <a:spcPct val="20000"/>
+              </a:spcBef>
+              <a:spcAft>
+                <a:spcPct val="0"/>
+              </a:spcAft>
+              <a:buClr>
+                <a:srgbClr val="005481"/>
+              </a:buClr>
+              <a:buSzTx/>
+              <a:buFont typeface="Times" charset="0"/>
+              <a:buChar char="•"/>
+              <a:tabLst/>
+              <a:defRPr/>
+            </a:pPr>
+            <a:r>
+              <a:rPr lang="en-US" dirty="0"/>
+              <a:t>Priority inversion is prevented by using appropriate scheduling mechanism.</a:t>
+            </a:r>
+          </a:p>
+          <a:p>
+            <a:pPr marL="342900" marR="0" lvl="0" indent="-342900" algn="l" defTabSz="914400" rtl="0" eaLnBrk="1" fontAlgn="base" latinLnBrk="0" hangingPunct="1">
+              <a:lnSpc>
+                <a:spcPct val="100000"/>
+              </a:lnSpc>
+              <a:spcBef>
+                <a:spcPct val="20000"/>
+              </a:spcBef>
+              <a:spcAft>
+                <a:spcPct val="0"/>
+              </a:spcAft>
+              <a:buClr>
+                <a:srgbClr val="005481"/>
+              </a:buClr>
+              <a:buSzTx/>
+              <a:buFont typeface="Times" charset="0"/>
+              <a:buChar char="•"/>
+              <a:tabLst/>
+              <a:defRPr/>
+            </a:pPr>
+            <a:endParaRPr lang="en-US" dirty="0"/>
+          </a:p>
+        </p:txBody>
+      </p:sp>
+    </p:spTree>
+    <p:extLst>
+      <p:ext uri="{BB962C8B-B14F-4D97-AF65-F5344CB8AC3E}">
+        <p14:creationId xmlns:p14="http://schemas.microsoft.com/office/powerpoint/2010/main" val="234085175"/>
+      </p:ext>
+    </p:extLst>
+  </p:cSld>
+  <p:clrMapOvr>
+    <a:masterClrMapping/>
+  </p:clrMapOvr>
+</p:sld>
+</file>
+
+<file path=ppt/slides/slide34.xml><?xml version="1.0" encoding="utf-8"?>
+<p:sld xmlns:a="http://schemas.openxmlformats.org/drawingml/2006/main" xmlns:r="http://schemas.openxmlformats.org/officeDocument/2006/relationships" xmlns:p="http://schemas.openxmlformats.org/presentationml/2006/main">
+  <p:cSld>
+    <p:spTree>
+      <p:nvGrpSpPr>
+        <p:cNvPr id="1" name=""/>
+        <p:cNvGrpSpPr/>
+        <p:nvPr/>
+      </p:nvGrpSpPr>
+      <p:grpSpPr>
+        <a:xfrm>
+          <a:off x="0" y="0"/>
+          <a:ext cx="0" cy="0"/>
+          <a:chOff x="0" y="0"/>
+          <a:chExt cx="0" cy="0"/>
+        </a:xfrm>
+      </p:grpSpPr>
+      <p:sp>
+        <p:nvSpPr>
+          <p:cNvPr id="16386" name="Title 1"/>
+          <p:cNvSpPr>
+            <a:spLocks noGrp="1"/>
+          </p:cNvSpPr>
+          <p:nvPr>
+            <p:ph type="title"/>
+          </p:nvPr>
+        </p:nvSpPr>
+        <p:spPr>
+          <a:xfrm>
+            <a:off x="468313" y="333375"/>
+            <a:ext cx="8066087" cy="1143000"/>
+          </a:xfrm>
+        </p:spPr>
+        <p:txBody>
+          <a:bodyPr/>
+          <a:lstStyle/>
+          <a:p>
+            <a:r>
+              <a:rPr lang="en-AU" altLang="en-US" dirty="0">
+                <a:ln>
+                  <a:noFill/>
+                </a:ln>
+              </a:rPr>
+              <a:t>Short digression into probability</a:t>
+            </a:r>
+          </a:p>
+        </p:txBody>
+      </p:sp>
+      <p:sp>
+        <p:nvSpPr>
+          <p:cNvPr id="3" name="Content Placeholder 2"/>
+          <p:cNvSpPr>
+            <a:spLocks noGrp="1"/>
+          </p:cNvSpPr>
+          <p:nvPr>
+            <p:ph idx="1"/>
+          </p:nvPr>
+        </p:nvSpPr>
+        <p:spPr>
+          <a:xfrm>
+            <a:off x="982663" y="1925637"/>
+            <a:ext cx="7704137" cy="4246563"/>
+          </a:xfrm>
+        </p:spPr>
+        <p:txBody>
+          <a:bodyPr>
+            <a:normAutofit fontScale="77500" lnSpcReduction="20000"/>
+          </a:bodyPr>
+          <a:lstStyle/>
+          <a:p>
+            <a:pPr>
+              <a:defRPr/>
+            </a:pPr>
+            <a:r>
+              <a:rPr lang="en-AU" dirty="0"/>
+              <a:t>A distribution describes the probability than any given reading will have a particular  value.</a:t>
+            </a:r>
+          </a:p>
+          <a:p>
+            <a:pPr>
+              <a:defRPr/>
+            </a:pPr>
+            <a:r>
+              <a:rPr lang="en-AU" dirty="0"/>
+              <a:t>Many phenomenon in nature are “normally distributed”.  </a:t>
+            </a:r>
+          </a:p>
+          <a:p>
+            <a:pPr>
+              <a:defRPr/>
+            </a:pPr>
+            <a:r>
+              <a:rPr lang="en-AU" dirty="0"/>
+              <a:t>Most values will cluster</a:t>
+            </a:r>
+          </a:p>
+          <a:p>
+            <a:pPr marL="0" indent="0">
+              <a:buFont typeface="Arial" panose="020B0604020202020204" pitchFamily="34" charset="0"/>
+              <a:buNone/>
+              <a:defRPr/>
+            </a:pPr>
+            <a:r>
+              <a:rPr lang="en-AU" dirty="0"/>
+              <a:t>    around the mean with </a:t>
+            </a:r>
+          </a:p>
+          <a:p>
+            <a:pPr marL="0" indent="0">
+              <a:buFont typeface="Arial" panose="020B0604020202020204" pitchFamily="34" charset="0"/>
+              <a:buNone/>
+              <a:defRPr/>
+            </a:pPr>
+            <a:r>
+              <a:rPr lang="en-AU" dirty="0"/>
+              <a:t>    progressively smaller </a:t>
+            </a:r>
+          </a:p>
+          <a:p>
+            <a:pPr marL="0" indent="0">
+              <a:buFont typeface="Arial" panose="020B0604020202020204" pitchFamily="34" charset="0"/>
+              <a:buNone/>
+              <a:defRPr/>
+            </a:pPr>
+            <a:r>
+              <a:rPr lang="en-AU" dirty="0"/>
+              <a:t>    numbers of values going</a:t>
+            </a:r>
+          </a:p>
+          <a:p>
+            <a:pPr marL="0" indent="0">
+              <a:buFont typeface="Arial" panose="020B0604020202020204" pitchFamily="34" charset="0"/>
+              <a:buNone/>
+              <a:defRPr/>
+            </a:pPr>
+            <a:r>
+              <a:rPr lang="en-AU" dirty="0"/>
+              <a:t>    toward the edges.</a:t>
+            </a:r>
+          </a:p>
+          <a:p>
+            <a:pPr>
+              <a:defRPr/>
+            </a:pPr>
+            <a:r>
+              <a:rPr lang="en-AU" dirty="0"/>
+              <a:t>In a normal distribution </a:t>
+            </a:r>
+          </a:p>
+          <a:p>
+            <a:pPr marL="0" indent="0">
+              <a:buFont typeface="Arial" panose="020B0604020202020204" pitchFamily="34" charset="0"/>
+              <a:buNone/>
+              <a:defRPr/>
+            </a:pPr>
+            <a:r>
+              <a:rPr lang="en-AU" dirty="0"/>
+              <a:t>    the mean is equal to the </a:t>
+            </a:r>
+          </a:p>
+          <a:p>
+            <a:pPr marL="0" indent="0">
+              <a:buFont typeface="Arial" panose="020B0604020202020204" pitchFamily="34" charset="0"/>
+              <a:buNone/>
+              <a:defRPr/>
+            </a:pPr>
+            <a:r>
+              <a:rPr lang="en-AU" dirty="0"/>
+              <a:t>    median</a:t>
+            </a:r>
+          </a:p>
+          <a:p>
+            <a:pPr>
+              <a:defRPr/>
+            </a:pPr>
+            <a:endParaRPr lang="en-AU" dirty="0"/>
+          </a:p>
+        </p:txBody>
+      </p:sp>
+      <p:pic>
+        <p:nvPicPr>
+          <p:cNvPr id="16388" name="Picture 2"/>
+          <p:cNvPicPr>
+            <a:picLocks noChangeAspect="1" noChangeArrowheads="1"/>
+          </p:cNvPicPr>
+          <p:nvPr/>
+        </p:nvPicPr>
+        <p:blipFill>
+          <a:blip r:embed="rId2">
+            <a:extLst>
+              <a:ext uri="{28A0092B-C50C-407E-A947-70E740481C1C}">
+                <a14:useLocalDpi xmlns:a14="http://schemas.microsoft.com/office/drawing/2010/main" val="0"/>
+              </a:ext>
+            </a:extLst>
+          </a:blip>
+          <a:srcRect/>
+          <a:stretch>
+            <a:fillRect/>
+          </a:stretch>
+        </p:blipFill>
+        <p:spPr bwMode="auto">
+          <a:xfrm>
+            <a:off x="4908550" y="3284538"/>
+            <a:ext cx="4244975" cy="3071812"/>
+          </a:xfrm>
+          <a:prstGeom prst="rect">
+            <a:avLst/>
+          </a:prstGeom>
+          <a:noFill/>
+          <a:ln>
+            <a:noFill/>
+          </a:ln>
+          <a:extLst>
+            <a:ext uri="{909E8E84-426E-40DD-AFC4-6F175D3DCCD1}">
+              <a14:hiddenFill xmlns:a14="http://schemas.microsoft.com/office/drawing/2010/main">
+                <a:solidFill>
+                  <a:schemeClr val="accent1"/>
+                </a:solidFill>
+              </a14:hiddenFill>
+            </a:ext>
+            <a:ext uri="{91240B29-F687-4F45-9708-019B960494DF}">
+              <a14:hiddenLine xmlns:a14="http://schemas.microsoft.com/office/drawing/2010/main" w="9525">
+                <a:solidFill>
+                  <a:schemeClr val="tx1"/>
+                </a:solidFill>
+                <a:miter lim="800000"/>
+                <a:headEnd/>
+                <a:tailEnd/>
+              </a14:hiddenLine>
+            </a:ext>
+          </a:extLst>
+        </p:spPr>
+      </p:pic>
+    </p:spTree>
+    <p:extLst>
+      <p:ext uri="{BB962C8B-B14F-4D97-AF65-F5344CB8AC3E}">
+        <p14:creationId xmlns:p14="http://schemas.microsoft.com/office/powerpoint/2010/main" val="3359645374"/>
+      </p:ext>
+    </p:extLst>
+  </p:cSld>
+  <p:clrMapOvr>
+    <a:masterClrMapping/>
+  </p:clrMapOvr>
+</p:sld>
+</file>
+
+<file path=ppt/slides/slide35.xml><?xml version="1.0" encoding="utf-8"?>
+<p:sld xmlns:a="http://schemas.openxmlformats.org/drawingml/2006/main" xmlns:r="http://schemas.openxmlformats.org/officeDocument/2006/relationships" xmlns:p="http://schemas.openxmlformats.org/presentationml/2006/main">
+  <p:cSld>
+    <p:spTree>
+      <p:nvGrpSpPr>
+        <p:cNvPr id="1" name=""/>
+        <p:cNvGrpSpPr/>
+        <p:nvPr/>
+      </p:nvGrpSpPr>
+      <p:grpSpPr>
+        <a:xfrm>
+          <a:off x="0" y="0"/>
+          <a:ext cx="0" cy="0"/>
+          <a:chOff x="0" y="0"/>
+          <a:chExt cx="0" cy="0"/>
+        </a:xfrm>
+      </p:grpSpPr>
+      <p:sp>
+        <p:nvSpPr>
+          <p:cNvPr id="6" name="Content Placeholder 5"/>
+          <p:cNvSpPr>
+            <a:spLocks noGrp="1"/>
+          </p:cNvSpPr>
+          <p:nvPr>
+            <p:ph idx="1"/>
+          </p:nvPr>
+        </p:nvSpPr>
+        <p:spPr>
+          <a:xfrm>
+            <a:off x="982663" y="1752600"/>
+            <a:ext cx="7704137" cy="4246563"/>
+          </a:xfrm>
+        </p:spPr>
+        <p:txBody>
+          <a:bodyPr>
+            <a:normAutofit lnSpcReduction="10000"/>
+          </a:bodyPr>
+          <a:lstStyle/>
+          <a:p>
+            <a:pPr>
+              <a:defRPr/>
+            </a:pPr>
+            <a:r>
+              <a:rPr lang="en-AU" dirty="0"/>
+              <a:t>In a long tail distribution, there are some values far from the median. </a:t>
+            </a:r>
+          </a:p>
+          <a:p>
+            <a:pPr>
+              <a:defRPr/>
+            </a:pPr>
+            <a:r>
+              <a:rPr lang="en-AU" dirty="0"/>
+              <a:t>These values are sufficient to influence the mean.</a:t>
+            </a:r>
+          </a:p>
+          <a:p>
+            <a:pPr>
+              <a:defRPr/>
+            </a:pPr>
+            <a:r>
+              <a:rPr lang="en-AU" dirty="0"/>
+              <a:t>The mean and the </a:t>
+            </a:r>
+          </a:p>
+          <a:p>
+            <a:pPr marL="0" indent="0">
+              <a:buFont typeface="Arial" panose="020B0604020202020204" pitchFamily="34" charset="0"/>
+              <a:buNone/>
+              <a:defRPr/>
+            </a:pPr>
+            <a:r>
+              <a:rPr lang="en-AU" dirty="0"/>
+              <a:t>    median are </a:t>
+            </a:r>
+          </a:p>
+          <a:p>
+            <a:pPr marL="0" indent="0">
+              <a:buFont typeface="Arial" panose="020B0604020202020204" pitchFamily="34" charset="0"/>
+              <a:buNone/>
+              <a:defRPr/>
+            </a:pPr>
+            <a:r>
+              <a:rPr lang="en-AU" dirty="0"/>
+              <a:t>    dramatically </a:t>
+            </a:r>
+          </a:p>
+          <a:p>
+            <a:pPr marL="0" indent="0">
+              <a:buFont typeface="Arial" panose="020B0604020202020204" pitchFamily="34" charset="0"/>
+              <a:buNone/>
+              <a:defRPr/>
+            </a:pPr>
+            <a:r>
+              <a:rPr lang="en-AU" dirty="0"/>
+              <a:t>    different in a long </a:t>
+            </a:r>
+          </a:p>
+          <a:p>
+            <a:pPr marL="0" indent="0">
+              <a:buFont typeface="Arial" panose="020B0604020202020204" pitchFamily="34" charset="0"/>
+              <a:buNone/>
+              <a:defRPr/>
+            </a:pPr>
+            <a:r>
+              <a:rPr lang="en-AU" dirty="0"/>
+              <a:t>    tail distribution.</a:t>
+            </a:r>
+          </a:p>
+        </p:txBody>
+      </p:sp>
+      <p:sp>
+        <p:nvSpPr>
+          <p:cNvPr id="17410" name="Title 1"/>
+          <p:cNvSpPr>
+            <a:spLocks noGrp="1"/>
+          </p:cNvSpPr>
+          <p:nvPr>
+            <p:ph type="title"/>
+          </p:nvPr>
+        </p:nvSpPr>
+        <p:spPr>
+          <a:xfrm>
+            <a:off x="1009650" y="533400"/>
+            <a:ext cx="7704138" cy="1066800"/>
+          </a:xfrm>
+        </p:spPr>
+        <p:txBody>
+          <a:bodyPr/>
+          <a:lstStyle/>
+          <a:p>
+            <a:r>
+              <a:rPr lang="en-AU" altLang="en-US" dirty="0">
+                <a:ln>
+                  <a:noFill/>
+                </a:ln>
+              </a:rPr>
+              <a:t>Long Tail</a:t>
+            </a:r>
+          </a:p>
+        </p:txBody>
+      </p:sp>
+      <p:pic>
+        <p:nvPicPr>
+          <p:cNvPr id="17411" name="Picture 5"/>
+          <p:cNvPicPr>
+            <a:picLocks noChangeAspect="1" noChangeArrowheads="1"/>
+          </p:cNvPicPr>
+          <p:nvPr/>
+        </p:nvPicPr>
+        <p:blipFill>
+          <a:blip r:embed="rId2">
+            <a:extLst>
+              <a:ext uri="{28A0092B-C50C-407E-A947-70E740481C1C}">
+                <a14:useLocalDpi xmlns:a14="http://schemas.microsoft.com/office/drawing/2010/main" val="0"/>
+              </a:ext>
+            </a:extLst>
+          </a:blip>
+          <a:srcRect/>
+          <a:stretch>
+            <a:fillRect/>
+          </a:stretch>
+        </p:blipFill>
+        <p:spPr bwMode="auto">
+          <a:xfrm>
+            <a:off x="4686300" y="3429000"/>
+            <a:ext cx="4610100" cy="2520950"/>
+          </a:xfrm>
+          <a:prstGeom prst="rect">
+            <a:avLst/>
+          </a:prstGeom>
+          <a:noFill/>
+          <a:ln>
+            <a:noFill/>
+          </a:ln>
+          <a:extLst>
+            <a:ext uri="{909E8E84-426E-40DD-AFC4-6F175D3DCCD1}">
+              <a14:hiddenFill xmlns:a14="http://schemas.microsoft.com/office/drawing/2010/main">
+                <a:solidFill>
+                  <a:schemeClr val="accent1"/>
+                </a:solidFill>
+              </a14:hiddenFill>
+            </a:ext>
+            <a:ext uri="{91240B29-F687-4F45-9708-019B960494DF}">
+              <a14:hiddenLine xmlns:a14="http://schemas.microsoft.com/office/drawing/2010/main" w="9525">
+                <a:solidFill>
+                  <a:schemeClr val="tx1"/>
+                </a:solidFill>
+                <a:miter lim="800000"/>
+                <a:headEnd/>
+                <a:tailEnd/>
+              </a14:hiddenLine>
+            </a:ext>
+          </a:extLst>
+        </p:spPr>
+      </p:pic>
+    </p:spTree>
+    <p:extLst>
+      <p:ext uri="{BB962C8B-B14F-4D97-AF65-F5344CB8AC3E}">
+        <p14:creationId xmlns:p14="http://schemas.microsoft.com/office/powerpoint/2010/main" val="3003385748"/>
+      </p:ext>
+    </p:extLst>
+  </p:cSld>
+  <p:clrMapOvr>
+    <a:masterClrMapping/>
+  </p:clrMapOvr>
+</p:sld>
+</file>
+
+<file path=ppt/slides/slide36.xml><?xml version="1.0" encoding="utf-8"?>
+<p:sld xmlns:a="http://schemas.openxmlformats.org/drawingml/2006/main" xmlns:r="http://schemas.openxmlformats.org/officeDocument/2006/relationships" xmlns:p="http://schemas.openxmlformats.org/presentationml/2006/main">
+  <p:cSld>
+    <p:spTree>
+      <p:nvGrpSpPr>
+        <p:cNvPr id="1" name=""/>
+        <p:cNvGrpSpPr/>
+        <p:nvPr/>
+      </p:nvGrpSpPr>
+      <p:grpSpPr>
+        <a:xfrm>
+          <a:off x="0" y="0"/>
+          <a:ext cx="0" cy="0"/>
+          <a:chOff x="0" y="0"/>
+          <a:chExt cx="0" cy="0"/>
+        </a:xfrm>
+      </p:grpSpPr>
+      <p:sp>
+        <p:nvSpPr>
+          <p:cNvPr id="3" name="Content Placeholder 2"/>
+          <p:cNvSpPr>
+            <a:spLocks noGrp="1"/>
+          </p:cNvSpPr>
+          <p:nvPr>
+            <p:ph idx="1"/>
+          </p:nvPr>
+        </p:nvSpPr>
+        <p:spPr>
+          <a:xfrm>
+            <a:off x="982663" y="1752600"/>
+            <a:ext cx="7704137" cy="4246563"/>
+          </a:xfrm>
+        </p:spPr>
+        <p:txBody>
+          <a:bodyPr>
+            <a:normAutofit fontScale="92500" lnSpcReduction="10000"/>
+          </a:bodyPr>
+          <a:lstStyle/>
+          <a:p>
+            <a:pPr>
+              <a:defRPr/>
+            </a:pPr>
+            <a:r>
+              <a:rPr lang="en-AU" dirty="0"/>
+              <a:t>If there is a partial failure of the cloud some activities will take a long time to complete and exhibit a long tail.</a:t>
+            </a:r>
+          </a:p>
+          <a:p>
+            <a:pPr>
+              <a:defRPr/>
+            </a:pPr>
+            <a:r>
+              <a:rPr lang="en-AU" dirty="0"/>
+              <a:t>The figure shows</a:t>
+            </a:r>
+          </a:p>
+          <a:p>
+            <a:pPr marL="0" indent="0">
+              <a:buFont typeface="Arial" panose="020B0604020202020204" pitchFamily="34" charset="0"/>
+              <a:buNone/>
+              <a:defRPr/>
+            </a:pPr>
+            <a:r>
+              <a:rPr lang="en-AU" dirty="0"/>
+              <a:t>    distribution of</a:t>
+            </a:r>
+          </a:p>
+          <a:p>
+            <a:pPr marL="0" indent="0">
+              <a:buFont typeface="Arial" panose="020B0604020202020204" pitchFamily="34" charset="0"/>
+              <a:buNone/>
+              <a:defRPr/>
+            </a:pPr>
+            <a:r>
+              <a:rPr lang="en-AU" dirty="0"/>
+              <a:t>    1000 AWS </a:t>
+            </a:r>
+          </a:p>
+          <a:p>
+            <a:pPr marL="0" indent="0">
+              <a:buFont typeface="Arial" panose="020B0604020202020204" pitchFamily="34" charset="0"/>
+              <a:buNone/>
+              <a:defRPr/>
+            </a:pPr>
+            <a:r>
+              <a:rPr lang="en-AU" dirty="0"/>
+              <a:t>     “launch instance” </a:t>
+            </a:r>
+          </a:p>
+          <a:p>
+            <a:pPr marL="0" indent="0">
+              <a:buFont typeface="Arial" panose="020B0604020202020204" pitchFamily="34" charset="0"/>
+              <a:buNone/>
+              <a:defRPr/>
+            </a:pPr>
+            <a:r>
+              <a:rPr lang="en-AU" dirty="0"/>
+              <a:t>     calls.</a:t>
+            </a:r>
+          </a:p>
+          <a:p>
+            <a:pPr>
+              <a:defRPr/>
+            </a:pPr>
+            <a:r>
+              <a:rPr lang="en-AU" dirty="0"/>
+              <a:t>4.5% of calls were </a:t>
+            </a:r>
+          </a:p>
+          <a:p>
+            <a:pPr marL="0" indent="0">
+              <a:buFont typeface="Arial" panose="020B0604020202020204" pitchFamily="34" charset="0"/>
+              <a:buNone/>
+              <a:defRPr/>
+            </a:pPr>
+            <a:r>
+              <a:rPr lang="en-AU" dirty="0"/>
+              <a:t>    “long tail”</a:t>
+            </a:r>
+          </a:p>
+          <a:p>
+            <a:pPr marL="0" indent="0">
+              <a:buFont typeface="Arial" panose="020B0604020202020204" pitchFamily="34" charset="0"/>
+              <a:buNone/>
+              <a:defRPr/>
+            </a:pPr>
+            <a:endParaRPr lang="en-AU" dirty="0"/>
+          </a:p>
+        </p:txBody>
+      </p:sp>
+      <p:pic>
+        <p:nvPicPr>
+          <p:cNvPr id="18434" name="Picture 2"/>
+          <p:cNvPicPr>
+            <a:picLocks noChangeAspect="1" noChangeArrowheads="1"/>
+          </p:cNvPicPr>
+          <p:nvPr/>
+        </p:nvPicPr>
+        <p:blipFill>
+          <a:blip r:embed="rId2">
+            <a:extLst>
+              <a:ext uri="{28A0092B-C50C-407E-A947-70E740481C1C}">
+                <a14:useLocalDpi xmlns:a14="http://schemas.microsoft.com/office/drawing/2010/main" val="0"/>
+              </a:ext>
+            </a:extLst>
+          </a:blip>
+          <a:srcRect/>
+          <a:stretch>
+            <a:fillRect/>
+          </a:stretch>
+        </p:blipFill>
+        <p:spPr bwMode="auto">
+          <a:xfrm>
+            <a:off x="4400106" y="2580596"/>
+            <a:ext cx="4462462" cy="3286803"/>
+          </a:xfrm>
+          <a:prstGeom prst="rect">
+            <a:avLst/>
+          </a:prstGeom>
+          <a:noFill/>
+          <a:ln>
+            <a:noFill/>
+          </a:ln>
+          <a:effectLst/>
+          <a:extLst>
+            <a:ext uri="{909E8E84-426E-40DD-AFC4-6F175D3DCCD1}">
+              <a14:hiddenFill xmlns:a14="http://schemas.microsoft.com/office/drawing/2010/main">
+                <a:solidFill>
+                  <a:schemeClr val="accent1"/>
+                </a:solidFill>
+              </a14:hiddenFill>
+            </a:ext>
+            <a:ext uri="{91240B29-F687-4F45-9708-019B960494DF}">
+              <a14:hiddenLine xmlns:a14="http://schemas.microsoft.com/office/drawing/2010/main" w="9525">
+                <a:solidFill>
+                  <a:schemeClr val="tx1"/>
+                </a:solidFill>
+                <a:miter lim="800000"/>
+                <a:headEnd/>
+                <a:tailEnd/>
+              </a14:hiddenLine>
+            </a:ext>
+            <a:ext uri="{AF507438-7753-43E0-B8FC-AC1667EBCBE1}">
+              <a14:hiddenEffects xmlns:a14="http://schemas.microsoft.com/office/drawing/2010/main">
+                <a:effectLst>
+                  <a:outerShdw dist="35921" dir="2700000" algn="ctr" rotWithShape="0">
+                    <a:schemeClr val="bg2"/>
+                  </a:outerShdw>
+                </a:effectLst>
+              </a14:hiddenEffects>
+            </a:ext>
+          </a:extLst>
+        </p:spPr>
+      </p:pic>
+      <p:sp>
+        <p:nvSpPr>
+          <p:cNvPr id="18435" name="Title 1"/>
+          <p:cNvSpPr>
+            <a:spLocks noGrp="1"/>
+          </p:cNvSpPr>
+          <p:nvPr>
+            <p:ph type="title"/>
+          </p:nvPr>
+        </p:nvSpPr>
+        <p:spPr>
+          <a:xfrm>
+            <a:off x="1009650" y="533400"/>
+            <a:ext cx="7704138" cy="1066800"/>
+          </a:xfrm>
+        </p:spPr>
+        <p:txBody>
+          <a:bodyPr/>
+          <a:lstStyle/>
+          <a:p>
+            <a:r>
+              <a:rPr lang="en-AU" altLang="en-US" dirty="0">
+                <a:ln>
+                  <a:noFill/>
+                </a:ln>
+              </a:rPr>
+              <a:t>What does this mean?</a:t>
+            </a:r>
+          </a:p>
+        </p:txBody>
+      </p:sp>
+    </p:spTree>
+    <p:extLst>
+      <p:ext uri="{BB962C8B-B14F-4D97-AF65-F5344CB8AC3E}">
+        <p14:creationId xmlns:p14="http://schemas.microsoft.com/office/powerpoint/2010/main" val="1152393025"/>
+      </p:ext>
+    </p:extLst>
+  </p:cSld>
+  <p:clrMapOvr>
+    <a:masterClrMapping/>
+  </p:clrMapOvr>
+</p:sld>
+</file>
+
+<file path=ppt/slides/slide37.xml><?xml version="1.0" encoding="utf-8"?>
+<p:sld xmlns:a="http://schemas.openxmlformats.org/drawingml/2006/main" xmlns:r="http://schemas.openxmlformats.org/officeDocument/2006/relationships" xmlns:p="http://schemas.openxmlformats.org/presentationml/2006/main">
+  <p:cSld>
+    <p:spTree>
+      <p:nvGrpSpPr>
+        <p:cNvPr id="1" name=""/>
+        <p:cNvGrpSpPr/>
+        <p:nvPr/>
+      </p:nvGrpSpPr>
+      <p:grpSpPr>
+        <a:xfrm>
+          <a:off x="0" y="0"/>
+          <a:ext cx="0" cy="0"/>
+          <a:chOff x="0" y="0"/>
+          <a:chExt cx="0" cy="0"/>
+        </a:xfrm>
+      </p:grpSpPr>
+      <p:sp>
+        <p:nvSpPr>
+          <p:cNvPr id="23554" name="Title 1"/>
+          <p:cNvSpPr>
+            <a:spLocks noGrp="1"/>
+          </p:cNvSpPr>
+          <p:nvPr>
+            <p:ph type="title"/>
+          </p:nvPr>
+        </p:nvSpPr>
+        <p:spPr>
+          <a:xfrm>
+            <a:off x="1009650" y="533400"/>
+            <a:ext cx="7704138" cy="1066800"/>
+          </a:xfrm>
+        </p:spPr>
+        <p:txBody>
+          <a:bodyPr/>
+          <a:lstStyle/>
+          <a:p>
+            <a:r>
+              <a:rPr lang="en-US" altLang="en-US" dirty="0">
+                <a:ln>
+                  <a:noFill/>
+                </a:ln>
+              </a:rPr>
+              <a:t>Masking long tail</a:t>
+            </a:r>
+          </a:p>
+        </p:txBody>
+      </p:sp>
+      <p:sp>
+        <p:nvSpPr>
+          <p:cNvPr id="23555" name="Content Placeholder 2"/>
+          <p:cNvSpPr>
+            <a:spLocks noGrp="1"/>
+          </p:cNvSpPr>
+          <p:nvPr>
+            <p:ph idx="1"/>
+          </p:nvPr>
+        </p:nvSpPr>
+        <p:spPr>
+          <a:xfrm>
+            <a:off x="982663" y="1752600"/>
+            <a:ext cx="7704137" cy="4246563"/>
+          </a:xfrm>
+        </p:spPr>
+        <p:txBody>
+          <a:bodyPr/>
+          <a:lstStyle/>
+          <a:p>
+            <a:r>
+              <a:rPr lang="en-AU" altLang="en-US" sz="2400" dirty="0"/>
+              <a:t>“Hedged” request. Suppose you wish to launch 10 instances. Issue 11 requests. Terminate the request that has not completed when 10 are completed.</a:t>
+            </a:r>
+          </a:p>
+          <a:p>
+            <a:r>
+              <a:rPr lang="en-AU" altLang="en-US" sz="2400" dirty="0"/>
+              <a:t>“Alternative” request. In the above scenario, issue 10 requests. When 8 requests have completed issue 2 more. Cancel the last 2 to respond. </a:t>
+            </a:r>
+          </a:p>
+          <a:p>
+            <a:r>
+              <a:rPr lang="en-AU" altLang="en-US" sz="2400" dirty="0"/>
+              <a:t>Using these techniques reduces the time of the longest of the 1000 launch instance requests from 202 sec to 51 sec. </a:t>
+            </a:r>
+          </a:p>
+          <a:p>
+            <a:endParaRPr lang="en-AU" altLang="en-US" sz="2800" dirty="0"/>
+          </a:p>
+        </p:txBody>
+      </p:sp>
+    </p:spTree>
+    <p:extLst>
+      <p:ext uri="{BB962C8B-B14F-4D97-AF65-F5344CB8AC3E}">
+        <p14:creationId xmlns:p14="http://schemas.microsoft.com/office/powerpoint/2010/main" val="260337379"/>
+      </p:ext>
+    </p:extLst>
+  </p:cSld>
+  <p:clrMapOvr>
+    <a:masterClrMapping/>
+  </p:clrMapOvr>
+</p:sld>
+</file>
+
+<file path=ppt/slides/slide38.xml><?xml version="1.0" encoding="utf-8"?>
+<p:sld xmlns:a="http://schemas.openxmlformats.org/drawingml/2006/main" xmlns:r="http://schemas.openxmlformats.org/officeDocument/2006/relationships" xmlns:p="http://schemas.openxmlformats.org/presentationml/2006/main">
+  <p:cSld>
+    <p:spTree>
+      <p:nvGrpSpPr>
+        <p:cNvPr id="1" name=""/>
+        <p:cNvGrpSpPr/>
+        <p:nvPr/>
+      </p:nvGrpSpPr>
+      <p:grpSpPr>
+        <a:xfrm>
+          <a:off x="0" y="0"/>
+          <a:ext cx="0" cy="0"/>
+          <a:chOff x="0" y="0"/>
+          <a:chExt cx="0" cy="0"/>
+        </a:xfrm>
+      </p:grpSpPr>
+      <p:sp>
+        <p:nvSpPr>
+          <p:cNvPr id="2" name="Title 1">
+            <a:extLst>
+              <a:ext uri="{FF2B5EF4-FFF2-40B4-BE49-F238E27FC236}">
                 <a16:creationId xmlns:a16="http://schemas.microsoft.com/office/drawing/2014/main" id="{159384EF-16DD-3764-54E3-6DB53E58A028}"/>
               </a:ext>
             </a:extLst>
@@ -6548,6 +7736,16 @@
             <a:r>
               <a:rPr lang="en-US" baseline="0" dirty="0"/>
               <a:t>Execute masking strategy. </a:t>
+            </a:r>
+          </a:p>
+          <a:p>
+            <a:r>
+              <a:rPr lang="en-US" dirty="0"/>
+              <a:t>Have disaster recovery plan </a:t>
+            </a:r>
+            <a:r>
+              <a:rPr lang="en-US"/>
+              <a:t>in place</a:t>
             </a:r>
             <a:endParaRPr lang="en-US" dirty="0"/>
           </a:p>
@@ -6588,7 +7786,7 @@
           <p:cNvPr id="2" name="Title 1">
             <a:extLst>
               <a:ext uri="{FF2B5EF4-FFF2-40B4-BE49-F238E27FC236}">
-                <a16:creationId xmlns:a16="http://schemas.microsoft.com/office/drawing/2014/main" id="{176D674B-149E-34E3-D9B0-96ED8212584F}"/>
+                <a16:creationId xmlns:a16="http://schemas.microsoft.com/office/drawing/2014/main" id="{3AB214FA-E446-6609-41D0-0569D27CEA06}"/>
               </a:ext>
             </a:extLst>
           </p:cNvPr>
@@ -6599,19 +7797,14 @@
             <p:ph type="title"/>
           </p:nvPr>
         </p:nvSpPr>
-        <p:spPr>
-          <a:xfrm>
-            <a:off x="685800" y="457200"/>
-            <a:ext cx="7772400" cy="1143000"/>
-          </a:xfrm>
-        </p:spPr>
+        <p:spPr/>
         <p:txBody>
           <a:bodyPr/>
           <a:lstStyle/>
           <a:p>
             <a:r>
               <a:rPr lang="en-US" dirty="0"/>
-              <a:t>Strategy to achieve high availability</a:t>
+              <a:t>Measuring availability</a:t>
             </a:r>
           </a:p>
         </p:txBody>
@@ -6621,7 +7814,7 @@
           <p:cNvPr id="3" name="Content Placeholder 2">
             <a:extLst>
               <a:ext uri="{FF2B5EF4-FFF2-40B4-BE49-F238E27FC236}">
-                <a16:creationId xmlns:a16="http://schemas.microsoft.com/office/drawing/2014/main" id="{8D65966F-7618-0ECB-56C9-26E25CA73006}"/>
+                <a16:creationId xmlns:a16="http://schemas.microsoft.com/office/drawing/2014/main" id="{45AD79A8-8467-CBB3-EF10-07AC63A6351A}"/>
               </a:ext>
             </a:extLst>
           </p:cNvPr>
@@ -6639,38 +7832,56 @@
           <a:p>
             <a:r>
               <a:rPr lang="en-US" dirty="0"/>
-              <a:t>Anticipate causes of unavailability</a:t>
-            </a:r>
-          </a:p>
-          <a:p>
-            <a:r>
-              <a:rPr lang="en-US" dirty="0"/>
-              <a:t>Prepare</a:t>
+              <a:t>Typically measured in terms of percentage. E.g. 99.9999% uptime.</a:t>
+            </a:r>
+          </a:p>
+          <a:p>
+            <a:r>
+              <a:rPr lang="en-US" dirty="0"/>
+              <a:t>Difficult to measure directly.</a:t>
+            </a:r>
+          </a:p>
+          <a:p>
+            <a:r>
+              <a:rPr lang="en-US" dirty="0"/>
+              <a:t>Surrogate: </a:t>
+            </a:r>
+          </a:p>
+          <a:p>
+            <a:pPr marL="457200" lvl="1" indent="0">
+              <a:buNone/>
+            </a:pPr>
+            <a:r>
+              <a:rPr lang="en-US" sz="2000" dirty="0"/>
+              <a:t>	</a:t>
+            </a:r>
+            <a:r>
+              <a:rPr lang="en-US" dirty="0"/>
+              <a:t>Availability = successful requests/total requests</a:t>
+            </a:r>
+          </a:p>
+          <a:p>
+            <a:r>
+              <a:rPr lang="en-US" dirty="0"/>
+              <a:t>Measured by requesting service based on HTTP</a:t>
             </a:r>
             <a:r>
               <a:rPr lang="en-US" baseline="0" dirty="0"/>
-              <a:t> masking strategy for each cause</a:t>
-            </a:r>
-          </a:p>
-          <a:p>
-            <a:r>
-              <a:rPr lang="en-US" baseline="0" dirty="0"/>
-              <a:t>Detect failure</a:t>
-            </a:r>
-          </a:p>
-          <a:p>
-            <a:r>
-              <a:rPr lang="en-US" baseline="0" dirty="0"/>
-              <a:t>Execute masking strategy. </a:t>
-            </a:r>
-            <a:endParaRPr lang="en-US" dirty="0"/>
+              <a:t> response </a:t>
+            </a:r>
+          </a:p>
+          <a:p>
+            <a:r>
+              <a:rPr lang="en-US" dirty="0"/>
+              <a:t>Passed to observability back end for aggregation.</a:t>
+            </a:r>
           </a:p>
         </p:txBody>
       </p:sp>
     </p:spTree>
     <p:extLst>
       <p:ext uri="{BB962C8B-B14F-4D97-AF65-F5344CB8AC3E}">
-        <p14:creationId xmlns:p14="http://schemas.microsoft.com/office/powerpoint/2010/main" val="1464903676"/>
+        <p14:creationId xmlns:p14="http://schemas.microsoft.com/office/powerpoint/2010/main" val="1428022680"/>
       </p:ext>
     </p:extLst>
   </p:cSld>
@@ -6702,7 +7913,7 @@
           <p:cNvPr id="2" name="Title 1">
             <a:extLst>
               <a:ext uri="{FF2B5EF4-FFF2-40B4-BE49-F238E27FC236}">
-                <a16:creationId xmlns:a16="http://schemas.microsoft.com/office/drawing/2014/main" id="{32925BB2-43C9-4F5B-2AB9-677EE5AFE641}"/>
+                <a16:creationId xmlns:a16="http://schemas.microsoft.com/office/drawing/2014/main" id="{F11814FE-8A8D-5A18-CC9F-186FCE3992DC}"/>
               </a:ext>
             </a:extLst>
           </p:cNvPr>
@@ -6720,7 +7931,7 @@
           <a:p>
             <a:r>
               <a:rPr lang="en-US" dirty="0"/>
-              <a:t>Causes of unavailability</a:t>
+              <a:t>Maintaining System Availability</a:t>
             </a:r>
           </a:p>
         </p:txBody>
@@ -6730,7 +7941,7 @@
           <p:cNvPr id="3" name="Content Placeholder 2">
             <a:extLst>
               <a:ext uri="{FF2B5EF4-FFF2-40B4-BE49-F238E27FC236}">
-                <a16:creationId xmlns:a16="http://schemas.microsoft.com/office/drawing/2014/main" id="{240F9D2C-F472-0E50-8F84-B15A18C176D3}"/>
+                <a16:creationId xmlns:a16="http://schemas.microsoft.com/office/drawing/2014/main" id="{94297BBB-35F9-4C0A-5431-9A0A6BD2BA22}"/>
               </a:ext>
             </a:extLst>
           </p:cNvPr>
@@ -6748,19 +7959,39 @@
           <a:p>
             <a:r>
               <a:rPr lang="en-US" dirty="0"/>
-              <a:t>A failure occurring within the software. E.g. incorrect output of a component.</a:t>
-            </a:r>
-          </a:p>
-          <a:p>
-            <a:r>
-              <a:rPr lang="en-US" dirty="0"/>
-              <a:t>A failure occurring in the environment. E.g. a VM running an instance of a component of the system fails or an availability zone in a region becomes inaccessible.</a:t>
-            </a:r>
-          </a:p>
-          <a:p>
-            <a:r>
-              <a:rPr lang="en-US" dirty="0"/>
-              <a:t>A mismatch between the software and its environment. E.g. misinterpreting a sensor reading.</a:t>
+              <a:t>Identify single points of failure</a:t>
+            </a:r>
+          </a:p>
+          <a:p>
+            <a:r>
+              <a:rPr lang="en-US" dirty="0"/>
+              <a:t>Introduce detection mechanisms</a:t>
+            </a:r>
+          </a:p>
+          <a:p>
+            <a:pPr lvl="1"/>
+            <a:r>
+              <a:rPr lang="en-US" dirty="0"/>
+              <a:t>Timeout</a:t>
+            </a:r>
+          </a:p>
+          <a:p>
+            <a:pPr lvl="1"/>
+            <a:r>
+              <a:rPr lang="en-US" dirty="0"/>
+              <a:t>Health check</a:t>
+            </a:r>
+          </a:p>
+          <a:p>
+            <a:r>
+              <a:rPr lang="en-US" dirty="0"/>
+              <a:t>Introduce appropriate form of redundancy</a:t>
+            </a:r>
+          </a:p>
+          <a:p>
+            <a:r>
+              <a:rPr lang="en-US" dirty="0"/>
+              <a:t>Upon a failure, mitigate it using one of the forms of redundancy</a:t>
             </a:r>
           </a:p>
         </p:txBody>
@@ -6768,7 +7999,7 @@
     </p:spTree>
     <p:extLst>
       <p:ext uri="{BB962C8B-B14F-4D97-AF65-F5344CB8AC3E}">
-        <p14:creationId xmlns:p14="http://schemas.microsoft.com/office/powerpoint/2010/main" val="790500686"/>
+        <p14:creationId xmlns:p14="http://schemas.microsoft.com/office/powerpoint/2010/main" val="499352399"/>
       </p:ext>
     </p:extLst>
   </p:cSld>
@@ -6800,7 +8031,7 @@
           <p:cNvPr id="2" name="Title 1">
             <a:extLst>
               <a:ext uri="{FF2B5EF4-FFF2-40B4-BE49-F238E27FC236}">
-                <a16:creationId xmlns:a16="http://schemas.microsoft.com/office/drawing/2014/main" id="{6E465B8B-4ABB-1F46-AC32-72818123676D}"/>
+                <a16:creationId xmlns:a16="http://schemas.microsoft.com/office/drawing/2014/main" id="{719A8DA0-4205-21C7-517E-5DBBF40DF401}"/>
               </a:ext>
             </a:extLst>
           </p:cNvPr>
@@ -6818,13 +8049,8 @@
           <a:p>
             <a:r>
               <a:rPr lang="en-US" dirty="0"/>
-              <a:t>Masking</a:t>
-            </a:r>
-            <a:r>
-              <a:rPr lang="en-US" baseline="0" dirty="0"/>
-              <a:t> a failure</a:t>
-            </a:r>
-            <a:endParaRPr lang="en-US" dirty="0"/>
+              <a:t>Redundancy</a:t>
+            </a:r>
           </a:p>
         </p:txBody>
       </p:sp>
@@ -6833,7 +8059,7 @@
           <p:cNvPr id="3" name="Content Placeholder 2">
             <a:extLst>
               <a:ext uri="{FF2B5EF4-FFF2-40B4-BE49-F238E27FC236}">
-                <a16:creationId xmlns:a16="http://schemas.microsoft.com/office/drawing/2014/main" id="{AA7A84F0-4B98-5136-DC9A-D5F1E36E9AB1}"/>
+                <a16:creationId xmlns:a16="http://schemas.microsoft.com/office/drawing/2014/main" id="{55675E2D-D132-8A68-3EEC-92219A0AD0F9}"/>
               </a:ext>
             </a:extLst>
           </p:cNvPr>
@@ -6844,50 +8070,87 @@
             <p:ph idx="1"/>
           </p:nvPr>
         </p:nvSpPr>
-        <p:spPr/>
+        <p:spPr>
+          <a:xfrm>
+            <a:off x="685800" y="1676400"/>
+            <a:ext cx="7772400" cy="4038600"/>
+          </a:xfrm>
+        </p:spPr>
         <p:txBody>
           <a:bodyPr/>
           <a:lstStyle/>
           <a:p>
             <a:r>
+              <a:rPr lang="en-US" dirty="0"/>
+              <a:t>Preparing for a failure involves some type of redundancy</a:t>
+            </a:r>
+          </a:p>
+          <a:p>
+            <a:pPr lvl="1"/>
+            <a:r>
+              <a:rPr lang="en-US" dirty="0"/>
+              <a:t>Duplicate code </a:t>
+            </a:r>
+          </a:p>
+          <a:p>
+            <a:pPr lvl="2"/>
+            <a:r>
+              <a:rPr lang="en-US" dirty="0"/>
+              <a:t>Possibly independently</a:t>
+            </a:r>
+            <a:r>
               <a:rPr lang="en-US" baseline="0" dirty="0"/>
-              <a:t>A masked failure is a failure that occurs in some portion of the system </a:t>
-            </a:r>
-            <a:r>
-              <a:rPr lang="en-US" dirty="0"/>
-              <a:t>and the user continues to see the system as operational and accessible for use</a:t>
-            </a:r>
-          </a:p>
-          <a:p>
+              <a:t> developed</a:t>
+            </a:r>
+          </a:p>
+          <a:p>
+            <a:pPr lvl="2"/>
             <a:r>
               <a:rPr lang="en-US" baseline="0" dirty="0"/>
-              <a:t>Masking a failure means</a:t>
+              <a:t>Possibly alternative method of achieving function</a:t>
             </a:r>
           </a:p>
           <a:p>
             <a:pPr lvl="1"/>
             <a:r>
+              <a:rPr lang="en-US" dirty="0"/>
+              <a:t>Duplicate executable</a:t>
+            </a:r>
+            <a:endParaRPr lang="en-US" baseline="0" dirty="0"/>
+          </a:p>
+          <a:p>
+            <a:pPr lvl="1"/>
+            <a:r>
               <a:rPr lang="en-US" baseline="0" dirty="0"/>
-              <a:t>The failure has been anticipated and preparations made to deal with it.</a:t>
+              <a:t>Duplicate data</a:t>
             </a:r>
           </a:p>
           <a:p>
             <a:pPr lvl="1"/>
             <a:r>
-              <a:rPr lang="en-US" dirty="0"/>
-              <a:t>The failure has been detected and the preparations that were made are executed</a:t>
+              <a:rPr lang="en-US" baseline="0" dirty="0"/>
+              <a:t>Duplicate hardware</a:t>
             </a:r>
           </a:p>
           <a:p>
             <a:pPr lvl="1"/>
-            <a:endParaRPr lang="en-US" dirty="0"/>
+            <a:r>
+              <a:rPr lang="en-US" baseline="0" dirty="0"/>
+              <a:t>Duplicate requests</a:t>
+            </a:r>
+          </a:p>
+          <a:p>
+            <a:r>
+              <a:rPr lang="en-US" dirty="0"/>
+              <a:t>Each of these forms of redundancy has its own considerations</a:t>
+            </a:r>
           </a:p>
         </p:txBody>
       </p:sp>
     </p:spTree>
     <p:extLst>
       <p:ext uri="{BB962C8B-B14F-4D97-AF65-F5344CB8AC3E}">
-        <p14:creationId xmlns:p14="http://schemas.microsoft.com/office/powerpoint/2010/main" val="4261565895"/>
+        <p14:creationId xmlns:p14="http://schemas.microsoft.com/office/powerpoint/2010/main" val="372089308"/>
       </p:ext>
     </p:extLst>
   </p:cSld>
@@ -6919,7 +8182,7 @@
           <p:cNvPr id="2" name="Title 1">
             <a:extLst>
               <a:ext uri="{FF2B5EF4-FFF2-40B4-BE49-F238E27FC236}">
-                <a16:creationId xmlns:a16="http://schemas.microsoft.com/office/drawing/2014/main" id="{719A8DA0-4205-21C7-517E-5DBBF40DF401}"/>
+                <a16:creationId xmlns:a16="http://schemas.microsoft.com/office/drawing/2014/main" id="{3E16F2FE-7AB9-D95F-CAFC-2B6E246A5FBB}"/>
               </a:ext>
             </a:extLst>
           </p:cNvPr>
@@ -6937,7 +8200,7 @@
           <a:p>
             <a:r>
               <a:rPr lang="en-US" dirty="0"/>
-              <a:t>Redundancy</a:t>
+              <a:t>Outline</a:t>
             </a:r>
           </a:p>
         </p:txBody>
@@ -6947,7 +8210,7 @@
           <p:cNvPr id="3" name="Content Placeholder 2">
             <a:extLst>
               <a:ext uri="{FF2B5EF4-FFF2-40B4-BE49-F238E27FC236}">
-                <a16:creationId xmlns:a16="http://schemas.microsoft.com/office/drawing/2014/main" id="{55675E2D-D132-8A68-3EEC-92219A0AD0F9}"/>
+                <a16:creationId xmlns:a16="http://schemas.microsoft.com/office/drawing/2014/main" id="{0360376D-D0AD-8627-6131-7F80E819B143}"/>
               </a:ext>
             </a:extLst>
           </p:cNvPr>
@@ -6958,79 +8221,38 @@
             <p:ph idx="1"/>
           </p:nvPr>
         </p:nvSpPr>
-        <p:spPr>
-          <a:xfrm>
-            <a:off x="685800" y="1676400"/>
-            <a:ext cx="7772400" cy="4038600"/>
-          </a:xfrm>
-        </p:spPr>
+        <p:spPr/>
         <p:txBody>
           <a:bodyPr/>
           <a:lstStyle/>
           <a:p>
             <a:r>
               <a:rPr lang="en-US" dirty="0"/>
-              <a:t>Most preparations involve some type of redundancy</a:t>
-            </a:r>
-          </a:p>
-          <a:p>
-            <a:pPr lvl="1"/>
-            <a:r>
-              <a:rPr lang="en-US" dirty="0"/>
-              <a:t>Duplicate code </a:t>
-            </a:r>
-          </a:p>
-          <a:p>
-            <a:pPr lvl="2"/>
-            <a:r>
-              <a:rPr lang="en-US" dirty="0"/>
-              <a:t>Possibly independently</a:t>
-            </a:r>
-            <a:r>
-              <a:rPr lang="en-US" baseline="0" dirty="0"/>
-              <a:t> developed</a:t>
-            </a:r>
-          </a:p>
-          <a:p>
-            <a:pPr lvl="2"/>
-            <a:r>
-              <a:rPr lang="en-US" baseline="0" dirty="0"/>
-              <a:t>Possibly alternative method of achieving function</a:t>
-            </a:r>
-          </a:p>
-          <a:p>
-            <a:pPr lvl="1"/>
-            <a:r>
-              <a:rPr lang="en-US" dirty="0"/>
-              <a:t>Duplicate executable</a:t>
-            </a:r>
-            <a:endParaRPr lang="en-US" baseline="0" dirty="0"/>
-          </a:p>
-          <a:p>
-            <a:pPr lvl="1"/>
-            <a:r>
-              <a:rPr lang="en-US" baseline="0" dirty="0"/>
-              <a:t>Duplicate data</a:t>
-            </a:r>
-          </a:p>
-          <a:p>
-            <a:pPr lvl="1"/>
-            <a:r>
-              <a:rPr lang="en-US" baseline="0" dirty="0"/>
-              <a:t>Duplicate hardware</a:t>
-            </a:r>
-          </a:p>
-          <a:p>
-            <a:pPr lvl="1"/>
-            <a:r>
-              <a:rPr lang="en-US" baseline="0" dirty="0"/>
-              <a:t>Duplicate requests</a:t>
-            </a:r>
-          </a:p>
-          <a:p>
-            <a:r>
-              <a:rPr lang="en-US" dirty="0"/>
-              <a:t>Each of these forms of redundancy has its own considerations</a:t>
+              <a:t>Introduction</a:t>
+            </a:r>
+          </a:p>
+          <a:p>
+            <a:r>
+              <a:rPr lang="en-US" b="1" dirty="0"/>
+              <a:t>System centric</a:t>
+            </a:r>
+          </a:p>
+          <a:p>
+            <a:r>
+              <a:rPr lang="en-US" dirty="0"/>
+              <a:t>Availability zone centric</a:t>
+            </a:r>
+          </a:p>
+          <a:p>
+            <a:r>
+              <a:rPr lang="en-US" dirty="0"/>
+              <a:t>Disaster recovery</a:t>
+            </a:r>
+          </a:p>
+          <a:p>
+            <a:r>
+              <a:rPr lang="en-US" dirty="0"/>
+              <a:t>Other considerations</a:t>
             </a:r>
           </a:p>
         </p:txBody>
@@ -7038,7 +8260,7 @@
     </p:spTree>
     <p:extLst>
       <p:ext uri="{BB962C8B-B14F-4D97-AF65-F5344CB8AC3E}">
-        <p14:creationId xmlns:p14="http://schemas.microsoft.com/office/powerpoint/2010/main" val="536123937"/>
+        <p14:creationId xmlns:p14="http://schemas.microsoft.com/office/powerpoint/2010/main" val="3523850379"/>
       </p:ext>
     </p:extLst>
   </p:cSld>
@@ -7070,7 +8292,7 @@
           <p:cNvPr id="2" name="Title 1">
             <a:extLst>
               <a:ext uri="{FF2B5EF4-FFF2-40B4-BE49-F238E27FC236}">
-                <a16:creationId xmlns:a16="http://schemas.microsoft.com/office/drawing/2014/main" id="{3E16F2FE-7AB9-D95F-CAFC-2B6E246A5FBB}"/>
+                <a16:creationId xmlns:a16="http://schemas.microsoft.com/office/drawing/2014/main" id="{7858BBE3-1DD7-6C4D-07AB-F718DDAB1BC5}"/>
               </a:ext>
             </a:extLst>
           </p:cNvPr>
@@ -7088,7 +8310,7 @@
           <a:p>
             <a:r>
               <a:rPr lang="en-US" dirty="0"/>
-              <a:t>Outline</a:t>
+              <a:t>Causes of failed requests</a:t>
             </a:r>
           </a:p>
         </p:txBody>
@@ -7098,7 +8320,7 @@
           <p:cNvPr id="3" name="Content Placeholder 2">
             <a:extLst>
               <a:ext uri="{FF2B5EF4-FFF2-40B4-BE49-F238E27FC236}">
-                <a16:creationId xmlns:a16="http://schemas.microsoft.com/office/drawing/2014/main" id="{0360376D-D0AD-8627-6131-7F80E819B143}"/>
+                <a16:creationId xmlns:a16="http://schemas.microsoft.com/office/drawing/2014/main" id="{84F6EF90-BC9C-EC49-3414-8F9A6A65DFBE}"/>
               </a:ext>
             </a:extLst>
           </p:cNvPr>
@@ -7116,31 +8338,40 @@
           <a:p>
             <a:r>
               <a:rPr lang="en-US" dirty="0"/>
-              <a:t>Introduction </a:t>
-            </a:r>
-          </a:p>
-          <a:p>
-            <a:r>
-              <a:rPr lang="en-US" b="1" dirty="0"/>
-              <a:t>Dealing with failure</a:t>
-            </a:r>
-          </a:p>
-          <a:p>
-            <a:pPr marL="457200" lvl="1" indent="0">
-              <a:buNone/>
-            </a:pPr>
-            <a:endParaRPr lang="en-US" dirty="0"/>
+              <a:t>Notation: Service</a:t>
+            </a:r>
+            <a:r>
+              <a:rPr lang="en-US" baseline="0" dirty="0"/>
+              <a:t> A is requesting service from Service B</a:t>
+            </a:r>
+          </a:p>
+          <a:p>
+            <a:r>
+              <a:rPr lang="en-US" dirty="0"/>
+              <a:t>A request fails because either</a:t>
+            </a:r>
+            <a:endParaRPr lang="en-US" baseline="0" dirty="0"/>
           </a:p>
           <a:p>
             <a:pPr lvl="1"/>
-            <a:endParaRPr lang="en-US" dirty="0"/>
+            <a:r>
+              <a:rPr lang="en-US" baseline="0" dirty="0"/>
+              <a:t>Service B is overloaded or</a:t>
+            </a:r>
+          </a:p>
+          <a:p>
+            <a:pPr lvl="1"/>
+            <a:r>
+              <a:rPr lang="en-US" baseline="0" dirty="0"/>
+              <a:t>Service B has failed</a:t>
+            </a:r>
           </a:p>
         </p:txBody>
       </p:sp>
     </p:spTree>
     <p:extLst>
       <p:ext uri="{BB962C8B-B14F-4D97-AF65-F5344CB8AC3E}">
-        <p14:creationId xmlns:p14="http://schemas.microsoft.com/office/powerpoint/2010/main" val="3575164264"/>
+        <p14:creationId xmlns:p14="http://schemas.microsoft.com/office/powerpoint/2010/main" val="1608183975"/>
       </p:ext>
     </p:extLst>
   </p:cSld>
@@ -7172,7 +8403,7 @@
           <p:cNvPr id="2" name="Title 1">
             <a:extLst>
               <a:ext uri="{FF2B5EF4-FFF2-40B4-BE49-F238E27FC236}">
-                <a16:creationId xmlns:a16="http://schemas.microsoft.com/office/drawing/2014/main" id="{D8CE8403-EF30-39E2-4DB7-899E6F6CB2D8}"/>
+                <a16:creationId xmlns:a16="http://schemas.microsoft.com/office/drawing/2014/main" id="{FDAE5225-440D-531C-450C-D2CF885993B6}"/>
               </a:ext>
             </a:extLst>
           </p:cNvPr>
@@ -7190,7 +8421,7 @@
           <a:p>
             <a:r>
               <a:rPr lang="en-US" dirty="0"/>
-              <a:t>Detecting failure</a:t>
+              <a:t>Determining cause of failed request</a:t>
             </a:r>
           </a:p>
         </p:txBody>
@@ -7200,7 +8431,7 @@
           <p:cNvPr id="3" name="Content Placeholder 2">
             <a:extLst>
               <a:ext uri="{FF2B5EF4-FFF2-40B4-BE49-F238E27FC236}">
-                <a16:creationId xmlns:a16="http://schemas.microsoft.com/office/drawing/2014/main" id="{1CF6DC6C-6F9F-32A7-1A4A-655276863EA2}"/>
+                <a16:creationId xmlns:a16="http://schemas.microsoft.com/office/drawing/2014/main" id="{84065231-26C8-FA7A-AE69-E12D94B888FE}"/>
               </a:ext>
             </a:extLst>
           </p:cNvPr>
@@ -7216,74 +8447,35 @@
           <a:bodyPr/>
           <a:lstStyle/>
           <a:p>
-            <a:r>
-              <a:rPr lang="en-US" dirty="0"/>
-              <a:t>Two categories of symptoms</a:t>
-            </a:r>
-          </a:p>
-          <a:p>
-            <a:pPr lvl="1"/>
-            <a:r>
-              <a:rPr lang="en-US" dirty="0"/>
-              <a:t>No response from a</a:t>
+            <a:pPr lvl="0"/>
+            <a:r>
+              <a:rPr lang="en-US" dirty="0"/>
+              <a:t>Distinguishing between these two cases is difficult.</a:t>
+            </a:r>
+          </a:p>
+          <a:p>
+            <a:pPr lvl="0"/>
+            <a:r>
+              <a:rPr lang="en-US" dirty="0"/>
+              <a:t>Service A has set a timeout. </a:t>
+            </a:r>
+          </a:p>
+          <a:p>
+            <a:pPr lvl="0"/>
+            <a:r>
+              <a:rPr lang="en-US" dirty="0"/>
+              <a:t>After timeout period, Initial reaction</a:t>
             </a:r>
             <a:r>
               <a:rPr lang="en-US" baseline="0" dirty="0"/>
-              <a:t> request</a:t>
-            </a:r>
-            <a:r>
-              <a:rPr lang="en-US" dirty="0"/>
-              <a:t> within specified time.</a:t>
-            </a:r>
-          </a:p>
-          <a:p>
-            <a:pPr lvl="1"/>
-            <a:r>
-              <a:rPr lang="en-US" dirty="0"/>
-              <a:t>Erroneous output of a component.</a:t>
-            </a:r>
-          </a:p>
-          <a:p>
-            <a:r>
-              <a:rPr lang="en-US" dirty="0"/>
-              <a:t>For each symptom, there </a:t>
-            </a:r>
-            <a:r>
-              <a:rPr lang="en-US" baseline="0" dirty="0"/>
-              <a:t>are questions </a:t>
-            </a:r>
-          </a:p>
-          <a:p>
-            <a:pPr lvl="1"/>
-            <a:r>
-              <a:rPr lang="en-US" dirty="0"/>
-              <a:t>How</a:t>
-            </a:r>
-            <a:r>
-              <a:rPr lang="en-US" baseline="0" dirty="0"/>
-              <a:t> is the symptom manifested?</a:t>
-            </a:r>
-          </a:p>
-          <a:p>
-            <a:pPr lvl="1"/>
-            <a:r>
-              <a:rPr lang="en-US" baseline="0" dirty="0"/>
-              <a:t>What preparations will keep the symptom from causing a failure?</a:t>
-            </a:r>
-          </a:p>
-          <a:p>
-            <a:pPr lvl="1"/>
-            <a:r>
-              <a:rPr lang="en-US" baseline="0" dirty="0"/>
-              <a:t>How is the symptom masked to keep the</a:t>
-            </a:r>
-            <a:r>
-              <a:rPr lang="en-US" dirty="0"/>
-              <a:t> system from becoming unavailable</a:t>
-            </a:r>
-            <a:r>
-              <a:rPr lang="en-US" baseline="0" dirty="0"/>
-              <a:t>?</a:t>
+              <a:t> is for Service A to retry request.</a:t>
+            </a:r>
+          </a:p>
+          <a:p>
+            <a:pPr lvl="0"/>
+            <a:r>
+              <a:rPr lang="en-US" dirty="0"/>
+              <a:t>Typically, retry limited number of times (2 or 3) before deciding service B has failed.</a:t>
             </a:r>
           </a:p>
         </p:txBody>
@@ -7291,7 +8483,7 @@
     </p:spTree>
     <p:extLst>
       <p:ext uri="{BB962C8B-B14F-4D97-AF65-F5344CB8AC3E}">
-        <p14:creationId xmlns:p14="http://schemas.microsoft.com/office/powerpoint/2010/main" val="3860322440"/>
+        <p14:creationId xmlns:p14="http://schemas.microsoft.com/office/powerpoint/2010/main" val="1131319182"/>
       </p:ext>
     </p:extLst>
   </p:cSld>

--- a/availability.pptx
+++ b/availability.pptx
@@ -5,10 +5,10 @@
     <p:sldMasterId id="2147483680" r:id="rId1"/>
   </p:sldMasterIdLst>
   <p:notesMasterIdLst>
-    <p:notesMasterId r:id="rId40"/>
+    <p:notesMasterId r:id="rId42"/>
   </p:notesMasterIdLst>
   <p:handoutMasterIdLst>
-    <p:handoutMasterId r:id="rId41"/>
+    <p:handoutMasterId r:id="rId43"/>
   </p:handoutMasterIdLst>
   <p:sldIdLst>
     <p:sldId id="256" r:id="rId2"/>
@@ -48,7 +48,9 @@
     <p:sldId id="702" r:id="rId36"/>
     <p:sldId id="703" r:id="rId37"/>
     <p:sldId id="709" r:id="rId38"/>
-    <p:sldId id="291" r:id="rId39"/>
+    <p:sldId id="714" r:id="rId39"/>
+    <p:sldId id="715" r:id="rId40"/>
+    <p:sldId id="291" r:id="rId41"/>
   </p:sldIdLst>
   <p:sldSz cx="9144000" cy="6858000" type="screen4x3"/>
   <p:notesSz cx="7315200" cy="9601200"/>
@@ -1335,7 +1337,7 @@
           <a:effectLst/>
           <a:extLst>
             <a:ext uri="{AF507438-7753-43e0-B8FC-AC1667EBCBE1}">
-              <a14:hiddenEffects xmlns:a14="http://schemas.microsoft.com/office/drawing/2010/main" xmlns="">
+              <a14:hiddenEffects xmlns="" xmlns:a14="http://schemas.microsoft.com/office/drawing/2010/main">
                 <a:effectLst>
                   <a:outerShdw blurRad="63500" dist="38099" dir="2700000" algn="ctr" rotWithShape="0">
                     <a:schemeClr val="bg2">
@@ -2591,14 +2593,14 @@
           <a:effectLst/>
           <a:extLst>
             <a:ext uri="{909E8E84-426E-40dd-AFC4-6F175D3DCCD1}">
-              <a14:hiddenFill xmlns:a14="http://schemas.microsoft.com/office/drawing/2010/main" xmlns="">
+              <a14:hiddenFill xmlns="" xmlns:a14="http://schemas.microsoft.com/office/drawing/2010/main">
                 <a:solidFill>
                   <a:schemeClr val="accent1"/>
                 </a:solidFill>
               </a14:hiddenFill>
             </a:ext>
             <a:ext uri="{91240B29-F687-4f45-9708-019B960494DF}">
-              <a14:hiddenLine xmlns:a14="http://schemas.microsoft.com/office/drawing/2010/main" xmlns="" w="9525">
+              <a14:hiddenLine xmlns="" xmlns:a14="http://schemas.microsoft.com/office/drawing/2010/main" w="9525">
                 <a:solidFill>
                   <a:schemeClr val="tx1"/>
                 </a:solidFill>
@@ -2608,7 +2610,7 @@
               </a14:hiddenLine>
             </a:ext>
             <a:ext uri="{AF507438-7753-43e0-B8FC-AC1667EBCBE1}">
-              <a14:hiddenEffects xmlns:a14="http://schemas.microsoft.com/office/drawing/2010/main" xmlns="">
+              <a14:hiddenEffects xmlns="" xmlns:a14="http://schemas.microsoft.com/office/drawing/2010/main">
                 <a:effectLst>
                   <a:outerShdw blurRad="63500" dist="38099" dir="2700000" algn="ctr" rotWithShape="0">
                     <a:schemeClr val="bg2">
@@ -2619,7 +2621,7 @@
               </a14:hiddenEffects>
             </a:ext>
             <a:ext uri="{FAA26D3D-D897-4be2-8F04-BA451C77F1D7}">
-              <ma14:placeholderFlag xmlns:ma14="http://schemas.microsoft.com/office/mac/drawingml/2011/main" xmlns="" val="1"/>
+              <ma14:placeholderFlag xmlns="" xmlns:ma14="http://schemas.microsoft.com/office/mac/drawingml/2011/main" val="1"/>
             </a:ext>
           </a:extLst>
         </p:spPr>
@@ -2664,14 +2666,14 @@
           <a:effectLst/>
           <a:extLst>
             <a:ext uri="{909E8E84-426E-40dd-AFC4-6F175D3DCCD1}">
-              <a14:hiddenFill xmlns:a14="http://schemas.microsoft.com/office/drawing/2010/main" xmlns="">
+              <a14:hiddenFill xmlns="" xmlns:a14="http://schemas.microsoft.com/office/drawing/2010/main">
                 <a:solidFill>
                   <a:schemeClr val="accent1"/>
                 </a:solidFill>
               </a14:hiddenFill>
             </a:ext>
             <a:ext uri="{91240B29-F687-4f45-9708-019B960494DF}">
-              <a14:hiddenLine xmlns:a14="http://schemas.microsoft.com/office/drawing/2010/main" xmlns="" w="9525">
+              <a14:hiddenLine xmlns="" xmlns:a14="http://schemas.microsoft.com/office/drawing/2010/main" w="9525">
                 <a:solidFill>
                   <a:schemeClr val="tx1"/>
                 </a:solidFill>
@@ -2681,7 +2683,7 @@
               </a14:hiddenLine>
             </a:ext>
             <a:ext uri="{AF507438-7753-43e0-B8FC-AC1667EBCBE1}">
-              <a14:hiddenEffects xmlns:a14="http://schemas.microsoft.com/office/drawing/2010/main" xmlns="">
+              <a14:hiddenEffects xmlns="" xmlns:a14="http://schemas.microsoft.com/office/drawing/2010/main">
                 <a:effectLst>
                   <a:outerShdw blurRad="63500" dist="38099" dir="2700000" algn="ctr" rotWithShape="0">
                     <a:schemeClr val="bg2">
@@ -2692,7 +2694,7 @@
               </a14:hiddenEffects>
             </a:ext>
             <a:ext uri="{FAA26D3D-D897-4be2-8F04-BA451C77F1D7}">
-              <ma14:placeholderFlag xmlns:ma14="http://schemas.microsoft.com/office/mac/drawingml/2011/main" xmlns="" val="1"/>
+              <ma14:placeholderFlag xmlns="" xmlns:ma14="http://schemas.microsoft.com/office/mac/drawingml/2011/main" val="1"/>
             </a:ext>
           </a:extLst>
         </p:spPr>
@@ -2770,36 +2772,6 @@
             <a:headEnd/>
             <a:tailEnd/>
           </a:ln>
-        </p:spPr>
-      </p:pic>
-      <p:pic>
-        <p:nvPicPr>
-          <p:cNvPr id="3" name="Picture 2">
-            <a:extLst>
-              <a:ext uri="{FF2B5EF4-FFF2-40B4-BE49-F238E27FC236}">
-                <a16:creationId xmlns:a16="http://schemas.microsoft.com/office/drawing/2014/main" id="{D516B1DB-5E49-1EA2-8C18-34B3643D7DAB}"/>
-              </a:ext>
-            </a:extLst>
-          </p:cNvPr>
-          <p:cNvPicPr>
-            <a:picLocks noChangeAspect="1"/>
-          </p:cNvPicPr>
-          <p:nvPr userDrawn="1"/>
-        </p:nvPicPr>
-        <p:blipFill>
-          <a:blip r:embed="rId14"/>
-          <a:stretch>
-            <a:fillRect/>
-          </a:stretch>
-        </p:blipFill>
-        <p:spPr>
-          <a:xfrm>
-            <a:off x="7391400" y="6096000"/>
-            <a:ext cx="1388962" cy="563592"/>
-          </a:xfrm>
-          <a:prstGeom prst="rect">
-            <a:avLst/>
-          </a:prstGeom>
         </p:spPr>
       </p:pic>
     </p:spTree>
@@ -4568,6 +4540,12 @@
               <a:t>Other considerations</a:t>
             </a:r>
           </a:p>
+          <a:p>
+            <a:r>
+              <a:rPr lang="en-US" dirty="0"/>
+              <a:t>Key questions</a:t>
+            </a:r>
+          </a:p>
         </p:txBody>
       </p:sp>
     </p:spTree>
@@ -4787,6 +4765,15 @@
               <a:t>Other considerations</a:t>
             </a:r>
           </a:p>
+          <a:p>
+            <a:r>
+              <a:rPr lang="en-US" dirty="0"/>
+              <a:t>Key questions</a:t>
+            </a:r>
+          </a:p>
+          <a:p>
+            <a:endParaRPr lang="en-US" dirty="0"/>
+          </a:p>
         </p:txBody>
       </p:sp>
     </p:spTree>
@@ -5147,6 +5134,15 @@
               <a:rPr lang="en-US" dirty="0"/>
               <a:t>Other considerations</a:t>
             </a:r>
+          </a:p>
+          <a:p>
+            <a:r>
+              <a:rPr lang="en-US" dirty="0"/>
+              <a:t>Key questions</a:t>
+            </a:r>
+          </a:p>
+          <a:p>
+            <a:endParaRPr lang="en-US" dirty="0"/>
           </a:p>
         </p:txBody>
       </p:sp>
@@ -5512,7 +5508,7 @@
             <a:effectLst/>
             <a:extLst>
               <a:ext uri="{AF507438-7753-43e0-B8FC-AC1667EBCBE1}">
-                <a14:hiddenEffects xmlns:a14="http://schemas.microsoft.com/office/drawing/2010/main" xmlns="">
+                <a14:hiddenEffects xmlns="" xmlns:a14="http://schemas.microsoft.com/office/drawing/2010/main">
                   <a:effectLst>
                     <a:outerShdw blurRad="63500" dist="38099" dir="2700000" algn="ctr" rotWithShape="0">
                       <a:schemeClr val="bg2">
@@ -5706,7 +5702,7 @@
             <a:effectLst/>
             <a:extLst>
               <a:ext uri="{AF507438-7753-43e0-B8FC-AC1667EBCBE1}">
-                <a14:hiddenEffects xmlns:a14="http://schemas.microsoft.com/office/drawing/2010/main" xmlns="">
+                <a14:hiddenEffects xmlns="" xmlns:a14="http://schemas.microsoft.com/office/drawing/2010/main">
                   <a:effectLst>
                     <a:outerShdw blurRad="63500" dist="38099" dir="2700000" algn="ctr" rotWithShape="0">
                       <a:schemeClr val="bg2">
@@ -5780,7 +5776,7 @@
             <a:effectLst/>
             <a:extLst>
               <a:ext uri="{AF507438-7753-43e0-B8FC-AC1667EBCBE1}">
-                <a14:hiddenEffects xmlns:a14="http://schemas.microsoft.com/office/drawing/2010/main" xmlns="">
+                <a14:hiddenEffects xmlns="" xmlns:a14="http://schemas.microsoft.com/office/drawing/2010/main">
                   <a:effectLst>
                     <a:outerShdw blurRad="63500" dist="38099" dir="2700000" algn="ctr" rotWithShape="0">
                       <a:schemeClr val="bg2">
@@ -5854,7 +5850,7 @@
             <a:effectLst/>
             <a:extLst>
               <a:ext uri="{AF507438-7753-43e0-B8FC-AC1667EBCBE1}">
-                <a14:hiddenEffects xmlns:a14="http://schemas.microsoft.com/office/drawing/2010/main" xmlns="">
+                <a14:hiddenEffects xmlns="" xmlns:a14="http://schemas.microsoft.com/office/drawing/2010/main">
                   <a:effectLst>
                     <a:outerShdw blurRad="63500" dist="38099" dir="2700000" algn="ctr" rotWithShape="0">
                       <a:schemeClr val="bg2">
@@ -6502,6 +6498,15 @@
               <a:rPr lang="en-US" b="1" dirty="0"/>
               <a:t>Other considerations</a:t>
             </a:r>
+          </a:p>
+          <a:p>
+            <a:r>
+              <a:rPr lang="en-US" dirty="0"/>
+              <a:t>Key questions</a:t>
+            </a:r>
+          </a:p>
+          <a:p>
+            <a:endParaRPr lang="en-US" b="1" dirty="0"/>
           </a:p>
         </p:txBody>
       </p:sp>
@@ -7667,7 +7672,7 @@
           <p:cNvPr id="2" name="Title 1">
             <a:extLst>
               <a:ext uri="{FF2B5EF4-FFF2-40B4-BE49-F238E27FC236}">
-                <a16:creationId xmlns:a16="http://schemas.microsoft.com/office/drawing/2014/main" id="{159384EF-16DD-3764-54E3-6DB53E58A028}"/>
+                <a16:creationId xmlns:a16="http://schemas.microsoft.com/office/drawing/2014/main" id="{3E16F2FE-7AB9-D95F-CAFC-2B6E246A5FBB}"/>
               </a:ext>
             </a:extLst>
           </p:cNvPr>
@@ -7685,7 +7690,7 @@
           <a:p>
             <a:r>
               <a:rPr lang="en-US" dirty="0"/>
-              <a:t>Summary</a:t>
+              <a:t>Outline</a:t>
             </a:r>
           </a:p>
         </p:txBody>
@@ -7695,7 +7700,7 @@
           <p:cNvPr id="3" name="Content Placeholder 2">
             <a:extLst>
               <a:ext uri="{FF2B5EF4-FFF2-40B4-BE49-F238E27FC236}">
-                <a16:creationId xmlns:a16="http://schemas.microsoft.com/office/drawing/2014/main" id="{5D167070-57D7-AB19-51C7-4DE3967E569B}"/>
+                <a16:creationId xmlns:a16="http://schemas.microsoft.com/office/drawing/2014/main" id="{0360376D-D0AD-8627-6131-7F80E819B143}"/>
               </a:ext>
             </a:extLst>
           </p:cNvPr>
@@ -7713,48 +7718,142 @@
           <a:p>
             <a:r>
               <a:rPr lang="en-US" dirty="0"/>
-              <a:t>Anticipate causes of unitability</a:t>
-            </a:r>
-          </a:p>
-          <a:p>
-            <a:r>
-              <a:rPr lang="en-US" dirty="0"/>
-              <a:t>Prepare</a:t>
-            </a:r>
-            <a:r>
-              <a:rPr lang="en-US" baseline="0" dirty="0"/>
-              <a:t> masking strategy for each cause</a:t>
-            </a:r>
-          </a:p>
-          <a:p>
-            <a:r>
-              <a:rPr lang="en-US" baseline="0" dirty="0"/>
-              <a:t>Detect failure</a:t>
-            </a:r>
-          </a:p>
-          <a:p>
-            <a:r>
-              <a:rPr lang="en-US" baseline="0" dirty="0"/>
-              <a:t>Execute masking strategy. </a:t>
-            </a:r>
-          </a:p>
-          <a:p>
-            <a:r>
-              <a:rPr lang="en-US" dirty="0"/>
-              <a:t>Have disaster recovery plan </a:t>
-            </a:r>
-            <a:r>
-              <a:rPr lang="en-US"/>
-              <a:t>in place</a:t>
-            </a:r>
-            <a:endParaRPr lang="en-US" dirty="0"/>
+              <a:t>Introduction</a:t>
+            </a:r>
+          </a:p>
+          <a:p>
+            <a:r>
+              <a:rPr lang="en-US" dirty="0"/>
+              <a:t>System centric</a:t>
+            </a:r>
+          </a:p>
+          <a:p>
+            <a:r>
+              <a:rPr lang="en-US" dirty="0"/>
+              <a:t>Availability zone centric</a:t>
+            </a:r>
+          </a:p>
+          <a:p>
+            <a:r>
+              <a:rPr lang="en-US" dirty="0"/>
+              <a:t>Disaster recovery</a:t>
+            </a:r>
+          </a:p>
+          <a:p>
+            <a:r>
+              <a:rPr lang="en-US" dirty="0"/>
+              <a:t>Other considerations</a:t>
+            </a:r>
+          </a:p>
+          <a:p>
+            <a:r>
+              <a:rPr lang="en-US" b="1" dirty="0"/>
+              <a:t>Key questions</a:t>
+            </a:r>
           </a:p>
         </p:txBody>
       </p:sp>
     </p:spTree>
     <p:extLst>
       <p:ext uri="{BB962C8B-B14F-4D97-AF65-F5344CB8AC3E}">
-        <p14:creationId xmlns:p14="http://schemas.microsoft.com/office/powerpoint/2010/main" val="2347975599"/>
+        <p14:creationId xmlns:p14="http://schemas.microsoft.com/office/powerpoint/2010/main" val="3778383996"/>
+      </p:ext>
+    </p:extLst>
+  </p:cSld>
+  <p:clrMapOvr>
+    <a:masterClrMapping/>
+  </p:clrMapOvr>
+</p:sld>
+</file>
+
+<file path=ppt/slides/slide39.xml><?xml version="1.0" encoding="utf-8"?>
+<p:sld xmlns:a="http://schemas.openxmlformats.org/drawingml/2006/main" xmlns:r="http://schemas.openxmlformats.org/officeDocument/2006/relationships" xmlns:p="http://schemas.openxmlformats.org/presentationml/2006/main">
+  <p:cSld>
+    <p:spTree>
+      <p:nvGrpSpPr>
+        <p:cNvPr id="1" name=""/>
+        <p:cNvGrpSpPr/>
+        <p:nvPr/>
+      </p:nvGrpSpPr>
+      <p:grpSpPr>
+        <a:xfrm>
+          <a:off x="0" y="0"/>
+          <a:ext cx="0" cy="0"/>
+          <a:chOff x="0" y="0"/>
+          <a:chExt cx="0" cy="0"/>
+        </a:xfrm>
+      </p:grpSpPr>
+      <p:sp>
+        <p:nvSpPr>
+          <p:cNvPr id="2" name="Title 1">
+            <a:extLst>
+              <a:ext uri="{FF2B5EF4-FFF2-40B4-BE49-F238E27FC236}">
+                <a16:creationId xmlns:a16="http://schemas.microsoft.com/office/drawing/2014/main" id="{CAC50C7F-A893-C51E-A895-EC90FF6BBDD9}"/>
+              </a:ext>
+            </a:extLst>
+          </p:cNvPr>
+          <p:cNvSpPr>
+            <a:spLocks noGrp="1"/>
+          </p:cNvSpPr>
+          <p:nvPr>
+            <p:ph type="title"/>
+          </p:nvPr>
+        </p:nvSpPr>
+        <p:spPr/>
+        <p:txBody>
+          <a:bodyPr/>
+          <a:lstStyle/>
+          <a:p>
+            <a:r>
+              <a:rPr lang="en-US" dirty="0"/>
+              <a:t>Key questions</a:t>
+            </a:r>
+          </a:p>
+        </p:txBody>
+      </p:sp>
+      <p:sp>
+        <p:nvSpPr>
+          <p:cNvPr id="3" name="Content Placeholder 2">
+            <a:extLst>
+              <a:ext uri="{FF2B5EF4-FFF2-40B4-BE49-F238E27FC236}">
+                <a16:creationId xmlns:a16="http://schemas.microsoft.com/office/drawing/2014/main" id="{D21E3688-7943-B9BF-AE2E-3906965AA9B5}"/>
+              </a:ext>
+            </a:extLst>
+          </p:cNvPr>
+          <p:cNvSpPr>
+            <a:spLocks noGrp="1"/>
+          </p:cNvSpPr>
+          <p:nvPr>
+            <p:ph idx="1"/>
+          </p:nvPr>
+        </p:nvSpPr>
+        <p:spPr/>
+        <p:txBody>
+          <a:bodyPr/>
+          <a:lstStyle/>
+          <a:p>
+            <a:pPr lvl="1"/>
+            <a:r>
+              <a:rPr lang="en-US" dirty="0"/>
+              <a:t>Failure of which components will result in a violation of the requirement?</a:t>
+            </a:r>
+          </a:p>
+          <a:p>
+            <a:pPr lvl="1"/>
+            <a:r>
+              <a:rPr lang="en-US"/>
+              <a:t>Is there redundancy in the design for those components?</a:t>
+            </a:r>
+          </a:p>
+          <a:p>
+            <a:endParaRPr lang="en-US" dirty="0"/>
+          </a:p>
+        </p:txBody>
+      </p:sp>
+    </p:spTree>
+    <p:extLst>
+      <p:ext uri="{BB962C8B-B14F-4D97-AF65-F5344CB8AC3E}">
+        <p14:creationId xmlns:p14="http://schemas.microsoft.com/office/powerpoint/2010/main" val="4206374882"/>
       </p:ext>
     </p:extLst>
   </p:cSld>
@@ -7882,6 +7981,125 @@
     <p:extLst>
       <p:ext uri="{BB962C8B-B14F-4D97-AF65-F5344CB8AC3E}">
         <p14:creationId xmlns:p14="http://schemas.microsoft.com/office/powerpoint/2010/main" val="1428022680"/>
+      </p:ext>
+    </p:extLst>
+  </p:cSld>
+  <p:clrMapOvr>
+    <a:masterClrMapping/>
+  </p:clrMapOvr>
+</p:sld>
+</file>
+
+<file path=ppt/slides/slide40.xml><?xml version="1.0" encoding="utf-8"?>
+<p:sld xmlns:a="http://schemas.openxmlformats.org/drawingml/2006/main" xmlns:r="http://schemas.openxmlformats.org/officeDocument/2006/relationships" xmlns:p="http://schemas.openxmlformats.org/presentationml/2006/main">
+  <p:cSld>
+    <p:spTree>
+      <p:nvGrpSpPr>
+        <p:cNvPr id="1" name=""/>
+        <p:cNvGrpSpPr/>
+        <p:nvPr/>
+      </p:nvGrpSpPr>
+      <p:grpSpPr>
+        <a:xfrm>
+          <a:off x="0" y="0"/>
+          <a:ext cx="0" cy="0"/>
+          <a:chOff x="0" y="0"/>
+          <a:chExt cx="0" cy="0"/>
+        </a:xfrm>
+      </p:grpSpPr>
+      <p:sp>
+        <p:nvSpPr>
+          <p:cNvPr id="2" name="Title 1">
+            <a:extLst>
+              <a:ext uri="{FF2B5EF4-FFF2-40B4-BE49-F238E27FC236}">
+                <a16:creationId xmlns:a16="http://schemas.microsoft.com/office/drawing/2014/main" id="{159384EF-16DD-3764-54E3-6DB53E58A028}"/>
+              </a:ext>
+            </a:extLst>
+          </p:cNvPr>
+          <p:cNvSpPr>
+            <a:spLocks noGrp="1"/>
+          </p:cNvSpPr>
+          <p:nvPr>
+            <p:ph type="title"/>
+          </p:nvPr>
+        </p:nvSpPr>
+        <p:spPr/>
+        <p:txBody>
+          <a:bodyPr/>
+          <a:lstStyle/>
+          <a:p>
+            <a:r>
+              <a:rPr lang="en-US" dirty="0"/>
+              <a:t>Summary</a:t>
+            </a:r>
+          </a:p>
+        </p:txBody>
+      </p:sp>
+      <p:sp>
+        <p:nvSpPr>
+          <p:cNvPr id="3" name="Content Placeholder 2">
+            <a:extLst>
+              <a:ext uri="{FF2B5EF4-FFF2-40B4-BE49-F238E27FC236}">
+                <a16:creationId xmlns:a16="http://schemas.microsoft.com/office/drawing/2014/main" id="{5D167070-57D7-AB19-51C7-4DE3967E569B}"/>
+              </a:ext>
+            </a:extLst>
+          </p:cNvPr>
+          <p:cNvSpPr>
+            <a:spLocks noGrp="1"/>
+          </p:cNvSpPr>
+          <p:nvPr>
+            <p:ph idx="1"/>
+          </p:nvPr>
+        </p:nvSpPr>
+        <p:spPr/>
+        <p:txBody>
+          <a:bodyPr/>
+          <a:lstStyle/>
+          <a:p>
+            <a:r>
+              <a:rPr lang="en-US" dirty="0"/>
+              <a:t>Anticipate causes of unitability</a:t>
+            </a:r>
+          </a:p>
+          <a:p>
+            <a:r>
+              <a:rPr lang="en-US" dirty="0"/>
+              <a:t>Prepare</a:t>
+            </a:r>
+            <a:r>
+              <a:rPr lang="en-US" baseline="0" dirty="0"/>
+              <a:t> masking strategy for each cause</a:t>
+            </a:r>
+          </a:p>
+          <a:p>
+            <a:r>
+              <a:rPr lang="en-US" baseline="0" dirty="0"/>
+              <a:t>Detect failure</a:t>
+            </a:r>
+          </a:p>
+          <a:p>
+            <a:r>
+              <a:rPr lang="en-US" baseline="0" dirty="0"/>
+              <a:t>Execute masking strategy. </a:t>
+            </a:r>
+          </a:p>
+          <a:p>
+            <a:r>
+              <a:rPr lang="en-US" dirty="0"/>
+              <a:t>Have disaster recovery plan </a:t>
+            </a:r>
+            <a:r>
+              <a:rPr lang="en-US"/>
+              <a:t>in place</a:t>
+            </a:r>
+            <a:endParaRPr lang="en-US" dirty="0"/>
+          </a:p>
+        </p:txBody>
+      </p:sp>
+    </p:spTree>
+    <p:extLst>
+      <p:ext uri="{BB962C8B-B14F-4D97-AF65-F5344CB8AC3E}">
+        <p14:creationId xmlns:p14="http://schemas.microsoft.com/office/powerpoint/2010/main" val="2347975599"/>
       </p:ext>
     </p:extLst>
   </p:cSld>
@@ -8254,6 +8472,15 @@
               <a:rPr lang="en-US" dirty="0"/>
               <a:t>Other considerations</a:t>
             </a:r>
+          </a:p>
+          <a:p>
+            <a:r>
+              <a:rPr lang="en-US" dirty="0"/>
+              <a:t>Key questions</a:t>
+            </a:r>
+          </a:p>
+          <a:p>
+            <a:endParaRPr lang="en-US" dirty="0"/>
           </a:p>
         </p:txBody>
       </p:sp>
@@ -8739,7 +8966,7 @@
         <a:effectLst/>
         <a:extLst>
           <a:ext uri="{AF507438-7753-43e0-B8FC-AC1667EBCBE1}">
-            <a14:hiddenEffects xmlns:a14="http://schemas.microsoft.com/office/drawing/2010/main" xmlns="">
+            <a14:hiddenEffects xmlns="" xmlns:a14="http://schemas.microsoft.com/office/drawing/2010/main">
               <a:effectLst>
                 <a:outerShdw blurRad="63500" dist="38099" dir="2700000" algn="ctr" rotWithShape="0">
                   <a:schemeClr val="bg2">
@@ -8816,7 +9043,7 @@
         <a:effectLst/>
         <a:extLst>
           <a:ext uri="{AF507438-7753-43e0-B8FC-AC1667EBCBE1}">
-            <a14:hiddenEffects xmlns:a14="http://schemas.microsoft.com/office/drawing/2010/main" xmlns="">
+            <a14:hiddenEffects xmlns="" xmlns:a14="http://schemas.microsoft.com/office/drawing/2010/main">
               <a:effectLst>
                 <a:outerShdw blurRad="63500" dist="38099" dir="2700000" algn="ctr" rotWithShape="0">
                   <a:schemeClr val="bg2">
